--- a/PaaS/Building Cloud Solutions.pptx
+++ b/PaaS/Building Cloud Solutions.pptx
@@ -276,7 +276,7 @@
           <a:p>
             <a:fld id="{9EB326D8-4C38-4835-91AB-B79CDC0B07B3}" type="datetimeFigureOut">
               <a:rPr lang="en-US" smtClean="0"/>
-              <a:t>7/21/2014</a:t>
+              <a:t>10/6/2014</a:t>
             </a:fld>
             <a:endParaRPr lang="en-US"/>
           </a:p>
@@ -1196,7 +1196,23 @@
             </a:r>
             <a:r>
               <a:rPr lang="en-US" baseline="0" dirty="0" smtClean="0"/>
-              <a:t> a standard IIS ASP.NET Web Site should work in Windows Azure. At MIX09, we additionally added support for IIS7’s FastCGI capability. As a note, any files that are part of a asp.net project on windows azure are READ ONLY! If you need to be able to change the contents of files:</a:t>
+              <a:t> a standard IIS ASP.NET Web Site should work in </a:t>
+            </a:r>
+            <a:r>
+              <a:rPr lang="en-US" baseline="0" dirty="0" smtClean="0"/>
+              <a:t>Microsoft Azure. </a:t>
+            </a:r>
+            <a:r>
+              <a:rPr lang="en-US" baseline="0" dirty="0" smtClean="0"/>
+              <a:t>At MIX09, we additionally added support for IIS7’s FastCGI capability. As a note, any files that are part of a asp.net project on </a:t>
+            </a:r>
+            <a:r>
+              <a:rPr lang="en-US" baseline="0" dirty="0" smtClean="0"/>
+              <a:t>Microsoft Azure </a:t>
+            </a:r>
+            <a:r>
+              <a:rPr lang="en-US" baseline="0" dirty="0" smtClean="0"/>
+              <a:t>are READ ONLY! If you need to be able to change the contents of files:</a:t>
             </a:r>
           </a:p>
           <a:p>
@@ -1754,7 +1770,15 @@
           <a:p>
             <a:r>
               <a:rPr lang="en-US" b="0" baseline="0" dirty="0" smtClean="0"/>
-              <a:t>Notes on the various security roles involved in running a Windows Azure account</a:t>
+              <a:t>Notes on the various security roles involved in running a </a:t>
+            </a:r>
+            <a:r>
+              <a:rPr lang="en-US" b="0" baseline="0" dirty="0" smtClean="0"/>
+              <a:t>Microsoft Azure </a:t>
+            </a:r>
+            <a:r>
+              <a:rPr lang="en-US" b="0" baseline="0" dirty="0" smtClean="0"/>
+              <a:t>account</a:t>
             </a:r>
           </a:p>
           <a:p>
@@ -2687,7 +2711,7 @@
           <a:p>
             <a:fld id="{2DFDA5C7-BBAE-481E-8BF7-731156A2E2C1}" type="datetime8">
               <a:rPr lang="en-US" smtClean="0"/>
-              <a:t>7/21/2014 10:53 AM</a:t>
+              <a:t>10/6/2014 3:24 PM</a:t>
             </a:fld>
             <a:endParaRPr lang="en-US" dirty="0"/>
           </a:p>
@@ -2872,7 +2896,7 @@
           <a:p>
             <a:fld id="{2DFDA5C7-BBAE-481E-8BF7-731156A2E2C1}" type="datetime8">
               <a:rPr lang="en-US" smtClean="0"/>
-              <a:t>7/21/2014 10:53 AM</a:t>
+              <a:t>10/6/2014 3:24 PM</a:t>
             </a:fld>
             <a:endParaRPr lang="en-US" dirty="0"/>
           </a:p>
@@ -3065,7 +3089,7 @@
           <a:p>
             <a:fld id="{2DFDA5C7-BBAE-481E-8BF7-731156A2E2C1}" type="datetime8">
               <a:rPr lang="en-US" smtClean="0"/>
-              <a:t>7/21/2014 10:53 AM</a:t>
+              <a:t>10/6/2014 3:24 PM</a:t>
             </a:fld>
             <a:endParaRPr lang="en-US" dirty="0"/>
           </a:p>
@@ -3250,7 +3274,7 @@
           <a:p>
             <a:fld id="{2DFDA5C7-BBAE-481E-8BF7-731156A2E2C1}" type="datetime8">
               <a:rPr lang="en-US" smtClean="0"/>
-              <a:t>7/21/2014 10:53 AM</a:t>
+              <a:t>10/6/2014 3:24 PM</a:t>
             </a:fld>
             <a:endParaRPr lang="en-US" dirty="0"/>
           </a:p>
@@ -3435,7 +3459,7 @@
           <a:p>
             <a:fld id="{2DFDA5C7-BBAE-481E-8BF7-731156A2E2C1}" type="datetime8">
               <a:rPr lang="en-US" smtClean="0"/>
-              <a:t>7/21/2014 10:53 AM</a:t>
+              <a:t>10/6/2014 3:24 PM</a:t>
             </a:fld>
             <a:endParaRPr lang="en-US" dirty="0"/>
           </a:p>
@@ -3620,7 +3644,7 @@
           <a:p>
             <a:fld id="{2DFDA5C7-BBAE-481E-8BF7-731156A2E2C1}" type="datetime8">
               <a:rPr lang="en-US" smtClean="0"/>
-              <a:t>7/21/2014 10:53 AM</a:t>
+              <a:t>10/6/2014 3:24 PM</a:t>
             </a:fld>
             <a:endParaRPr lang="en-US" dirty="0"/>
           </a:p>
@@ -3840,7 +3864,7 @@
                 </a:solidFill>
               </a:rPr>
               <a:pPr/>
-              <a:t>7/21/2014</a:t>
+              <a:t>10/6/2014</a:t>
             </a:fld>
             <a:endParaRPr lang="en-US" dirty="0">
               <a:solidFill>
@@ -8753,7 +8777,7 @@
           <a:graphicData uri="http://schemas.openxmlformats.org/presentationml/2006/ole">
             <mc:AlternateContent xmlns:mc="http://schemas.openxmlformats.org/markup-compatibility/2006">
               <mc:Choice xmlns:v="urn:schemas-microsoft-com:vml" Requires="v">
-                <p:oleObj spid="_x0000_s1058" name="think-cell Slide" r:id="rId7" imgW="270" imgH="270" progId="TCLayout.ActiveDocument.1">
+                <p:oleObj spid="_x0000_s1059" name="think-cell Slide" r:id="rId7" imgW="270" imgH="270" progId="TCLayout.ActiveDocument.1">
                   <p:embed/>
                 </p:oleObj>
               </mc:Choice>
@@ -9970,7 +9994,7 @@
           <a:graphicData uri="http://schemas.openxmlformats.org/presentationml/2006/ole">
             <mc:AlternateContent xmlns:mc="http://schemas.openxmlformats.org/markup-compatibility/2006">
               <mc:Choice xmlns:v="urn:schemas-microsoft-com:vml" Requires="v">
-                <p:oleObj spid="_x0000_s2079" name="think-cell Slide" r:id="rId6" imgW="270" imgH="270" progId="TCLayout.ActiveDocument.1">
+                <p:oleObj spid="_x0000_s2080" name="think-cell Slide" r:id="rId6" imgW="270" imgH="270" progId="TCLayout.ActiveDocument.1">
                   <p:embed/>
                 </p:oleObj>
               </mc:Choice>
@@ -11162,7 +11186,7 @@
           <a:graphicData uri="http://schemas.openxmlformats.org/presentationml/2006/ole">
             <mc:AlternateContent xmlns:mc="http://schemas.openxmlformats.org/markup-compatibility/2006">
               <mc:Choice xmlns:v="urn:schemas-microsoft-com:vml" Requires="v">
-                <p:oleObj spid="_x0000_s3102" name="think-cell Slide" r:id="rId6" imgW="270" imgH="270" progId="TCLayout.ActiveDocument.1">
+                <p:oleObj spid="_x0000_s3103" name="think-cell Slide" r:id="rId6" imgW="270" imgH="270" progId="TCLayout.ActiveDocument.1">
                   <p:embed/>
                 </p:oleObj>
               </mc:Choice>
@@ -12646,7 +12670,7 @@
           <a:graphicData uri="http://schemas.openxmlformats.org/presentationml/2006/ole">
             <mc:AlternateContent xmlns:mc="http://schemas.openxmlformats.org/markup-compatibility/2006">
               <mc:Choice xmlns:v="urn:schemas-microsoft-com:vml" Requires="v">
-                <p:oleObj spid="_x0000_s6169" name="think-cell Slide" r:id="rId5" imgW="270" imgH="270" progId="TCLayout.ActiveDocument.1">
+                <p:oleObj spid="_x0000_s6170" name="think-cell Slide" r:id="rId5" imgW="270" imgH="270" progId="TCLayout.ActiveDocument.1">
                   <p:embed/>
                 </p:oleObj>
               </mc:Choice>
@@ -35906,7 +35930,7 @@
           <a:graphicData uri="http://schemas.openxmlformats.org/presentationml/2006/ole">
             <mc:AlternateContent xmlns:mc="http://schemas.openxmlformats.org/markup-compatibility/2006">
               <mc:Choice xmlns:v="urn:schemas-microsoft-com:vml" Requires="v">
-                <p:oleObj spid="_x0000_s7176" name="think-cell Slide" r:id="rId5" imgW="270" imgH="270" progId="TCLayout.ActiveDocument.1">
+                <p:oleObj spid="_x0000_s7177" name="think-cell Slide" r:id="rId5" imgW="270" imgH="270" progId="TCLayout.ActiveDocument.1">
                   <p:embed/>
                 </p:oleObj>
               </mc:Choice>
@@ -37038,15 +37062,6 @@
 </file>
 
 <file path=customXml/item1.xml><?xml version="1.0" encoding="utf-8"?>
-<?mso-contentType ?>
-<FormTemplates xmlns="http://schemas.microsoft.com/sharepoint/v3/contenttype/forms">
-  <Display>DocumentLibraryForm</Display>
-  <Edit>DocumentLibraryForm</Edit>
-  <New>DocumentLibraryForm</New>
-</FormTemplates>
-</file>
-
-<file path=customXml/item2.xml><?xml version="1.0" encoding="utf-8"?>
 <p:properties xmlns:p="http://schemas.microsoft.com/office/2006/metadata/properties" xmlns:xsi="http://www.w3.org/2001/XMLSchema-instance" xmlns:pc="http://schemas.microsoft.com/office/infopath/2007/PartnerControls">
   <documentManagement>
     <SharedWithUsers xmlns="fee586e5-3c92-48eb-9898-42915e590ada">
@@ -37058,6 +37073,15 @@
     </SharedWithUsers>
   </documentManagement>
 </p:properties>
+</file>
+
+<file path=customXml/item2.xml><?xml version="1.0" encoding="utf-8"?>
+<?mso-contentType ?>
+<FormTemplates xmlns="http://schemas.microsoft.com/sharepoint/v3/contenttype/forms">
+  <Display>DocumentLibraryForm</Display>
+  <Edit>DocumentLibraryForm</Edit>
+  <New>DocumentLibraryForm</New>
+</FormTemplates>
 </file>
 
 <file path=customXml/item3.xml><?xml version="1.0" encoding="utf-8"?>
@@ -37201,14 +37225,6 @@
 </file>
 
 <file path=customXml/itemProps1.xml><?xml version="1.0" encoding="utf-8"?>
-<ds:datastoreItem xmlns:ds="http://schemas.openxmlformats.org/officeDocument/2006/customXml" ds:itemID="{14B32142-DE2C-423C-A302-95CAC214862A}">
-  <ds:schemaRefs>
-    <ds:schemaRef ds:uri="http://schemas.microsoft.com/sharepoint/v3/contenttype/forms"/>
-  </ds:schemaRefs>
-</ds:datastoreItem>
-</file>
-
-<file path=customXml/itemProps2.xml><?xml version="1.0" encoding="utf-8"?>
 <ds:datastoreItem xmlns:ds="http://schemas.openxmlformats.org/officeDocument/2006/customXml" ds:itemID="{B030EFEA-9AEA-457C-BAA8-93C4281792F5}">
   <ds:schemaRefs>
     <ds:schemaRef ds:uri="http://purl.org/dc/terms/"/>
@@ -37220,6 +37236,14 @@
     <ds:schemaRef ds:uri="fee586e5-3c92-48eb-9898-42915e590ada"/>
     <ds:schemaRef ds:uri="http://www.w3.org/XML/1998/namespace"/>
     <ds:schemaRef ds:uri="http://purl.org/dc/dcmitype/"/>
+  </ds:schemaRefs>
+</ds:datastoreItem>
+</file>
+
+<file path=customXml/itemProps2.xml><?xml version="1.0" encoding="utf-8"?>
+<ds:datastoreItem xmlns:ds="http://schemas.openxmlformats.org/officeDocument/2006/customXml" ds:itemID="{14B32142-DE2C-423C-A302-95CAC214862A}">
+  <ds:schemaRefs>
+    <ds:schemaRef ds:uri="http://schemas.microsoft.com/sharepoint/v3/contenttype/forms"/>
   </ds:schemaRefs>
 </ds:datastoreItem>
 </file>

--- a/PaaS/Building Cloud Solutions.pptx
+++ b/PaaS/Building Cloud Solutions.pptx
@@ -5,37 +5,38 @@
     <p:sldMasterId id="2147483660" r:id="rId4"/>
   </p:sldMasterIdLst>
   <p:notesMasterIdLst>
-    <p:notesMasterId r:id="rId33"/>
+    <p:notesMasterId r:id="rId34"/>
   </p:notesMasterIdLst>
   <p:sldIdLst>
     <p:sldId id="256" r:id="rId5"/>
     <p:sldId id="525" r:id="rId6"/>
-    <p:sldId id="516" r:id="rId7"/>
-    <p:sldId id="522" r:id="rId8"/>
-    <p:sldId id="550" r:id="rId9"/>
-    <p:sldId id="524" r:id="rId10"/>
-    <p:sldId id="551" r:id="rId11"/>
-    <p:sldId id="565" r:id="rId12"/>
-    <p:sldId id="552" r:id="rId13"/>
-    <p:sldId id="527" r:id="rId14"/>
-    <p:sldId id="526" r:id="rId15"/>
-    <p:sldId id="528" r:id="rId16"/>
-    <p:sldId id="529" r:id="rId17"/>
-    <p:sldId id="530" r:id="rId18"/>
-    <p:sldId id="531" r:id="rId19"/>
-    <p:sldId id="545" r:id="rId20"/>
-    <p:sldId id="544" r:id="rId21"/>
-    <p:sldId id="553" r:id="rId22"/>
-    <p:sldId id="554" r:id="rId23"/>
-    <p:sldId id="556" r:id="rId24"/>
-    <p:sldId id="559" r:id="rId25"/>
-    <p:sldId id="560" r:id="rId26"/>
-    <p:sldId id="561" r:id="rId27"/>
-    <p:sldId id="563" r:id="rId28"/>
-    <p:sldId id="564" r:id="rId29"/>
-    <p:sldId id="562" r:id="rId30"/>
-    <p:sldId id="495" r:id="rId31"/>
-    <p:sldId id="454" r:id="rId32"/>
+    <p:sldId id="566" r:id="rId7"/>
+    <p:sldId id="516" r:id="rId8"/>
+    <p:sldId id="522" r:id="rId9"/>
+    <p:sldId id="550" r:id="rId10"/>
+    <p:sldId id="524" r:id="rId11"/>
+    <p:sldId id="551" r:id="rId12"/>
+    <p:sldId id="565" r:id="rId13"/>
+    <p:sldId id="552" r:id="rId14"/>
+    <p:sldId id="527" r:id="rId15"/>
+    <p:sldId id="526" r:id="rId16"/>
+    <p:sldId id="528" r:id="rId17"/>
+    <p:sldId id="529" r:id="rId18"/>
+    <p:sldId id="530" r:id="rId19"/>
+    <p:sldId id="531" r:id="rId20"/>
+    <p:sldId id="545" r:id="rId21"/>
+    <p:sldId id="544" r:id="rId22"/>
+    <p:sldId id="553" r:id="rId23"/>
+    <p:sldId id="554" r:id="rId24"/>
+    <p:sldId id="556" r:id="rId25"/>
+    <p:sldId id="559" r:id="rId26"/>
+    <p:sldId id="560" r:id="rId27"/>
+    <p:sldId id="561" r:id="rId28"/>
+    <p:sldId id="563" r:id="rId29"/>
+    <p:sldId id="564" r:id="rId30"/>
+    <p:sldId id="562" r:id="rId31"/>
+    <p:sldId id="495" r:id="rId32"/>
+    <p:sldId id="454" r:id="rId33"/>
   </p:sldIdLst>
   <p:sldSz cx="12192000" cy="6858000"/>
   <p:notesSz cx="7010400" cy="9296400"/>
@@ -141,6 +142,7 @@
           <p14:sldIdLst>
             <p14:sldId id="256"/>
             <p14:sldId id="525"/>
+            <p14:sldId id="566"/>
           </p14:sldIdLst>
         </p14:section>
         <p14:section name="Your service and Azure" id="{940FFF9A-3FC7-4366-8C31-0D6DD650A218}">
@@ -276,7 +278,7 @@
           <a:p>
             <a:fld id="{9EB326D8-4C38-4835-91AB-B79CDC0B07B3}" type="datetimeFigureOut">
               <a:rPr lang="en-US" smtClean="0"/>
-              <a:t>10/6/2014</a:t>
+              <a:t>12/11/2014</a:t>
             </a:fld>
             <a:endParaRPr lang="en-US"/>
           </a:p>
@@ -792,6 +794,63 @@
           <a:bodyPr/>
           <a:lstStyle/>
           <a:p>
+            <a:r>
+              <a:rPr lang="en-US" b="1" dirty="0" smtClean="0"/>
+              <a:t>Slide Objectives:</a:t>
+            </a:r>
+          </a:p>
+          <a:p>
+            <a:r>
+              <a:rPr lang="en-US" b="0" baseline="0" dirty="0" smtClean="0"/>
+              <a:t>Provides a high-level introduction of Azure Resource Manager</a:t>
+            </a:r>
+          </a:p>
+          <a:p>
+            <a:endParaRPr lang="en-US" b="0" baseline="0" dirty="0" smtClean="0"/>
+          </a:p>
+          <a:p>
+            <a:r>
+              <a:rPr lang="en-US" b="1" baseline="0" dirty="0" smtClean="0"/>
+              <a:t>Speaker Notes:</a:t>
+            </a:r>
+          </a:p>
+          <a:p>
+            <a:pPr marL="171450" indent="-171450">
+              <a:buFont typeface="Arial" panose="020B0604020202020204" pitchFamily="34" charset="0"/>
+              <a:buChar char="•"/>
+            </a:pPr>
+            <a:r>
+              <a:rPr lang="en-US" baseline="0" dirty="0" smtClean="0"/>
+              <a:t>If you are new to the subject, refer to this video: http://channel9.msdn.com/Events/TechEd/NorthAmerica/2014/DEV-B224#fbid= </a:t>
+            </a:r>
+            <a:endParaRPr lang="en-US" dirty="0" smtClean="0"/>
+          </a:p>
+          <a:p>
+            <a:endParaRPr lang="en-US" dirty="0" smtClean="0"/>
+          </a:p>
+          <a:p>
+            <a:r>
+              <a:rPr lang="en-US" b="1" dirty="0" smtClean="0"/>
+              <a:t>Transition:</a:t>
+            </a:r>
+          </a:p>
+          <a:p>
+            <a:r>
+              <a:rPr lang="en-US" dirty="0" smtClean="0"/>
+              <a:t>Next, we’ll study Azure</a:t>
+            </a:r>
+            <a:r>
+              <a:rPr lang="en-US" baseline="0" dirty="0" smtClean="0"/>
+              <a:t> Cloud Service, which provides a </a:t>
+            </a:r>
+            <a:r>
+              <a:rPr lang="en-US" baseline="0" dirty="0" err="1" smtClean="0"/>
+              <a:t>PaaS</a:t>
+            </a:r>
+            <a:r>
+              <a:rPr lang="en-US" baseline="0" dirty="0" smtClean="0"/>
+              <a:t> offering for your n-Tiered applications. </a:t>
+            </a:r>
             <a:endParaRPr lang="en-US" dirty="0"/>
           </a:p>
         </p:txBody>
@@ -811,7 +870,7 @@
           <a:bodyPr/>
           <a:lstStyle/>
           <a:p>
-            <a:fld id="{2C52CFDC-D2D5-4B9F-BA75-89F771E01AEB}" type="slidenum">
+            <a:fld id="{6E8C67A6-C0E7-47DF-97C2-CA9B11275397}" type="slidenum">
               <a:rPr lang="en-US" smtClean="0"/>
               <a:t>10</a:t>
             </a:fld>
@@ -822,7 +881,7 @@
     </p:spTree>
     <p:extLst>
       <p:ext uri="{BB962C8B-B14F-4D97-AF65-F5344CB8AC3E}">
-        <p14:creationId xmlns:p14="http://schemas.microsoft.com/office/powerpoint/2010/main" val="490365062"/>
+        <p14:creationId xmlns:p14="http://schemas.microsoft.com/office/powerpoint/2010/main" val="4169368069"/>
       </p:ext>
     </p:extLst>
   </p:cSld>
@@ -876,96 +935,7 @@
           <a:bodyPr/>
           <a:lstStyle/>
           <a:p>
-            <a:r>
-              <a:rPr lang="en-US" b="1" dirty="0" smtClean="0"/>
-              <a:t>Slide Objectives:</a:t>
-            </a:r>
-          </a:p>
-          <a:p>
-            <a:r>
-              <a:rPr lang="en-US" b="0" dirty="0" smtClean="0"/>
-              <a:t>Explain</a:t>
-            </a:r>
-            <a:r>
-              <a:rPr lang="en-US" b="0" baseline="0" dirty="0" smtClean="0"/>
-              <a:t> the agenda of the session. </a:t>
-            </a:r>
-          </a:p>
-          <a:p>
-            <a:endParaRPr lang="en-US" b="0" dirty="0" smtClean="0"/>
-          </a:p>
-          <a:p>
-            <a:pPr marL="0" marR="0" indent="0" algn="l" defTabSz="914400" rtl="0" eaLnBrk="1" fontAlgn="auto" latinLnBrk="0" hangingPunct="1">
-              <a:lnSpc>
-                <a:spcPct val="100000"/>
-              </a:lnSpc>
-              <a:spcBef>
-                <a:spcPts val="0"/>
-              </a:spcBef>
-              <a:spcAft>
-                <a:spcPts val="0"/>
-              </a:spcAft>
-              <a:buClrTx/>
-              <a:buSzTx/>
-              <a:buFontTx/>
-              <a:buNone/>
-              <a:tabLst/>
-              <a:defRPr/>
-            </a:pPr>
-            <a:r>
-              <a:rPr lang="en-US" b="1" dirty="0" smtClean="0"/>
-              <a:t>Speaker Notes:</a:t>
-            </a:r>
-          </a:p>
-          <a:p>
-            <a:pPr marL="171450" marR="0" indent="-171450" algn="l" defTabSz="914400" rtl="0" eaLnBrk="1" fontAlgn="auto" latinLnBrk="0" hangingPunct="1">
-              <a:lnSpc>
-                <a:spcPct val="100000"/>
-              </a:lnSpc>
-              <a:spcBef>
-                <a:spcPts val="0"/>
-              </a:spcBef>
-              <a:spcAft>
-                <a:spcPts val="0"/>
-              </a:spcAft>
-              <a:buClrTx/>
-              <a:buSzTx/>
-              <a:buFont typeface="Arial" panose="020B0604020202020204" pitchFamily="34" charset="0"/>
-              <a:buChar char="•"/>
-              <a:tabLst/>
-              <a:defRPr/>
-            </a:pPr>
-            <a:r>
-              <a:rPr lang="en-US" b="0" dirty="0" smtClean="0"/>
-              <a:t>Explain</a:t>
-            </a:r>
-            <a:r>
-              <a:rPr lang="en-US" b="0" baseline="0" dirty="0" smtClean="0"/>
-              <a:t> this presentation is a high-level overview, so not everything is covered in-depth.</a:t>
-            </a:r>
-          </a:p>
-          <a:p>
-            <a:pPr marL="0" marR="0" indent="0" algn="l" defTabSz="914400" rtl="0" eaLnBrk="1" fontAlgn="auto" latinLnBrk="0" hangingPunct="1">
-              <a:lnSpc>
-                <a:spcPct val="100000"/>
-              </a:lnSpc>
-              <a:spcBef>
-                <a:spcPts val="0"/>
-              </a:spcBef>
-              <a:spcAft>
-                <a:spcPts val="0"/>
-              </a:spcAft>
-              <a:buClrTx/>
-              <a:buSzTx/>
-              <a:buFont typeface="Arial" panose="020B0604020202020204" pitchFamily="34" charset="0"/>
-              <a:buNone/>
-              <a:tabLst/>
-              <a:defRPr/>
-            </a:pPr>
-            <a:endParaRPr lang="en-US" b="0" dirty="0" smtClean="0"/>
-          </a:p>
-          <a:p>
-            <a:endParaRPr lang="en-US" b="0" dirty="0"/>
+            <a:endParaRPr lang="en-US" dirty="0"/>
           </a:p>
         </p:txBody>
       </p:sp>
@@ -995,7 +965,7 @@
     </p:spTree>
     <p:extLst>
       <p:ext uri="{BB962C8B-B14F-4D97-AF65-F5344CB8AC3E}">
-        <p14:creationId xmlns:p14="http://schemas.microsoft.com/office/powerpoint/2010/main" val="780318624"/>
+        <p14:creationId xmlns:p14="http://schemas.microsoft.com/office/powerpoint/2010/main" val="490365062"/>
       </p:ext>
     </p:extLst>
   </p:cSld>
@@ -1050,22 +1020,95 @@
           <a:lstStyle/>
           <a:p>
             <a:r>
-              <a:rPr lang="en-US" dirty="0" smtClean="0"/>
-              <a:t>Note: VM is separated</a:t>
-            </a:r>
-            <a:r>
-              <a:rPr lang="en-US" baseline="0" dirty="0" smtClean="0"/>
-              <a:t> out as </a:t>
-            </a:r>
-            <a:r>
-              <a:rPr lang="en-US" baseline="0" dirty="0" err="1" smtClean="0"/>
-              <a:t>IaaS</a:t>
-            </a:r>
-            <a:r>
-              <a:rPr lang="en-US" baseline="0" smtClean="0"/>
-              <a:t> offering.</a:t>
-            </a:r>
-            <a:endParaRPr lang="en-US" dirty="0"/>
+              <a:rPr lang="en-US" b="1" dirty="0" smtClean="0"/>
+              <a:t>Slide Objectives:</a:t>
+            </a:r>
+          </a:p>
+          <a:p>
+            <a:r>
+              <a:rPr lang="en-US" b="0" dirty="0" smtClean="0"/>
+              <a:t>Explain</a:t>
+            </a:r>
+            <a:r>
+              <a:rPr lang="en-US" b="0" baseline="0" dirty="0" smtClean="0"/>
+              <a:t> the agenda of the session. </a:t>
+            </a:r>
+          </a:p>
+          <a:p>
+            <a:endParaRPr lang="en-US" b="0" dirty="0" smtClean="0"/>
+          </a:p>
+          <a:p>
+            <a:pPr marL="0" marR="0" indent="0" algn="l" defTabSz="914400" rtl="0" eaLnBrk="1" fontAlgn="auto" latinLnBrk="0" hangingPunct="1">
+              <a:lnSpc>
+                <a:spcPct val="100000"/>
+              </a:lnSpc>
+              <a:spcBef>
+                <a:spcPts val="0"/>
+              </a:spcBef>
+              <a:spcAft>
+                <a:spcPts val="0"/>
+              </a:spcAft>
+              <a:buClrTx/>
+              <a:buSzTx/>
+              <a:buFontTx/>
+              <a:buNone/>
+              <a:tabLst/>
+              <a:defRPr/>
+            </a:pPr>
+            <a:r>
+              <a:rPr lang="en-US" b="1" dirty="0" smtClean="0"/>
+              <a:t>Speaker Notes:</a:t>
+            </a:r>
+          </a:p>
+          <a:p>
+            <a:pPr marL="171450" marR="0" indent="-171450" algn="l" defTabSz="914400" rtl="0" eaLnBrk="1" fontAlgn="auto" latinLnBrk="0" hangingPunct="1">
+              <a:lnSpc>
+                <a:spcPct val="100000"/>
+              </a:lnSpc>
+              <a:spcBef>
+                <a:spcPts val="0"/>
+              </a:spcBef>
+              <a:spcAft>
+                <a:spcPts val="0"/>
+              </a:spcAft>
+              <a:buClrTx/>
+              <a:buSzTx/>
+              <a:buFont typeface="Arial" panose="020B0604020202020204" pitchFamily="34" charset="0"/>
+              <a:buChar char="•"/>
+              <a:tabLst/>
+              <a:defRPr/>
+            </a:pPr>
+            <a:r>
+              <a:rPr lang="en-US" b="0" dirty="0" smtClean="0"/>
+              <a:t>Explain</a:t>
+            </a:r>
+            <a:r>
+              <a:rPr lang="en-US" b="0" baseline="0" dirty="0" smtClean="0"/>
+              <a:t> this presentation is a high-level overview, so not everything is covered in-depth.</a:t>
+            </a:r>
+          </a:p>
+          <a:p>
+            <a:pPr marL="0" marR="0" indent="0" algn="l" defTabSz="914400" rtl="0" eaLnBrk="1" fontAlgn="auto" latinLnBrk="0" hangingPunct="1">
+              <a:lnSpc>
+                <a:spcPct val="100000"/>
+              </a:lnSpc>
+              <a:spcBef>
+                <a:spcPts val="0"/>
+              </a:spcBef>
+              <a:spcAft>
+                <a:spcPts val="0"/>
+              </a:spcAft>
+              <a:buClrTx/>
+              <a:buSzTx/>
+              <a:buFont typeface="Arial" panose="020B0604020202020204" pitchFamily="34" charset="0"/>
+              <a:buNone/>
+              <a:tabLst/>
+              <a:defRPr/>
+            </a:pPr>
+            <a:endParaRPr lang="en-US" b="0" dirty="0" smtClean="0"/>
+          </a:p>
+          <a:p>
+            <a:endParaRPr lang="en-US" b="0" dirty="0"/>
           </a:p>
         </p:txBody>
       </p:sp>
@@ -1084,19 +1127,18 @@
           <a:bodyPr/>
           <a:lstStyle/>
           <a:p>
-            <a:fld id="{82AABF77-E2E4-44CA-BA5C-65E132CF08D8}" type="slidenum">
+            <a:fld id="{2C52CFDC-D2D5-4B9F-BA75-89F771E01AEB}" type="slidenum">
               <a:rPr lang="en-US" smtClean="0"/>
-              <a:pPr/>
               <a:t>12</a:t>
             </a:fld>
-            <a:endParaRPr lang="en-US" dirty="0"/>
+            <a:endParaRPr lang="en-US"/>
           </a:p>
         </p:txBody>
       </p:sp>
     </p:spTree>
     <p:extLst>
       <p:ext uri="{BB962C8B-B14F-4D97-AF65-F5344CB8AC3E}">
-        <p14:creationId xmlns:p14="http://schemas.microsoft.com/office/powerpoint/2010/main" val="3955778747"/>
+        <p14:creationId xmlns:p14="http://schemas.microsoft.com/office/powerpoint/2010/main" val="780318624"/>
       </p:ext>
     </p:extLst>
   </p:cSld>
@@ -1151,149 +1193,21 @@
           <a:lstStyle/>
           <a:p>
             <a:r>
-              <a:rPr lang="en-US" b="1" dirty="0" smtClean="0"/>
-              <a:t>Slide</a:t>
-            </a:r>
-            <a:r>
-              <a:rPr lang="en-US" b="1" baseline="0" dirty="0" smtClean="0"/>
-              <a:t> Objective</a:t>
-            </a:r>
-          </a:p>
-          <a:p>
-            <a:r>
-              <a:rPr lang="en-US" b="0" baseline="0" dirty="0" smtClean="0"/>
-              <a:t>Understand how a Web Role extends the standard worker role</a:t>
-            </a:r>
-          </a:p>
-          <a:p>
-            <a:endParaRPr lang="en-US" b="1" baseline="0" dirty="0" smtClean="0"/>
-          </a:p>
-          <a:p>
-            <a:r>
-              <a:rPr lang="en-US" b="1" baseline="0" dirty="0" smtClean="0"/>
-              <a:t>Speaker Notes</a:t>
-            </a:r>
-          </a:p>
-          <a:p>
-            <a:endParaRPr lang="en-US" b="1" baseline="0" dirty="0" smtClean="0"/>
-          </a:p>
-          <a:p>
-            <a:r>
-              <a:rPr lang="en-US" b="0" baseline="0" dirty="0" smtClean="0"/>
-              <a:t>A web role takes all the capabilities and semantics of a worker role and adds the IIS Hostable Web Core</a:t>
-            </a:r>
-          </a:p>
-          <a:p>
-            <a:r>
               <a:rPr lang="en-US" dirty="0" smtClean="0"/>
-              <a:t>Web Roles run ASP.NET websites- they do this by using the IIS hostage web core.</a:t>
-            </a:r>
-          </a:p>
-          <a:p>
-            <a:r>
-              <a:rPr lang="en-US" dirty="0" smtClean="0"/>
-              <a:t> pretty much anything that will work in</a:t>
+              <a:t>Note: VM is separated</a:t>
             </a:r>
             <a:r>
               <a:rPr lang="en-US" baseline="0" dirty="0" smtClean="0"/>
-              <a:t> a standard IIS ASP.NET Web Site should work in </a:t>
-            </a:r>
-            <a:r>
-              <a:rPr lang="en-US" baseline="0" dirty="0" smtClean="0"/>
-              <a:t>Microsoft Azure. </a:t>
-            </a:r>
-            <a:r>
-              <a:rPr lang="en-US" baseline="0" dirty="0" smtClean="0"/>
-              <a:t>At MIX09, we additionally added support for IIS7’s FastCGI capability. As a note, any files that are part of a asp.net project on </a:t>
-            </a:r>
-            <a:r>
-              <a:rPr lang="en-US" baseline="0" dirty="0" smtClean="0"/>
-              <a:t>Microsoft Azure </a:t>
-            </a:r>
-            <a:r>
-              <a:rPr lang="en-US" baseline="0" dirty="0" smtClean="0"/>
-              <a:t>are READ ONLY! If you need to be able to change the contents of files:</a:t>
-            </a:r>
-          </a:p>
-          <a:p>
-            <a:endParaRPr lang="en-US" baseline="0" dirty="0" smtClean="0"/>
-          </a:p>
-          <a:p>
-            <a:pPr marL="228600" indent="-228600">
-              <a:buAutoNum type="arabicPeriod"/>
-            </a:pPr>
-            <a:r>
-              <a:rPr lang="en-US" baseline="0" dirty="0" smtClean="0"/>
-              <a:t>User Blob Storage</a:t>
-            </a:r>
-          </a:p>
-          <a:p>
-            <a:pPr marL="228600" indent="-228600">
-              <a:buAutoNum type="arabicPeriod"/>
-            </a:pPr>
-            <a:r>
-              <a:rPr lang="en-US" baseline="0" dirty="0" smtClean="0"/>
-              <a:t>If its configuration, use the service model files – which can be changed at runtime.</a:t>
-            </a:r>
-          </a:p>
-          <a:p>
-            <a:pPr marL="228600" indent="-228600">
-              <a:buAutoNum type="arabicPeriod"/>
-            </a:pPr>
-            <a:endParaRPr lang="en-US" baseline="0" dirty="0" smtClean="0"/>
-          </a:p>
-          <a:p>
-            <a:pPr marL="228600" indent="-228600">
-              <a:buNone/>
-            </a:pPr>
-            <a:r>
-              <a:rPr lang="en-US" baseline="0" dirty="0" smtClean="0"/>
-              <a:t>Inbound protocols are http(s) – outbound protocols are any TCP connection but NOT UDP.</a:t>
-            </a:r>
-          </a:p>
-          <a:p>
-            <a:pPr marL="228600" indent="-228600">
-              <a:buNone/>
-            </a:pPr>
-            <a:endParaRPr lang="en-US" dirty="0" smtClean="0"/>
-          </a:p>
-          <a:p>
-            <a:pPr marL="228600" indent="-228600">
-              <a:buNone/>
-            </a:pPr>
-            <a:r>
-              <a:rPr lang="en-US" b="1" dirty="0" smtClean="0"/>
-              <a:t>Notes</a:t>
-            </a:r>
-          </a:p>
-          <a:p>
-            <a:pPr marL="228600" indent="-228600">
-              <a:buNone/>
-            </a:pPr>
-            <a:r>
-              <a:rPr lang="en-US" b="0" dirty="0" smtClean="0"/>
-              <a:t>http://msdn.microsoft.com/en-us/library/dd179341.aspx</a:t>
-            </a:r>
-          </a:p>
-          <a:p>
-            <a:pPr marL="228600" indent="-228600">
-              <a:buNone/>
-            </a:pPr>
-            <a:r>
-              <a:rPr lang="en-US" b="0" dirty="0" smtClean="0"/>
-              <a:t>http://blogs.msdn.com/b/carlosag/archive/2008/04/14/hostyourownwebserverusingiis7.aspx</a:t>
-            </a:r>
-          </a:p>
-          <a:p>
-            <a:pPr marL="228600" indent="-228600">
-              <a:buNone/>
-            </a:pPr>
-            <a:r>
-              <a:rPr lang="en-US" b="0" dirty="0" smtClean="0"/>
-              <a:t>http://blogs.iis.net/ksingla/archive/2007/12/20/ins-amp-outs-of-hostable-web-core.aspx</a:t>
-            </a:r>
-          </a:p>
-          <a:p>
+              <a:t> out as </a:t>
+            </a:r>
+            <a:r>
+              <a:rPr lang="en-US" baseline="0" dirty="0" err="1" smtClean="0"/>
+              <a:t>IaaS</a:t>
+            </a:r>
+            <a:r>
+              <a:rPr lang="en-US" baseline="0" smtClean="0"/>
+              <a:t> offering.</a:t>
+            </a:r>
             <a:endParaRPr lang="en-US" dirty="0"/>
           </a:p>
         </p:txBody>
@@ -1316,7 +1230,7 @@
             <a:fld id="{82AABF77-E2E4-44CA-BA5C-65E132CF08D8}" type="slidenum">
               <a:rPr lang="en-US" smtClean="0"/>
               <a:pPr/>
-              <a:t>14</a:t>
+              <a:t>13</a:t>
             </a:fld>
             <a:endParaRPr lang="en-US" dirty="0"/>
           </a:p>
@@ -1325,7 +1239,7 @@
     </p:spTree>
     <p:extLst>
       <p:ext uri="{BB962C8B-B14F-4D97-AF65-F5344CB8AC3E}">
-        <p14:creationId xmlns:p14="http://schemas.microsoft.com/office/powerpoint/2010/main" val="3340477582"/>
+        <p14:creationId xmlns:p14="http://schemas.microsoft.com/office/powerpoint/2010/main" val="3955778747"/>
       </p:ext>
     </p:extLst>
   </p:cSld>
@@ -1379,47 +1293,104 @@
           <a:bodyPr/>
           <a:lstStyle/>
           <a:p>
+            <a:r>
+              <a:rPr lang="en-US" b="1" dirty="0" smtClean="0"/>
+              <a:t>Slide</a:t>
+            </a:r>
+            <a:r>
+              <a:rPr lang="en-US" b="1" baseline="0" dirty="0" smtClean="0"/>
+              <a:t> Objective</a:t>
+            </a:r>
+          </a:p>
+          <a:p>
+            <a:r>
+              <a:rPr lang="en-US" b="0" baseline="0" dirty="0" smtClean="0"/>
+              <a:t>Understand how a Web Role extends the standard worker role</a:t>
+            </a:r>
+          </a:p>
+          <a:p>
+            <a:endParaRPr lang="en-US" b="1" baseline="0" dirty="0" smtClean="0"/>
+          </a:p>
+          <a:p>
+            <a:r>
+              <a:rPr lang="en-US" b="1" baseline="0" dirty="0" smtClean="0"/>
+              <a:t>Speaker Notes</a:t>
+            </a:r>
+          </a:p>
+          <a:p>
+            <a:endParaRPr lang="en-US" b="1" baseline="0" dirty="0" smtClean="0"/>
+          </a:p>
+          <a:p>
+            <a:r>
+              <a:rPr lang="en-US" b="0" baseline="0" dirty="0" smtClean="0"/>
+              <a:t>A web role takes all the capabilities and semantics of a worker role and adds the IIS Hostable Web Core</a:t>
+            </a:r>
+          </a:p>
+          <a:p>
+            <a:r>
+              <a:rPr lang="en-US" dirty="0" smtClean="0"/>
+              <a:t>Web Roles run ASP.NET websites- they do this by using the IIS hostage web core.</a:t>
+            </a:r>
+          </a:p>
+          <a:p>
+            <a:r>
+              <a:rPr lang="en-US" dirty="0" smtClean="0"/>
+              <a:t> pretty much anything that will work in</a:t>
+            </a:r>
+            <a:r>
+              <a:rPr lang="en-US" baseline="0" dirty="0" smtClean="0"/>
+              <a:t> a standard IIS ASP.NET Web Site should work in Microsoft Azure. At MIX09, we additionally added support for IIS7’s FastCGI capability. As a note, any files that are part of a asp.net project on Microsoft Azure are READ ONLY! If you need to be able to change the contents of files:</a:t>
+            </a:r>
+          </a:p>
+          <a:p>
+            <a:endParaRPr lang="en-US" baseline="0" dirty="0" smtClean="0"/>
+          </a:p>
+          <a:p>
+            <a:pPr marL="228600" indent="-228600">
+              <a:buAutoNum type="arabicPeriod"/>
+            </a:pPr>
+            <a:r>
+              <a:rPr lang="en-US" baseline="0" dirty="0" smtClean="0"/>
+              <a:t>User Blob Storage</a:t>
+            </a:r>
+          </a:p>
+          <a:p>
+            <a:pPr marL="228600" indent="-228600">
+              <a:buAutoNum type="arabicPeriod"/>
+            </a:pPr>
+            <a:r>
+              <a:rPr lang="en-US" baseline="0" dirty="0" smtClean="0"/>
+              <a:t>If its configuration, use the service model files – which can be changed at runtime.</a:t>
+            </a:r>
+          </a:p>
+          <a:p>
+            <a:pPr marL="228600" indent="-228600">
+              <a:buAutoNum type="arabicPeriod"/>
+            </a:pPr>
+            <a:endParaRPr lang="en-US" baseline="0" dirty="0" smtClean="0"/>
+          </a:p>
+          <a:p>
             <a:pPr marL="228600" indent="-228600">
               <a:buNone/>
             </a:pPr>
             <a:r>
-              <a:rPr lang="en-US" b="1" dirty="0" smtClean="0"/>
-              <a:t>Slide Objective</a:t>
-            </a:r>
-          </a:p>
-          <a:p>
-            <a:pPr marL="228600" indent="-228600">
-              <a:buFont typeface="Arial" pitchFamily="34" charset="0"/>
-              <a:buChar char="•"/>
-            </a:pPr>
-            <a:r>
-              <a:rPr lang="en-US" b="0" dirty="0" smtClean="0"/>
-              <a:t>Understand the 3 common patterns of worker roles</a:t>
-            </a:r>
-          </a:p>
-          <a:p>
-            <a:pPr marL="228600" indent="-228600">
-              <a:buFont typeface="Arial" pitchFamily="34" charset="0"/>
-              <a:buChar char="•"/>
-            </a:pPr>
-            <a:endParaRPr lang="en-US" b="0" dirty="0" smtClean="0"/>
+              <a:rPr lang="en-US" baseline="0" dirty="0" smtClean="0"/>
+              <a:t>Inbound protocols are http(s) – outbound protocols are any TCP connection but NOT UDP.</a:t>
+            </a:r>
           </a:p>
           <a:p>
             <a:pPr marL="228600" indent="-228600">
               <a:buNone/>
             </a:pPr>
-            <a:r>
-              <a:rPr lang="en-US" b="1" dirty="0" smtClean="0"/>
-              <a:t>Speaker Notes</a:t>
-            </a:r>
+            <a:endParaRPr lang="en-US" dirty="0" smtClean="0"/>
           </a:p>
           <a:p>
             <a:pPr marL="228600" indent="-228600">
               <a:buNone/>
             </a:pPr>
             <a:r>
-              <a:rPr lang="en-US" b="0" dirty="0" smtClean="0"/>
-              <a:t>Pattern 1 – Polling</a:t>
+              <a:rPr lang="en-US" b="1" dirty="0" smtClean="0"/>
+              <a:t>Notes</a:t>
             </a:r>
           </a:p>
           <a:p>
@@ -1428,11 +1399,7 @@
             </a:pPr>
             <a:r>
               <a:rPr lang="en-US" b="0" dirty="0" smtClean="0"/>
-              <a:t>	Worker role polls a</a:t>
-            </a:r>
-            <a:r>
-              <a:rPr lang="en-US" b="0" baseline="0" dirty="0" smtClean="0"/>
-              <a:t> Queue</a:t>
+              <a:t>http://msdn.microsoft.com/en-us/library/dd179341.aspx</a:t>
             </a:r>
           </a:p>
           <a:p>
@@ -1440,8 +1407,8 @@
               <a:buNone/>
             </a:pPr>
             <a:r>
-              <a:rPr lang="en-US" b="0" baseline="0" dirty="0" smtClean="0"/>
-              <a:t>	Pops message</a:t>
+              <a:rPr lang="en-US" b="0" dirty="0" smtClean="0"/>
+              <a:t>http://blogs.msdn.com/b/carlosag/archive/2008/04/14/hostyourownwebserverusingiis7.aspx</a:t>
             </a:r>
           </a:p>
           <a:p>
@@ -1449,130 +1416,8 @@
               <a:buNone/>
             </a:pPr>
             <a:r>
-              <a:rPr lang="en-US" b="0" baseline="0" dirty="0" smtClean="0"/>
-              <a:t>	Performs work</a:t>
-            </a:r>
-          </a:p>
-          <a:p>
-            <a:pPr marL="228600" indent="-228600">
-              <a:buNone/>
-            </a:pPr>
-            <a:r>
-              <a:rPr lang="en-US" b="0" baseline="0" dirty="0" smtClean="0"/>
-              <a:t>	Polls queue again</a:t>
-            </a:r>
-          </a:p>
-          <a:p>
-            <a:pPr marL="228600" indent="-228600">
-              <a:buNone/>
-            </a:pPr>
-            <a:endParaRPr lang="en-US" b="0" baseline="0" dirty="0" smtClean="0"/>
-          </a:p>
-          <a:p>
-            <a:pPr marL="228600" indent="-228600">
-              <a:buNone/>
-            </a:pPr>
-            <a:r>
-              <a:rPr lang="en-US" b="0" baseline="0" dirty="0" smtClean="0"/>
-              <a:t>Pattern 2</a:t>
-            </a:r>
-          </a:p>
-          <a:p>
-            <a:pPr marL="228600" indent="-228600">
-              <a:buNone/>
-            </a:pPr>
-            <a:r>
-              <a:rPr lang="en-US" b="0" baseline="0" dirty="0" smtClean="0"/>
-              <a:t>	Worker listens for inbound TCP request</a:t>
-            </a:r>
-            <a:br>
-              <a:rPr lang="en-US" b="0" baseline="0" dirty="0" smtClean="0"/>
-            </a:br>
-            <a:r>
-              <a:rPr lang="en-US" b="0" baseline="0" dirty="0" smtClean="0"/>
-              <a:t>Can implement with Raw TcpListeners or use WCF or use Hosted Web Core</a:t>
-            </a:r>
-          </a:p>
-          <a:p>
-            <a:pPr marL="228600" indent="-228600">
-              <a:buNone/>
-            </a:pPr>
-            <a:endParaRPr lang="en-US" b="0" baseline="0" dirty="0" smtClean="0"/>
-          </a:p>
-          <a:p>
-            <a:pPr marL="228600" indent="-228600">
-              <a:buNone/>
-            </a:pPr>
-            <a:r>
-              <a:rPr lang="en-US" b="0" baseline="0" dirty="0" smtClean="0"/>
-              <a:t>Pattern 3</a:t>
-            </a:r>
-          </a:p>
-          <a:p>
-            <a:pPr marL="228600" indent="-228600">
-              <a:buNone/>
-            </a:pPr>
-            <a:r>
-              <a:rPr lang="en-US" b="0" baseline="0" dirty="0" smtClean="0"/>
-              <a:t>	Run a 3</a:t>
-            </a:r>
-            <a:r>
-              <a:rPr lang="en-US" b="0" baseline="30000" dirty="0" smtClean="0"/>
-              <a:t>rd</a:t>
-            </a:r>
-            <a:r>
-              <a:rPr lang="en-US" b="0" baseline="0" dirty="0" smtClean="0"/>
-              <a:t> party process</a:t>
-            </a:r>
-            <a:br>
-              <a:rPr lang="en-US" b="0" baseline="0" dirty="0" smtClean="0"/>
-            </a:br>
-            <a:r>
-              <a:rPr lang="en-US" b="0" baseline="0" dirty="0" smtClean="0"/>
-              <a:t>When the role starts up or runs use a Process.Start() call to run a standard windows executable</a:t>
-            </a:r>
-          </a:p>
-          <a:p>
-            <a:pPr marL="228600" indent="-228600">
-              <a:buNone/>
-            </a:pPr>
-            <a:r>
-              <a:rPr lang="en-US" b="0" baseline="0" dirty="0" smtClean="0"/>
-              <a:t>	E.g. Running a database server</a:t>
-            </a:r>
-            <a:endParaRPr lang="en-US" b="0" dirty="0" smtClean="0"/>
-          </a:p>
-          <a:p>
-            <a:pPr marL="228600" indent="-228600">
-              <a:buNone/>
-            </a:pPr>
-            <a:endParaRPr lang="en-US" b="1" dirty="0" smtClean="0"/>
-          </a:p>
-          <a:p>
-            <a:pPr marL="228600" indent="-228600">
-              <a:buNone/>
-            </a:pPr>
-            <a:r>
-              <a:rPr lang="en-US" b="1" dirty="0" smtClean="0"/>
-              <a:t>Notes</a:t>
-            </a:r>
-          </a:p>
-          <a:p>
-            <a:pPr marL="228600" indent="-228600">
-              <a:buNone/>
-            </a:pPr>
-            <a:r>
               <a:rPr lang="en-US" b="0" dirty="0" smtClean="0"/>
-              <a:t>http://blog.smarx.com/posts/build-your-own-web-role-running-hosted-web-core-in-windows-azure</a:t>
-            </a:r>
-          </a:p>
-          <a:p>
-            <a:pPr marL="228600" indent="-228600">
-              <a:buNone/>
-            </a:pPr>
-            <a:r>
-              <a:rPr lang="en-US" b="0" dirty="0" smtClean="0"/>
-              <a:t>http://blog.smarx.com/posts/making-songs-swing-with-windows-azure-python-and-the-echo-nest-api </a:t>
+              <a:t>http://blogs.iis.net/ksingla/archive/2007/12/20/ins-amp-outs-of-hostable-web-core.aspx</a:t>
             </a:r>
           </a:p>
           <a:p>
@@ -1607,7 +1452,7 @@
     </p:spTree>
     <p:extLst>
       <p:ext uri="{BB962C8B-B14F-4D97-AF65-F5344CB8AC3E}">
-        <p14:creationId xmlns:p14="http://schemas.microsoft.com/office/powerpoint/2010/main" val="3573709664"/>
+        <p14:creationId xmlns:p14="http://schemas.microsoft.com/office/powerpoint/2010/main" val="3340477582"/>
       </p:ext>
     </p:extLst>
   </p:cSld>
@@ -1661,131 +1506,203 @@
           <a:bodyPr/>
           <a:lstStyle/>
           <a:p>
+            <a:pPr marL="228600" indent="-228600">
+              <a:buNone/>
+            </a:pPr>
             <a:r>
               <a:rPr lang="en-US" b="1" dirty="0" smtClean="0"/>
               <a:t>Slide Objective</a:t>
             </a:r>
           </a:p>
           <a:p>
-            <a:r>
-              <a:rPr lang="en-US" b="0" dirty="0" smtClean="0"/>
-              <a:t>Understand the difference between Roles and Instances</a:t>
-            </a:r>
-          </a:p>
-          <a:p>
-            <a:endParaRPr lang="en-US" dirty="0" smtClean="0"/>
-          </a:p>
-          <a:p>
-            <a:r>
-              <a:rPr lang="en-US" b="1" dirty="0" smtClean="0"/>
-              <a:t>Speaker Notes</a:t>
-            </a:r>
-          </a:p>
-          <a:p>
-            <a:pPr marL="171450" indent="-171450">
+            <a:pPr marL="228600" indent="-228600">
               <a:buFont typeface="Arial" pitchFamily="34" charset="0"/>
               <a:buChar char="•"/>
             </a:pPr>
             <a:r>
-              <a:rPr lang="en-US" baseline="0" dirty="0" smtClean="0"/>
-              <a:t>The Service model defines the shape of a service- </a:t>
-            </a:r>
-          </a:p>
-          <a:p>
-            <a:pPr marL="384431" lvl="1" indent="-171450">
+              <a:rPr lang="en-US" b="0" dirty="0" smtClean="0"/>
+              <a:t>Understand the 3 common patterns of worker roles</a:t>
+            </a:r>
+          </a:p>
+          <a:p>
+            <a:pPr marL="228600" indent="-228600">
               <a:buFont typeface="Arial" pitchFamily="34" charset="0"/>
               <a:buChar char="•"/>
             </a:pPr>
-            <a:r>
-              <a:rPr lang="en-US" baseline="0" dirty="0" smtClean="0"/>
-              <a:t>the Roles it will have</a:t>
-            </a:r>
-          </a:p>
-          <a:p>
-            <a:pPr marL="384431" lvl="1" indent="-171450">
-              <a:buFont typeface="Arial" pitchFamily="34" charset="0"/>
-              <a:buChar char="•"/>
+            <a:endParaRPr lang="en-US" b="0" dirty="0" smtClean="0"/>
+          </a:p>
+          <a:p>
+            <a:pPr marL="228600" indent="-228600">
+              <a:buNone/>
             </a:pPr>
             <a:r>
-              <a:rPr lang="en-US" baseline="0" dirty="0" smtClean="0"/>
-              <a:t>endpoints it will listen on</a:t>
-            </a:r>
-          </a:p>
-          <a:p>
-            <a:pPr marL="384431" lvl="1" indent="-171450">
-              <a:buFont typeface="Arial" pitchFamily="34" charset="0"/>
-              <a:buChar char="•"/>
+              <a:rPr lang="en-US" b="1" dirty="0" smtClean="0"/>
+              <a:t>Speaker Notes</a:t>
+            </a:r>
+          </a:p>
+          <a:p>
+            <a:pPr marL="228600" indent="-228600">
+              <a:buNone/>
             </a:pPr>
             <a:r>
-              <a:rPr lang="en-US" baseline="0" dirty="0" smtClean="0"/>
-              <a:t>Types of VMs that will be run</a:t>
-            </a:r>
-          </a:p>
-          <a:p>
-            <a:pPr marL="384431" lvl="1" indent="-171450">
-              <a:buFont typeface="Arial" pitchFamily="34" charset="0"/>
-              <a:buChar char="•"/>
+              <a:rPr lang="en-US" b="0" dirty="0" smtClean="0"/>
+              <a:t>Pattern 1 – Polling</a:t>
+            </a:r>
+          </a:p>
+          <a:p>
+            <a:pPr marL="228600" indent="-228600">
+              <a:buNone/>
             </a:pPr>
-            <a:endParaRPr lang="en-US" baseline="0" dirty="0" smtClean="0"/>
-          </a:p>
-          <a:p>
-            <a:pPr marL="171450" lvl="0" indent="-171450">
-              <a:buFont typeface="Arial" pitchFamily="34" charset="0"/>
-              <a:buChar char="•"/>
+            <a:r>
+              <a:rPr lang="en-US" b="0" dirty="0" smtClean="0"/>
+              <a:t>	Worker role polls a</a:t>
+            </a:r>
+            <a:r>
+              <a:rPr lang="en-US" b="0" baseline="0" dirty="0" smtClean="0"/>
+              <a:t> Queue</a:t>
+            </a:r>
+          </a:p>
+          <a:p>
+            <a:pPr marL="228600" indent="-228600">
+              <a:buNone/>
             </a:pPr>
             <a:r>
-              <a:rPr lang="en-US" baseline="0" dirty="0" smtClean="0"/>
-              <a:t>At runtime each Role will run at a given scale</a:t>
-            </a:r>
-          </a:p>
-          <a:p>
-            <a:pPr marL="384431" lvl="1" indent="-171450">
-              <a:buFont typeface="Arial" pitchFamily="34" charset="0"/>
-              <a:buChar char="•"/>
+              <a:rPr lang="en-US" b="0" baseline="0" dirty="0" smtClean="0"/>
+              <a:t>	Pops message</a:t>
+            </a:r>
+          </a:p>
+          <a:p>
+            <a:pPr marL="228600" indent="-228600">
+              <a:buNone/>
             </a:pPr>
             <a:r>
-              <a:rPr lang="en-US" baseline="0" dirty="0" smtClean="0"/>
-              <a:t>Specifically each role will be deployed onto and executed on one or more VMs</a:t>
-            </a:r>
-          </a:p>
-          <a:p>
-            <a:pPr marL="384431" lvl="1" indent="-171450">
-              <a:buFont typeface="Arial" pitchFamily="34" charset="0"/>
-              <a:buChar char="•"/>
+              <a:rPr lang="en-US" b="0" baseline="0" dirty="0" smtClean="0"/>
+              <a:t>	Performs work</a:t>
+            </a:r>
+          </a:p>
+          <a:p>
+            <a:pPr marL="228600" indent="-228600">
+              <a:buNone/>
             </a:pPr>
             <a:r>
-              <a:rPr lang="en-US" baseline="0" dirty="0" smtClean="0"/>
-              <a:t>A VM runs a single role</a:t>
-            </a:r>
-          </a:p>
-          <a:p>
-            <a:endParaRPr lang="en-US" baseline="0" dirty="0" smtClean="0"/>
-          </a:p>
-          <a:p>
-            <a:r>
-              <a:rPr lang="en-US" b="1" baseline="0" dirty="0" smtClean="0"/>
+              <a:rPr lang="en-US" b="0" baseline="0" dirty="0" smtClean="0"/>
+              <a:t>	Polls queue again</a:t>
+            </a:r>
+          </a:p>
+          <a:p>
+            <a:pPr marL="228600" indent="-228600">
+              <a:buNone/>
+            </a:pPr>
+            <a:endParaRPr lang="en-US" b="0" baseline="0" dirty="0" smtClean="0"/>
+          </a:p>
+          <a:p>
+            <a:pPr marL="228600" indent="-228600">
+              <a:buNone/>
+            </a:pPr>
+            <a:r>
+              <a:rPr lang="en-US" b="0" baseline="0" dirty="0" smtClean="0"/>
+              <a:t>Pattern 2</a:t>
+            </a:r>
+          </a:p>
+          <a:p>
+            <a:pPr marL="228600" indent="-228600">
+              <a:buNone/>
+            </a:pPr>
+            <a:r>
+              <a:rPr lang="en-US" b="0" baseline="0" dirty="0" smtClean="0"/>
+              <a:t>	Worker listens for inbound TCP request</a:t>
+            </a:r>
+            <a:br>
+              <a:rPr lang="en-US" b="0" baseline="0" dirty="0" smtClean="0"/>
+            </a:br>
+            <a:r>
+              <a:rPr lang="en-US" b="0" baseline="0" dirty="0" smtClean="0"/>
+              <a:t>Can implement with Raw TcpListeners or use WCF or use Hosted Web Core</a:t>
+            </a:r>
+          </a:p>
+          <a:p>
+            <a:pPr marL="228600" indent="-228600">
+              <a:buNone/>
+            </a:pPr>
+            <a:endParaRPr lang="en-US" b="0" baseline="0" dirty="0" smtClean="0"/>
+          </a:p>
+          <a:p>
+            <a:pPr marL="228600" indent="-228600">
+              <a:buNone/>
+            </a:pPr>
+            <a:r>
+              <a:rPr lang="en-US" b="0" baseline="0" dirty="0" smtClean="0"/>
+              <a:t>Pattern 3</a:t>
+            </a:r>
+          </a:p>
+          <a:p>
+            <a:pPr marL="228600" indent="-228600">
+              <a:buNone/>
+            </a:pPr>
+            <a:r>
+              <a:rPr lang="en-US" b="0" baseline="0" dirty="0" smtClean="0"/>
+              <a:t>	Run a 3</a:t>
+            </a:r>
+            <a:r>
+              <a:rPr lang="en-US" b="0" baseline="30000" dirty="0" smtClean="0"/>
+              <a:t>rd</a:t>
+            </a:r>
+            <a:r>
+              <a:rPr lang="en-US" b="0" baseline="0" dirty="0" smtClean="0"/>
+              <a:t> party process</a:t>
+            </a:r>
+            <a:br>
+              <a:rPr lang="en-US" b="0" baseline="0" dirty="0" smtClean="0"/>
+            </a:br>
+            <a:r>
+              <a:rPr lang="en-US" b="0" baseline="0" dirty="0" smtClean="0"/>
+              <a:t>When the role starts up or runs use a Process.Start() call to run a standard windows executable</a:t>
+            </a:r>
+          </a:p>
+          <a:p>
+            <a:pPr marL="228600" indent="-228600">
+              <a:buNone/>
+            </a:pPr>
+            <a:r>
+              <a:rPr lang="en-US" b="0" baseline="0" dirty="0" smtClean="0"/>
+              <a:t>	E.g. Running a database server</a:t>
+            </a:r>
+            <a:endParaRPr lang="en-US" b="0" dirty="0" smtClean="0"/>
+          </a:p>
+          <a:p>
+            <a:pPr marL="228600" indent="-228600">
+              <a:buNone/>
+            </a:pPr>
+            <a:endParaRPr lang="en-US" b="1" dirty="0" smtClean="0"/>
+          </a:p>
+          <a:p>
+            <a:pPr marL="228600" indent="-228600">
+              <a:buNone/>
+            </a:pPr>
+            <a:r>
+              <a:rPr lang="en-US" b="1" dirty="0" smtClean="0"/>
               <a:t>Notes</a:t>
             </a:r>
           </a:p>
           <a:p>
-            <a:r>
-              <a:rPr lang="en-US" b="0" baseline="0" dirty="0" smtClean="0"/>
-              <a:t>Notes on the various security roles involved in running a </a:t>
-            </a:r>
-            <a:r>
-              <a:rPr lang="en-US" b="0" baseline="0" dirty="0" smtClean="0"/>
-              <a:t>Microsoft Azure </a:t>
-            </a:r>
-            <a:r>
-              <a:rPr lang="en-US" b="0" baseline="0" dirty="0" smtClean="0"/>
-              <a:t>account</a:t>
-            </a:r>
-          </a:p>
-          <a:p>
-            <a:r>
-              <a:rPr lang="en-NZ" dirty="0" smtClean="0"/>
-              <a:t>http://blog.toddysm.com/2010/01/subscription-and-service-administration-in-windows-azure.html </a:t>
-            </a:r>
+            <a:pPr marL="228600" indent="-228600">
+              <a:buNone/>
+            </a:pPr>
+            <a:r>
+              <a:rPr lang="en-US" b="0" dirty="0" smtClean="0"/>
+              <a:t>http://blog.smarx.com/posts/build-your-own-web-role-running-hosted-web-core-in-windows-azure</a:t>
+            </a:r>
+          </a:p>
+          <a:p>
+            <a:pPr marL="228600" indent="-228600">
+              <a:buNone/>
+            </a:pPr>
+            <a:r>
+              <a:rPr lang="en-US" b="0" dirty="0" smtClean="0"/>
+              <a:t>http://blog.smarx.com/posts/making-songs-swing-with-windows-azure-python-and-the-echo-nest-api </a:t>
+            </a:r>
+          </a:p>
+          <a:p>
             <a:endParaRPr lang="en-US" dirty="0"/>
           </a:p>
         </p:txBody>
@@ -1817,7 +1734,7 @@
     </p:spTree>
     <p:extLst>
       <p:ext uri="{BB962C8B-B14F-4D97-AF65-F5344CB8AC3E}">
-        <p14:creationId xmlns:p14="http://schemas.microsoft.com/office/powerpoint/2010/main" val="2555838267"/>
+        <p14:creationId xmlns:p14="http://schemas.microsoft.com/office/powerpoint/2010/main" val="3573709664"/>
       </p:ext>
     </p:extLst>
   </p:cSld>
@@ -1871,151 +1788,124 @@
           <a:bodyPr/>
           <a:lstStyle/>
           <a:p>
-            <a:pPr lvl="0"/>
-            <a:r>
-              <a:rPr lang="en-US" sz="1200" b="1" kern="1200" dirty="0" smtClean="0">
-                <a:solidFill>
-                  <a:schemeClr val="tx1"/>
-                </a:solidFill>
-                <a:effectLst/>
-                <a:latin typeface="+mn-lt"/>
-                <a:ea typeface="+mn-ea"/>
-                <a:cs typeface="+mn-cs"/>
-              </a:rPr>
-              <a:t>Demo:</a:t>
-            </a:r>
-          </a:p>
-          <a:p>
-            <a:pPr marL="171450" lvl="0" indent="-171450">
-              <a:buFont typeface="Arial" panose="020B0604020202020204" pitchFamily="34" charset="0"/>
+            <a:r>
+              <a:rPr lang="en-US" b="1" dirty="0" smtClean="0"/>
+              <a:t>Slide Objective</a:t>
+            </a:r>
+          </a:p>
+          <a:p>
+            <a:r>
+              <a:rPr lang="en-US" b="0" dirty="0" smtClean="0"/>
+              <a:t>Understand the difference between Roles and Instances</a:t>
+            </a:r>
+          </a:p>
+          <a:p>
+            <a:endParaRPr lang="en-US" dirty="0" smtClean="0"/>
+          </a:p>
+          <a:p>
+            <a:r>
+              <a:rPr lang="en-US" b="1" dirty="0" smtClean="0"/>
+              <a:t>Speaker Notes</a:t>
+            </a:r>
+          </a:p>
+          <a:p>
+            <a:pPr marL="171450" indent="-171450">
+              <a:buFont typeface="Arial" pitchFamily="34" charset="0"/>
               <a:buChar char="•"/>
             </a:pPr>
             <a:r>
-              <a:rPr lang="en-US" sz="1200" kern="1200" dirty="0" smtClean="0">
-                <a:solidFill>
-                  <a:schemeClr val="tx1"/>
-                </a:solidFill>
-                <a:effectLst/>
-                <a:latin typeface="+mn-lt"/>
-                <a:ea typeface="+mn-ea"/>
-                <a:cs typeface="+mn-cs"/>
-              </a:rPr>
-              <a:t>Create</a:t>
-            </a:r>
-            <a:r>
-              <a:rPr lang="en-US" sz="1200" kern="1200" baseline="0" dirty="0" smtClean="0">
-                <a:solidFill>
-                  <a:schemeClr val="tx1"/>
-                </a:solidFill>
-                <a:effectLst/>
-                <a:latin typeface="+mn-lt"/>
-                <a:ea typeface="+mn-ea"/>
-                <a:cs typeface="+mn-cs"/>
-              </a:rPr>
-              <a:t> a Hello World Cloud Service.</a:t>
-            </a:r>
-          </a:p>
-          <a:p>
-            <a:pPr lvl="0"/>
-            <a:endParaRPr lang="en-US" sz="1200" kern="1200" dirty="0" smtClean="0">
-              <a:solidFill>
-                <a:schemeClr val="tx1"/>
-              </a:solidFill>
-              <a:effectLst/>
-              <a:latin typeface="+mn-lt"/>
-              <a:ea typeface="+mn-ea"/>
-              <a:cs typeface="+mn-cs"/>
-            </a:endParaRPr>
-          </a:p>
-          <a:p>
-            <a:pPr lvl="0"/>
-            <a:r>
-              <a:rPr lang="en-US" sz="1200" b="1" kern="1200" dirty="0" smtClean="0">
-                <a:solidFill>
-                  <a:schemeClr val="tx1"/>
-                </a:solidFill>
-                <a:effectLst/>
-                <a:latin typeface="+mn-lt"/>
-                <a:ea typeface="+mn-ea"/>
-                <a:cs typeface="+mn-cs"/>
-              </a:rPr>
-              <a:t>Steps:</a:t>
-            </a:r>
-          </a:p>
-          <a:p>
-            <a:pPr marL="228600" lvl="0" indent="-228600">
-              <a:buFont typeface="Arial" panose="020B0604020202020204" pitchFamily="34" charset="0"/>
-              <a:buAutoNum type="arabicPeriod"/>
+              <a:rPr lang="en-US" baseline="0" dirty="0" smtClean="0"/>
+              <a:t>The Service model defines the shape of a service- </a:t>
+            </a:r>
+          </a:p>
+          <a:p>
+            <a:pPr marL="384431" lvl="1" indent="-171450">
+              <a:buFont typeface="Arial" pitchFamily="34" charset="0"/>
+              <a:buChar char="•"/>
             </a:pPr>
             <a:r>
-              <a:rPr lang="en-US" sz="1200" b="0" kern="1200" dirty="0" smtClean="0">
-                <a:solidFill>
-                  <a:schemeClr val="tx1"/>
-                </a:solidFill>
-                <a:effectLst/>
-                <a:latin typeface="+mn-lt"/>
-                <a:ea typeface="+mn-ea"/>
-                <a:cs typeface="+mn-cs"/>
-              </a:rPr>
-              <a:t>Create</a:t>
-            </a:r>
-            <a:r>
-              <a:rPr lang="en-US" sz="1200" b="0" kern="1200" baseline="0" dirty="0" smtClean="0">
-                <a:solidFill>
-                  <a:schemeClr val="tx1"/>
-                </a:solidFill>
-                <a:effectLst/>
-                <a:latin typeface="+mn-lt"/>
-                <a:ea typeface="+mn-ea"/>
-                <a:cs typeface="+mn-cs"/>
-              </a:rPr>
-              <a:t> a Cloud Service with a Web Role and Worker Role (with SB queue).</a:t>
-            </a:r>
-          </a:p>
-          <a:p>
-            <a:pPr marL="228600" lvl="0" indent="-228600">
-              <a:buFont typeface="Arial" panose="020B0604020202020204" pitchFamily="34" charset="0"/>
-              <a:buAutoNum type="arabicPeriod"/>
+              <a:rPr lang="en-US" baseline="0" dirty="0" smtClean="0"/>
+              <a:t>the Roles it will have</a:t>
+            </a:r>
+          </a:p>
+          <a:p>
+            <a:pPr marL="384431" lvl="1" indent="-171450">
+              <a:buFont typeface="Arial" pitchFamily="34" charset="0"/>
+              <a:buChar char="•"/>
             </a:pPr>
             <a:r>
-              <a:rPr lang="en-US" sz="1200" b="0" kern="1200" baseline="0" dirty="0" smtClean="0">
-                <a:solidFill>
-                  <a:schemeClr val="tx1"/>
-                </a:solidFill>
-                <a:effectLst/>
-                <a:latin typeface="+mn-lt"/>
-                <a:ea typeface="+mn-ea"/>
-                <a:cs typeface="+mn-cs"/>
-              </a:rPr>
-              <a:t>Launch, explain local emulator.</a:t>
-            </a:r>
-          </a:p>
-          <a:p>
-            <a:pPr marL="228600" lvl="0" indent="-228600">
-              <a:buFont typeface="Arial" panose="020B0604020202020204" pitchFamily="34" charset="0"/>
-              <a:buAutoNum type="arabicPeriod"/>
+              <a:rPr lang="en-US" baseline="0" dirty="0" smtClean="0"/>
+              <a:t>endpoints it will listen on</a:t>
+            </a:r>
+          </a:p>
+          <a:p>
+            <a:pPr marL="384431" lvl="1" indent="-171450">
+              <a:buFont typeface="Arial" pitchFamily="34" charset="0"/>
+              <a:buChar char="•"/>
             </a:pPr>
             <a:r>
-              <a:rPr lang="en-US" sz="1200" b="0" kern="1200" baseline="0" smtClean="0">
-                <a:solidFill>
-                  <a:schemeClr val="tx1"/>
-                </a:solidFill>
-                <a:effectLst/>
-                <a:latin typeface="+mn-lt"/>
-                <a:ea typeface="+mn-ea"/>
-                <a:cs typeface="+mn-cs"/>
-              </a:rPr>
-              <a:t>Show publish menu.</a:t>
-            </a:r>
-            <a:endParaRPr lang="en-US" sz="1200" b="0" kern="1200" dirty="0" smtClean="0">
-              <a:solidFill>
-                <a:schemeClr val="tx1"/>
-              </a:solidFill>
-              <a:effectLst/>
-              <a:latin typeface="+mn-lt"/>
-              <a:ea typeface="+mn-ea"/>
-              <a:cs typeface="+mn-cs"/>
-            </a:endParaRPr>
+              <a:rPr lang="en-US" baseline="0" dirty="0" smtClean="0"/>
+              <a:t>Types of VMs that will be run</a:t>
+            </a:r>
+          </a:p>
+          <a:p>
+            <a:pPr marL="384431" lvl="1" indent="-171450">
+              <a:buFont typeface="Arial" pitchFamily="34" charset="0"/>
+              <a:buChar char="•"/>
+            </a:pPr>
+            <a:endParaRPr lang="en-US" baseline="0" dirty="0" smtClean="0"/>
+          </a:p>
+          <a:p>
+            <a:pPr marL="171450" lvl="0" indent="-171450">
+              <a:buFont typeface="Arial" pitchFamily="34" charset="0"/>
+              <a:buChar char="•"/>
+            </a:pPr>
+            <a:r>
+              <a:rPr lang="en-US" baseline="0" dirty="0" smtClean="0"/>
+              <a:t>At runtime each Role will run at a given scale</a:t>
+            </a:r>
+          </a:p>
+          <a:p>
+            <a:pPr marL="384431" lvl="1" indent="-171450">
+              <a:buFont typeface="Arial" pitchFamily="34" charset="0"/>
+              <a:buChar char="•"/>
+            </a:pPr>
+            <a:r>
+              <a:rPr lang="en-US" baseline="0" dirty="0" smtClean="0"/>
+              <a:t>Specifically each role will be deployed onto and executed on one or more VMs</a:t>
+            </a:r>
+          </a:p>
+          <a:p>
+            <a:pPr marL="384431" lvl="1" indent="-171450">
+              <a:buFont typeface="Arial" pitchFamily="34" charset="0"/>
+              <a:buChar char="•"/>
+            </a:pPr>
+            <a:r>
+              <a:rPr lang="en-US" baseline="0" dirty="0" smtClean="0"/>
+              <a:t>A VM runs a single role</a:t>
+            </a:r>
+          </a:p>
+          <a:p>
+            <a:endParaRPr lang="en-US" baseline="0" dirty="0" smtClean="0"/>
+          </a:p>
+          <a:p>
+            <a:r>
+              <a:rPr lang="en-US" b="1" baseline="0" dirty="0" smtClean="0"/>
+              <a:t>Notes</a:t>
+            </a:r>
+          </a:p>
+          <a:p>
+            <a:r>
+              <a:rPr lang="en-US" b="0" baseline="0" dirty="0" smtClean="0"/>
+              <a:t>Notes on the various security roles involved in running a Microsoft Azure account</a:t>
+            </a:r>
+          </a:p>
+          <a:p>
+            <a:r>
+              <a:rPr lang="en-NZ" dirty="0" smtClean="0"/>
+              <a:t>http://blog.toddysm.com/2010/01/subscription-and-service-administration-in-windows-azure.html </a:t>
+            </a:r>
+            <a:endParaRPr lang="en-US" dirty="0"/>
           </a:p>
         </p:txBody>
       </p:sp>
@@ -2034,18 +1924,19 @@
           <a:bodyPr/>
           <a:lstStyle/>
           <a:p>
-            <a:fld id="{2C52CFDC-D2D5-4B9F-BA75-89F771E01AEB}" type="slidenum">
+            <a:fld id="{82AABF77-E2E4-44CA-BA5C-65E132CF08D8}" type="slidenum">
               <a:rPr lang="en-US" smtClean="0"/>
+              <a:pPr/>
               <a:t>17</a:t>
             </a:fld>
-            <a:endParaRPr lang="en-US"/>
+            <a:endParaRPr lang="en-US" dirty="0"/>
           </a:p>
         </p:txBody>
       </p:sp>
     </p:spTree>
     <p:extLst>
       <p:ext uri="{BB962C8B-B14F-4D97-AF65-F5344CB8AC3E}">
-        <p14:creationId xmlns:p14="http://schemas.microsoft.com/office/powerpoint/2010/main" val="2269926713"/>
+        <p14:creationId xmlns:p14="http://schemas.microsoft.com/office/powerpoint/2010/main" val="2555838267"/>
       </p:ext>
     </p:extLst>
   </p:cSld>
@@ -2099,7 +1990,151 @@
           <a:bodyPr/>
           <a:lstStyle/>
           <a:p>
-            <a:endParaRPr lang="en-US" dirty="0"/>
+            <a:pPr lvl="0"/>
+            <a:r>
+              <a:rPr lang="en-US" sz="1200" b="1" kern="1200" dirty="0" smtClean="0">
+                <a:solidFill>
+                  <a:schemeClr val="tx1"/>
+                </a:solidFill>
+                <a:effectLst/>
+                <a:latin typeface="+mn-lt"/>
+                <a:ea typeface="+mn-ea"/>
+                <a:cs typeface="+mn-cs"/>
+              </a:rPr>
+              <a:t>Demo:</a:t>
+            </a:r>
+          </a:p>
+          <a:p>
+            <a:pPr marL="171450" lvl="0" indent="-171450">
+              <a:buFont typeface="Arial" panose="020B0604020202020204" pitchFamily="34" charset="0"/>
+              <a:buChar char="•"/>
+            </a:pPr>
+            <a:r>
+              <a:rPr lang="en-US" sz="1200" kern="1200" dirty="0" smtClean="0">
+                <a:solidFill>
+                  <a:schemeClr val="tx1"/>
+                </a:solidFill>
+                <a:effectLst/>
+                <a:latin typeface="+mn-lt"/>
+                <a:ea typeface="+mn-ea"/>
+                <a:cs typeface="+mn-cs"/>
+              </a:rPr>
+              <a:t>Create</a:t>
+            </a:r>
+            <a:r>
+              <a:rPr lang="en-US" sz="1200" kern="1200" baseline="0" dirty="0" smtClean="0">
+                <a:solidFill>
+                  <a:schemeClr val="tx1"/>
+                </a:solidFill>
+                <a:effectLst/>
+                <a:latin typeface="+mn-lt"/>
+                <a:ea typeface="+mn-ea"/>
+                <a:cs typeface="+mn-cs"/>
+              </a:rPr>
+              <a:t> a Hello World Cloud Service.</a:t>
+            </a:r>
+          </a:p>
+          <a:p>
+            <a:pPr lvl="0"/>
+            <a:endParaRPr lang="en-US" sz="1200" kern="1200" dirty="0" smtClean="0">
+              <a:solidFill>
+                <a:schemeClr val="tx1"/>
+              </a:solidFill>
+              <a:effectLst/>
+              <a:latin typeface="+mn-lt"/>
+              <a:ea typeface="+mn-ea"/>
+              <a:cs typeface="+mn-cs"/>
+            </a:endParaRPr>
+          </a:p>
+          <a:p>
+            <a:pPr lvl="0"/>
+            <a:r>
+              <a:rPr lang="en-US" sz="1200" b="1" kern="1200" dirty="0" smtClean="0">
+                <a:solidFill>
+                  <a:schemeClr val="tx1"/>
+                </a:solidFill>
+                <a:effectLst/>
+                <a:latin typeface="+mn-lt"/>
+                <a:ea typeface="+mn-ea"/>
+                <a:cs typeface="+mn-cs"/>
+              </a:rPr>
+              <a:t>Steps:</a:t>
+            </a:r>
+          </a:p>
+          <a:p>
+            <a:pPr marL="228600" lvl="0" indent="-228600">
+              <a:buFont typeface="Arial" panose="020B0604020202020204" pitchFamily="34" charset="0"/>
+              <a:buAutoNum type="arabicPeriod"/>
+            </a:pPr>
+            <a:r>
+              <a:rPr lang="en-US" sz="1200" b="0" kern="1200" dirty="0" smtClean="0">
+                <a:solidFill>
+                  <a:schemeClr val="tx1"/>
+                </a:solidFill>
+                <a:effectLst/>
+                <a:latin typeface="+mn-lt"/>
+                <a:ea typeface="+mn-ea"/>
+                <a:cs typeface="+mn-cs"/>
+              </a:rPr>
+              <a:t>Create</a:t>
+            </a:r>
+            <a:r>
+              <a:rPr lang="en-US" sz="1200" b="0" kern="1200" baseline="0" dirty="0" smtClean="0">
+                <a:solidFill>
+                  <a:schemeClr val="tx1"/>
+                </a:solidFill>
+                <a:effectLst/>
+                <a:latin typeface="+mn-lt"/>
+                <a:ea typeface="+mn-ea"/>
+                <a:cs typeface="+mn-cs"/>
+              </a:rPr>
+              <a:t> a Cloud Service with a Web Role and Worker Role (with SB queue).</a:t>
+            </a:r>
+          </a:p>
+          <a:p>
+            <a:pPr marL="228600" lvl="0" indent="-228600">
+              <a:buFont typeface="Arial" panose="020B0604020202020204" pitchFamily="34" charset="0"/>
+              <a:buAutoNum type="arabicPeriod"/>
+            </a:pPr>
+            <a:r>
+              <a:rPr lang="en-US" sz="1200" b="0" kern="1200" baseline="0" dirty="0" smtClean="0">
+                <a:solidFill>
+                  <a:schemeClr val="tx1"/>
+                </a:solidFill>
+                <a:effectLst/>
+                <a:latin typeface="+mn-lt"/>
+                <a:ea typeface="+mn-ea"/>
+                <a:cs typeface="+mn-cs"/>
+              </a:rPr>
+              <a:t>Launch, explain local emulator.</a:t>
+            </a:r>
+          </a:p>
+          <a:p>
+            <a:pPr marL="228600" lvl="0" indent="-228600">
+              <a:buFont typeface="Arial" panose="020B0604020202020204" pitchFamily="34" charset="0"/>
+              <a:buAutoNum type="arabicPeriod"/>
+            </a:pPr>
+            <a:r>
+              <a:rPr lang="en-US" sz="1200" b="0" kern="1200" baseline="0" smtClean="0">
+                <a:solidFill>
+                  <a:schemeClr val="tx1"/>
+                </a:solidFill>
+                <a:effectLst/>
+                <a:latin typeface="+mn-lt"/>
+                <a:ea typeface="+mn-ea"/>
+                <a:cs typeface="+mn-cs"/>
+              </a:rPr>
+              <a:t>Show publish menu.</a:t>
+            </a:r>
+            <a:endParaRPr lang="en-US" sz="1200" b="0" kern="1200" dirty="0" smtClean="0">
+              <a:solidFill>
+                <a:schemeClr val="tx1"/>
+              </a:solidFill>
+              <a:effectLst/>
+              <a:latin typeface="+mn-lt"/>
+              <a:ea typeface="+mn-ea"/>
+              <a:cs typeface="+mn-cs"/>
+            </a:endParaRPr>
           </a:p>
         </p:txBody>
       </p:sp>
@@ -2129,7 +2164,7 @@
     </p:spTree>
     <p:extLst>
       <p:ext uri="{BB962C8B-B14F-4D97-AF65-F5344CB8AC3E}">
-        <p14:creationId xmlns:p14="http://schemas.microsoft.com/office/powerpoint/2010/main" val="4255446118"/>
+        <p14:creationId xmlns:p14="http://schemas.microsoft.com/office/powerpoint/2010/main" val="2269926713"/>
       </p:ext>
     </p:extLst>
   </p:cSld>
@@ -2183,96 +2218,7 @@
           <a:bodyPr/>
           <a:lstStyle/>
           <a:p>
-            <a:r>
-              <a:rPr lang="en-US" b="1" dirty="0" smtClean="0"/>
-              <a:t>Slide Objectives:</a:t>
-            </a:r>
-          </a:p>
-          <a:p>
-            <a:r>
-              <a:rPr lang="en-US" b="0" dirty="0" smtClean="0"/>
-              <a:t>Explain</a:t>
-            </a:r>
-            <a:r>
-              <a:rPr lang="en-US" b="0" baseline="0" dirty="0" smtClean="0"/>
-              <a:t> the agenda of the session. </a:t>
-            </a:r>
-          </a:p>
-          <a:p>
-            <a:endParaRPr lang="en-US" b="0" dirty="0" smtClean="0"/>
-          </a:p>
-          <a:p>
-            <a:pPr marL="0" marR="0" indent="0" algn="l" defTabSz="914400" rtl="0" eaLnBrk="1" fontAlgn="auto" latinLnBrk="0" hangingPunct="1">
-              <a:lnSpc>
-                <a:spcPct val="100000"/>
-              </a:lnSpc>
-              <a:spcBef>
-                <a:spcPts val="0"/>
-              </a:spcBef>
-              <a:spcAft>
-                <a:spcPts val="0"/>
-              </a:spcAft>
-              <a:buClrTx/>
-              <a:buSzTx/>
-              <a:buFontTx/>
-              <a:buNone/>
-              <a:tabLst/>
-              <a:defRPr/>
-            </a:pPr>
-            <a:r>
-              <a:rPr lang="en-US" b="1" dirty="0" smtClean="0"/>
-              <a:t>Speaker Notes:</a:t>
-            </a:r>
-          </a:p>
-          <a:p>
-            <a:pPr marL="171450" marR="0" indent="-171450" algn="l" defTabSz="914400" rtl="0" eaLnBrk="1" fontAlgn="auto" latinLnBrk="0" hangingPunct="1">
-              <a:lnSpc>
-                <a:spcPct val="100000"/>
-              </a:lnSpc>
-              <a:spcBef>
-                <a:spcPts val="0"/>
-              </a:spcBef>
-              <a:spcAft>
-                <a:spcPts val="0"/>
-              </a:spcAft>
-              <a:buClrTx/>
-              <a:buSzTx/>
-              <a:buFont typeface="Arial" panose="020B0604020202020204" pitchFamily="34" charset="0"/>
-              <a:buChar char="•"/>
-              <a:tabLst/>
-              <a:defRPr/>
-            </a:pPr>
-            <a:r>
-              <a:rPr lang="en-US" b="0" dirty="0" smtClean="0"/>
-              <a:t>Explain</a:t>
-            </a:r>
-            <a:r>
-              <a:rPr lang="en-US" b="0" baseline="0" dirty="0" smtClean="0"/>
-              <a:t> this presentation is a high-level overview, so not everything is covered in-depth.</a:t>
-            </a:r>
-          </a:p>
-          <a:p>
-            <a:pPr marL="0" marR="0" indent="0" algn="l" defTabSz="914400" rtl="0" eaLnBrk="1" fontAlgn="auto" latinLnBrk="0" hangingPunct="1">
-              <a:lnSpc>
-                <a:spcPct val="100000"/>
-              </a:lnSpc>
-              <a:spcBef>
-                <a:spcPts val="0"/>
-              </a:spcBef>
-              <a:spcAft>
-                <a:spcPts val="0"/>
-              </a:spcAft>
-              <a:buClrTx/>
-              <a:buSzTx/>
-              <a:buFont typeface="Arial" panose="020B0604020202020204" pitchFamily="34" charset="0"/>
-              <a:buNone/>
-              <a:tabLst/>
-              <a:defRPr/>
-            </a:pPr>
-            <a:endParaRPr lang="en-US" b="0" dirty="0" smtClean="0"/>
-          </a:p>
-          <a:p>
-            <a:endParaRPr lang="en-US" b="0" dirty="0"/>
+            <a:endParaRPr lang="en-US" dirty="0"/>
           </a:p>
         </p:txBody>
       </p:sp>
@@ -2302,7 +2248,7 @@
     </p:spTree>
     <p:extLst>
       <p:ext uri="{BB962C8B-B14F-4D97-AF65-F5344CB8AC3E}">
-        <p14:creationId xmlns:p14="http://schemas.microsoft.com/office/powerpoint/2010/main" val="262407700"/>
+        <p14:creationId xmlns:p14="http://schemas.microsoft.com/office/powerpoint/2010/main" val="4255446118"/>
       </p:ext>
     </p:extLst>
   </p:cSld>
@@ -2356,7 +2302,96 @@
           <a:bodyPr/>
           <a:lstStyle/>
           <a:p>
-            <a:endParaRPr lang="en-US" dirty="0"/>
+            <a:r>
+              <a:rPr lang="en-US" b="1" dirty="0" smtClean="0"/>
+              <a:t>Slide Objectives:</a:t>
+            </a:r>
+          </a:p>
+          <a:p>
+            <a:r>
+              <a:rPr lang="en-US" b="0" dirty="0" smtClean="0"/>
+              <a:t>Explain</a:t>
+            </a:r>
+            <a:r>
+              <a:rPr lang="en-US" b="0" baseline="0" dirty="0" smtClean="0"/>
+              <a:t> the agenda of the session. </a:t>
+            </a:r>
+          </a:p>
+          <a:p>
+            <a:endParaRPr lang="en-US" b="0" dirty="0" smtClean="0"/>
+          </a:p>
+          <a:p>
+            <a:pPr marL="0" marR="0" indent="0" algn="l" defTabSz="914400" rtl="0" eaLnBrk="1" fontAlgn="auto" latinLnBrk="0" hangingPunct="1">
+              <a:lnSpc>
+                <a:spcPct val="100000"/>
+              </a:lnSpc>
+              <a:spcBef>
+                <a:spcPts val="0"/>
+              </a:spcBef>
+              <a:spcAft>
+                <a:spcPts val="0"/>
+              </a:spcAft>
+              <a:buClrTx/>
+              <a:buSzTx/>
+              <a:buFontTx/>
+              <a:buNone/>
+              <a:tabLst/>
+              <a:defRPr/>
+            </a:pPr>
+            <a:r>
+              <a:rPr lang="en-US" b="1" dirty="0" smtClean="0"/>
+              <a:t>Speaker Notes:</a:t>
+            </a:r>
+          </a:p>
+          <a:p>
+            <a:pPr marL="171450" marR="0" indent="-171450" algn="l" defTabSz="914400" rtl="0" eaLnBrk="1" fontAlgn="auto" latinLnBrk="0" hangingPunct="1">
+              <a:lnSpc>
+                <a:spcPct val="100000"/>
+              </a:lnSpc>
+              <a:spcBef>
+                <a:spcPts val="0"/>
+              </a:spcBef>
+              <a:spcAft>
+                <a:spcPts val="0"/>
+              </a:spcAft>
+              <a:buClrTx/>
+              <a:buSzTx/>
+              <a:buFont typeface="Arial" panose="020B0604020202020204" pitchFamily="34" charset="0"/>
+              <a:buChar char="•"/>
+              <a:tabLst/>
+              <a:defRPr/>
+            </a:pPr>
+            <a:r>
+              <a:rPr lang="en-US" b="0" dirty="0" smtClean="0"/>
+              <a:t>Explain</a:t>
+            </a:r>
+            <a:r>
+              <a:rPr lang="en-US" b="0" baseline="0" dirty="0" smtClean="0"/>
+              <a:t> this presentation is a high-level overview, so not everything is covered in-depth.</a:t>
+            </a:r>
+          </a:p>
+          <a:p>
+            <a:pPr marL="0" marR="0" indent="0" algn="l" defTabSz="914400" rtl="0" eaLnBrk="1" fontAlgn="auto" latinLnBrk="0" hangingPunct="1">
+              <a:lnSpc>
+                <a:spcPct val="100000"/>
+              </a:lnSpc>
+              <a:spcBef>
+                <a:spcPts val="0"/>
+              </a:spcBef>
+              <a:spcAft>
+                <a:spcPts val="0"/>
+              </a:spcAft>
+              <a:buClrTx/>
+              <a:buSzTx/>
+              <a:buFont typeface="Arial" panose="020B0604020202020204" pitchFamily="34" charset="0"/>
+              <a:buNone/>
+              <a:tabLst/>
+              <a:defRPr/>
+            </a:pPr>
+            <a:endParaRPr lang="en-US" b="0" dirty="0" smtClean="0"/>
+          </a:p>
+          <a:p>
+            <a:endParaRPr lang="en-US" b="0" dirty="0"/>
           </a:p>
         </p:txBody>
       </p:sp>
@@ -2375,7 +2410,7 @@
           <a:bodyPr/>
           <a:lstStyle/>
           <a:p>
-            <a:fld id="{74F2982F-AAE1-4ADA-A725-0A5C19CD442F}" type="slidenum">
+            <a:fld id="{2C52CFDC-D2D5-4B9F-BA75-89F771E01AEB}" type="slidenum">
               <a:rPr lang="en-US" smtClean="0"/>
               <a:t>20</a:t>
             </a:fld>
@@ -2386,7 +2421,7 @@
     </p:spTree>
     <p:extLst>
       <p:ext uri="{BB962C8B-B14F-4D97-AF65-F5344CB8AC3E}">
-        <p14:creationId xmlns:p14="http://schemas.microsoft.com/office/powerpoint/2010/main" val="4184201909"/>
+        <p14:creationId xmlns:p14="http://schemas.microsoft.com/office/powerpoint/2010/main" val="262407700"/>
       </p:ext>
     </p:extLst>
   </p:cSld>
@@ -2619,12 +2654,12 @@
       </p:sp>
       <p:sp>
         <p:nvSpPr>
-          <p:cNvPr id="4" name="Header Placeholder 3"/>
+          <p:cNvPr id="4" name="Slide Number Placeholder 3"/>
           <p:cNvSpPr>
             <a:spLocks noGrp="1"/>
           </p:cNvSpPr>
           <p:nvPr>
-            <p:ph type="hdr" sz="quarter" idx="10"/>
+            <p:ph type="sldNum" sz="quarter" idx="10"/>
           </p:nvPr>
         </p:nvSpPr>
         <p:spPr/>
@@ -2632,119 +2667,18 @@
           <a:bodyPr/>
           <a:lstStyle/>
           <a:p>
-            <a:r>
+            <a:fld id="{74F2982F-AAE1-4ADA-A725-0A5C19CD442F}" type="slidenum">
               <a:rPr lang="en-US" smtClean="0"/>
-              <a:t>TechEd 2013</a:t>
-            </a:r>
-            <a:endParaRPr lang="en-US" dirty="0"/>
-          </a:p>
-        </p:txBody>
-      </p:sp>
-      <p:sp>
-        <p:nvSpPr>
-          <p:cNvPr id="5" name="Footer Placeholder 4"/>
-          <p:cNvSpPr>
-            <a:spLocks noGrp="1"/>
-          </p:cNvSpPr>
-          <p:nvPr>
-            <p:ph type="ftr" sz="quarter" idx="11"/>
-          </p:nvPr>
-        </p:nvSpPr>
-        <p:spPr/>
-        <p:txBody>
-          <a:bodyPr/>
-          <a:lstStyle/>
-          <a:p>
-            <a:pPr defTabSz="914099" eaLnBrk="0" hangingPunct="0"/>
-            <a:r>
-              <a:rPr lang="en-US" sz="400" smtClean="0">
-                <a:gradFill>
-                  <a:gsLst>
-                    <a:gs pos="0">
-                      <a:prstClr val="black"/>
-                    </a:gs>
-                    <a:gs pos="100000">
-                      <a:prstClr val="black"/>
-                    </a:gs>
-                  </a:gsLst>
-                  <a:lin ang="5400000" scaled="0"/>
-                </a:gradFill>
-                <a:latin typeface="Segoe UI" pitchFamily="34" charset="0"/>
-                <a:ea typeface="Segoe UI" pitchFamily="34" charset="0"/>
-                <a:cs typeface="Segoe UI" pitchFamily="34" charset="0"/>
-              </a:rPr>
-              <a:t>© 2013 Microsoft Corporation. All rights reserved. Microsoft, Windows, and other product names are or may be registered trademarks and/or trademarks in the U.S. and/or other countries. The information herein is for informational purposes only and represents the current view of Microsoft Corporation as of the date of this presentation.  Because Microsoft must respond to changing market conditions, it should not be interpreted to be a commitment on the part of Microsoft, and Microsoft cannot guarantee the accuracy of any information provided after the date of this presentation.  MICROSOFT MAKES NO WARRANTIES, EXPRESS, IMPLIED OR STATUTORY, AS TO THE INFORMATION IN THIS PRESENTATION.</a:t>
-            </a:r>
-            <a:endParaRPr lang="en-US" sz="400" dirty="0" smtClean="0">
-              <a:gradFill>
-                <a:gsLst>
-                  <a:gs pos="0">
-                    <a:prstClr val="black"/>
-                  </a:gs>
-                  <a:gs pos="100000">
-                    <a:prstClr val="black"/>
-                  </a:gs>
-                </a:gsLst>
-                <a:lin ang="5400000" scaled="0"/>
-              </a:gradFill>
-              <a:latin typeface="Segoe UI" pitchFamily="34" charset="0"/>
-              <a:ea typeface="Segoe UI" pitchFamily="34" charset="0"/>
-              <a:cs typeface="Segoe UI" pitchFamily="34" charset="0"/>
-            </a:endParaRPr>
-          </a:p>
-        </p:txBody>
-      </p:sp>
-      <p:sp>
-        <p:nvSpPr>
-          <p:cNvPr id="6" name="Date Placeholder 5"/>
-          <p:cNvSpPr>
-            <a:spLocks noGrp="1"/>
-          </p:cNvSpPr>
-          <p:nvPr>
-            <p:ph type="dt" idx="12"/>
-          </p:nvPr>
-        </p:nvSpPr>
-        <p:spPr/>
-        <p:txBody>
-          <a:bodyPr/>
-          <a:lstStyle/>
-          <a:p>
-            <a:fld id="{2DFDA5C7-BBAE-481E-8BF7-731156A2E2C1}" type="datetime8">
-              <a:rPr lang="en-US" smtClean="0"/>
-              <a:t>10/6/2014 3:24 PM</a:t>
-            </a:fld>
-            <a:endParaRPr lang="en-US" dirty="0"/>
-          </a:p>
-        </p:txBody>
-      </p:sp>
-      <p:sp>
-        <p:nvSpPr>
-          <p:cNvPr id="7" name="Slide Number Placeholder 6"/>
-          <p:cNvSpPr>
-            <a:spLocks noGrp="1"/>
-          </p:cNvSpPr>
-          <p:nvPr>
-            <p:ph type="sldNum" sz="quarter" idx="13"/>
-          </p:nvPr>
-        </p:nvSpPr>
-        <p:spPr/>
-        <p:txBody>
-          <a:bodyPr/>
-          <a:lstStyle/>
-          <a:p>
-            <a:fld id="{B4008EB6-D09E-4580-8CD6-DDB14511944F}" type="slidenum">
-              <a:rPr lang="en-US" smtClean="0"/>
-              <a:pPr/>
               <a:t>21</a:t>
             </a:fld>
-            <a:endParaRPr lang="en-US" dirty="0"/>
+            <a:endParaRPr lang="en-US"/>
           </a:p>
         </p:txBody>
       </p:sp>
     </p:spTree>
     <p:extLst>
       <p:ext uri="{BB962C8B-B14F-4D97-AF65-F5344CB8AC3E}">
-        <p14:creationId xmlns:p14="http://schemas.microsoft.com/office/powerpoint/2010/main" val="3689359620"/>
+        <p14:creationId xmlns:p14="http://schemas.microsoft.com/office/powerpoint/2010/main" val="4184201909"/>
       </p:ext>
     </p:extLst>
   </p:cSld>
@@ -2896,7 +2830,7 @@
           <a:p>
             <a:fld id="{2DFDA5C7-BBAE-481E-8BF7-731156A2E2C1}" type="datetime8">
               <a:rPr lang="en-US" smtClean="0"/>
-              <a:t>10/6/2014 3:24 PM</a:t>
+              <a:t>12/11/2014 10:19 AM</a:t>
             </a:fld>
             <a:endParaRPr lang="en-US" dirty="0"/>
           </a:p>
@@ -2929,7 +2863,7 @@
     </p:spTree>
     <p:extLst>
       <p:ext uri="{BB962C8B-B14F-4D97-AF65-F5344CB8AC3E}">
-        <p14:creationId xmlns:p14="http://schemas.microsoft.com/office/powerpoint/2010/main" val="2680493529"/>
+        <p14:creationId xmlns:p14="http://schemas.microsoft.com/office/powerpoint/2010/main" val="3689359620"/>
       </p:ext>
     </p:extLst>
   </p:cSld>
@@ -2983,14 +2917,6 @@
           <a:bodyPr/>
           <a:lstStyle/>
           <a:p>
-            <a:r>
-              <a:rPr lang="en-US" dirty="0" smtClean="0"/>
-              <a:t>It</a:t>
-            </a:r>
-            <a:r>
-              <a:rPr lang="en-US" baseline="0" dirty="0" smtClean="0"/>
-              <a:t> depends, but….</a:t>
-            </a:r>
             <a:endParaRPr lang="en-US" dirty="0"/>
           </a:p>
         </p:txBody>
@@ -3089,7 +3015,7 @@
           <a:p>
             <a:fld id="{2DFDA5C7-BBAE-481E-8BF7-731156A2E2C1}" type="datetime8">
               <a:rPr lang="en-US" smtClean="0"/>
-              <a:t>10/6/2014 3:24 PM</a:t>
+              <a:t>12/11/2014 10:19 AM</a:t>
             </a:fld>
             <a:endParaRPr lang="en-US" dirty="0"/>
           </a:p>
@@ -3122,7 +3048,7 @@
     </p:spTree>
     <p:extLst>
       <p:ext uri="{BB962C8B-B14F-4D97-AF65-F5344CB8AC3E}">
-        <p14:creationId xmlns:p14="http://schemas.microsoft.com/office/powerpoint/2010/main" val="4237772432"/>
+        <p14:creationId xmlns:p14="http://schemas.microsoft.com/office/powerpoint/2010/main" val="2680493529"/>
       </p:ext>
     </p:extLst>
   </p:cSld>
@@ -3176,6 +3102,14 @@
           <a:bodyPr/>
           <a:lstStyle/>
           <a:p>
+            <a:r>
+              <a:rPr lang="en-US" dirty="0" smtClean="0"/>
+              <a:t>It</a:t>
+            </a:r>
+            <a:r>
+              <a:rPr lang="en-US" baseline="0" dirty="0" smtClean="0"/>
+              <a:t> depends, but….</a:t>
+            </a:r>
             <a:endParaRPr lang="en-US" dirty="0"/>
           </a:p>
         </p:txBody>
@@ -3274,7 +3208,7 @@
           <a:p>
             <a:fld id="{2DFDA5C7-BBAE-481E-8BF7-731156A2E2C1}" type="datetime8">
               <a:rPr lang="en-US" smtClean="0"/>
-              <a:t>10/6/2014 3:24 PM</a:t>
+              <a:t>12/11/2014 10:19 AM</a:t>
             </a:fld>
             <a:endParaRPr lang="en-US" dirty="0"/>
           </a:p>
@@ -3307,7 +3241,7 @@
     </p:spTree>
     <p:extLst>
       <p:ext uri="{BB962C8B-B14F-4D97-AF65-F5344CB8AC3E}">
-        <p14:creationId xmlns:p14="http://schemas.microsoft.com/office/powerpoint/2010/main" val="3509776159"/>
+        <p14:creationId xmlns:p14="http://schemas.microsoft.com/office/powerpoint/2010/main" val="4237772432"/>
       </p:ext>
     </p:extLst>
   </p:cSld>
@@ -3459,7 +3393,7 @@
           <a:p>
             <a:fld id="{2DFDA5C7-BBAE-481E-8BF7-731156A2E2C1}" type="datetime8">
               <a:rPr lang="en-US" smtClean="0"/>
-              <a:t>10/6/2014 3:24 PM</a:t>
+              <a:t>12/11/2014 10:19 AM</a:t>
             </a:fld>
             <a:endParaRPr lang="en-US" dirty="0"/>
           </a:p>
@@ -3492,7 +3426,7 @@
     </p:spTree>
     <p:extLst>
       <p:ext uri="{BB962C8B-B14F-4D97-AF65-F5344CB8AC3E}">
-        <p14:creationId xmlns:p14="http://schemas.microsoft.com/office/powerpoint/2010/main" val="2319959034"/>
+        <p14:creationId xmlns:p14="http://schemas.microsoft.com/office/powerpoint/2010/main" val="3509776159"/>
       </p:ext>
     </p:extLst>
   </p:cSld>
@@ -3644,7 +3578,7 @@
           <a:p>
             <a:fld id="{2DFDA5C7-BBAE-481E-8BF7-731156A2E2C1}" type="datetime8">
               <a:rPr lang="en-US" smtClean="0"/>
-              <a:t>10/6/2014 3:24 PM</a:t>
+              <a:t>12/11/2014 10:19 AM</a:t>
             </a:fld>
             <a:endParaRPr lang="en-US" dirty="0"/>
           </a:p>
@@ -3677,7 +3611,7 @@
     </p:spTree>
     <p:extLst>
       <p:ext uri="{BB962C8B-B14F-4D97-AF65-F5344CB8AC3E}">
-        <p14:creationId xmlns:p14="http://schemas.microsoft.com/office/powerpoint/2010/main" val="591297093"/>
+        <p14:creationId xmlns:p14="http://schemas.microsoft.com/office/powerpoint/2010/main" val="2319959034"/>
       </p:ext>
     </p:extLst>
   </p:cSld>
@@ -3751,6 +3685,191 @@
           <a:lstStyle/>
           <a:p>
             <a:r>
+              <a:rPr lang="en-US" smtClean="0"/>
+              <a:t>TechEd 2013</a:t>
+            </a:r>
+            <a:endParaRPr lang="en-US" dirty="0"/>
+          </a:p>
+        </p:txBody>
+      </p:sp>
+      <p:sp>
+        <p:nvSpPr>
+          <p:cNvPr id="5" name="Footer Placeholder 4"/>
+          <p:cNvSpPr>
+            <a:spLocks noGrp="1"/>
+          </p:cNvSpPr>
+          <p:nvPr>
+            <p:ph type="ftr" sz="quarter" idx="11"/>
+          </p:nvPr>
+        </p:nvSpPr>
+        <p:spPr/>
+        <p:txBody>
+          <a:bodyPr/>
+          <a:lstStyle/>
+          <a:p>
+            <a:pPr defTabSz="914099" eaLnBrk="0" hangingPunct="0"/>
+            <a:r>
+              <a:rPr lang="en-US" sz="400" smtClean="0">
+                <a:gradFill>
+                  <a:gsLst>
+                    <a:gs pos="0">
+                      <a:prstClr val="black"/>
+                    </a:gs>
+                    <a:gs pos="100000">
+                      <a:prstClr val="black"/>
+                    </a:gs>
+                  </a:gsLst>
+                  <a:lin ang="5400000" scaled="0"/>
+                </a:gradFill>
+                <a:latin typeface="Segoe UI" pitchFamily="34" charset="0"/>
+                <a:ea typeface="Segoe UI" pitchFamily="34" charset="0"/>
+                <a:cs typeface="Segoe UI" pitchFamily="34" charset="0"/>
+              </a:rPr>
+              <a:t>© 2013 Microsoft Corporation. All rights reserved. Microsoft, Windows, and other product names are or may be registered trademarks and/or trademarks in the U.S. and/or other countries. The information herein is for informational purposes only and represents the current view of Microsoft Corporation as of the date of this presentation.  Because Microsoft must respond to changing market conditions, it should not be interpreted to be a commitment on the part of Microsoft, and Microsoft cannot guarantee the accuracy of any information provided after the date of this presentation.  MICROSOFT MAKES NO WARRANTIES, EXPRESS, IMPLIED OR STATUTORY, AS TO THE INFORMATION IN THIS PRESENTATION.</a:t>
+            </a:r>
+            <a:endParaRPr lang="en-US" sz="400" dirty="0" smtClean="0">
+              <a:gradFill>
+                <a:gsLst>
+                  <a:gs pos="0">
+                    <a:prstClr val="black"/>
+                  </a:gs>
+                  <a:gs pos="100000">
+                    <a:prstClr val="black"/>
+                  </a:gs>
+                </a:gsLst>
+                <a:lin ang="5400000" scaled="0"/>
+              </a:gradFill>
+              <a:latin typeface="Segoe UI" pitchFamily="34" charset="0"/>
+              <a:ea typeface="Segoe UI" pitchFamily="34" charset="0"/>
+              <a:cs typeface="Segoe UI" pitchFamily="34" charset="0"/>
+            </a:endParaRPr>
+          </a:p>
+        </p:txBody>
+      </p:sp>
+      <p:sp>
+        <p:nvSpPr>
+          <p:cNvPr id="6" name="Date Placeholder 5"/>
+          <p:cNvSpPr>
+            <a:spLocks noGrp="1"/>
+          </p:cNvSpPr>
+          <p:nvPr>
+            <p:ph type="dt" idx="12"/>
+          </p:nvPr>
+        </p:nvSpPr>
+        <p:spPr/>
+        <p:txBody>
+          <a:bodyPr/>
+          <a:lstStyle/>
+          <a:p>
+            <a:fld id="{2DFDA5C7-BBAE-481E-8BF7-731156A2E2C1}" type="datetime8">
+              <a:rPr lang="en-US" smtClean="0"/>
+              <a:t>12/11/2014 10:19 AM</a:t>
+            </a:fld>
+            <a:endParaRPr lang="en-US" dirty="0"/>
+          </a:p>
+        </p:txBody>
+      </p:sp>
+      <p:sp>
+        <p:nvSpPr>
+          <p:cNvPr id="7" name="Slide Number Placeholder 6"/>
+          <p:cNvSpPr>
+            <a:spLocks noGrp="1"/>
+          </p:cNvSpPr>
+          <p:nvPr>
+            <p:ph type="sldNum" sz="quarter" idx="13"/>
+          </p:nvPr>
+        </p:nvSpPr>
+        <p:spPr/>
+        <p:txBody>
+          <a:bodyPr/>
+          <a:lstStyle/>
+          <a:p>
+            <a:fld id="{B4008EB6-D09E-4580-8CD6-DDB14511944F}" type="slidenum">
+              <a:rPr lang="en-US" smtClean="0"/>
+              <a:pPr/>
+              <a:t>27</a:t>
+            </a:fld>
+            <a:endParaRPr lang="en-US" dirty="0"/>
+          </a:p>
+        </p:txBody>
+      </p:sp>
+    </p:spTree>
+    <p:extLst>
+      <p:ext uri="{BB962C8B-B14F-4D97-AF65-F5344CB8AC3E}">
+        <p14:creationId xmlns:p14="http://schemas.microsoft.com/office/powerpoint/2010/main" val="591297093"/>
+      </p:ext>
+    </p:extLst>
+  </p:cSld>
+  <p:clrMapOvr>
+    <a:masterClrMapping/>
+  </p:clrMapOvr>
+</p:notes>
+</file>
+
+<file path=ppt/notesSlides/notesSlide27.xml><?xml version="1.0" encoding="utf-8"?>
+<p:notes xmlns:a="http://schemas.openxmlformats.org/drawingml/2006/main" xmlns:r="http://schemas.openxmlformats.org/officeDocument/2006/relationships" xmlns:p="http://schemas.openxmlformats.org/presentationml/2006/main">
+  <p:cSld>
+    <p:spTree>
+      <p:nvGrpSpPr>
+        <p:cNvPr id="1" name=""/>
+        <p:cNvGrpSpPr/>
+        <p:nvPr/>
+      </p:nvGrpSpPr>
+      <p:grpSpPr>
+        <a:xfrm>
+          <a:off x="0" y="0"/>
+          <a:ext cx="0" cy="0"/>
+          <a:chOff x="0" y="0"/>
+          <a:chExt cx="0" cy="0"/>
+        </a:xfrm>
+      </p:grpSpPr>
+      <p:sp>
+        <p:nvSpPr>
+          <p:cNvPr id="2" name="Slide Image Placeholder 1"/>
+          <p:cNvSpPr>
+            <a:spLocks noGrp="1" noRot="1" noChangeAspect="1"/>
+          </p:cNvSpPr>
+          <p:nvPr>
+            <p:ph type="sldImg"/>
+          </p:nvPr>
+        </p:nvSpPr>
+        <p:spPr/>
+      </p:sp>
+      <p:sp>
+        <p:nvSpPr>
+          <p:cNvPr id="3" name="Notes Placeholder 2"/>
+          <p:cNvSpPr>
+            <a:spLocks noGrp="1"/>
+          </p:cNvSpPr>
+          <p:nvPr>
+            <p:ph type="body" idx="1"/>
+          </p:nvPr>
+        </p:nvSpPr>
+        <p:spPr/>
+        <p:txBody>
+          <a:bodyPr/>
+          <a:lstStyle/>
+          <a:p>
+            <a:endParaRPr lang="en-US" dirty="0"/>
+          </a:p>
+        </p:txBody>
+      </p:sp>
+      <p:sp>
+        <p:nvSpPr>
+          <p:cNvPr id="4" name="Header Placeholder 3"/>
+          <p:cNvSpPr>
+            <a:spLocks noGrp="1"/>
+          </p:cNvSpPr>
+          <p:nvPr>
+            <p:ph type="hdr" sz="quarter" idx="10"/>
+          </p:nvPr>
+        </p:nvSpPr>
+        <p:spPr/>
+        <p:txBody>
+          <a:bodyPr/>
+          <a:lstStyle/>
+          <a:p>
+            <a:r>
               <a:rPr lang="en-US" smtClean="0">
                 <a:solidFill>
                   <a:prstClr val="black"/>
@@ -3864,7 +3983,7 @@
                 </a:solidFill>
               </a:rPr>
               <a:pPr/>
-              <a:t>10/6/2014</a:t>
+              <a:t>12/11/2014</a:t>
             </a:fld>
             <a:endParaRPr lang="en-US" dirty="0">
               <a:solidFill>
@@ -3896,7 +4015,7 @@
                 </a:solidFill>
               </a:rPr>
               <a:pPr/>
-              <a:t>27</a:t>
+              <a:t>28</a:t>
             </a:fld>
             <a:endParaRPr lang="en-US" dirty="0">
               <a:solidFill>
@@ -3964,86 +4083,14 @@
           <a:lstStyle/>
           <a:p>
             <a:r>
-              <a:rPr lang="en-US" b="1" dirty="0" smtClean="0"/>
-              <a:t>Slide Objectives:</a:t>
-            </a:r>
-          </a:p>
-          <a:p>
-            <a:r>
-              <a:rPr lang="en-US" b="0" baseline="0" dirty="0" smtClean="0"/>
-              <a:t>Explain how Azure helps developers to refocus on their applications.</a:t>
-            </a:r>
-          </a:p>
-          <a:p>
-            <a:endParaRPr lang="en-US" b="0" baseline="0" dirty="0" smtClean="0"/>
-          </a:p>
-          <a:p>
-            <a:r>
-              <a:rPr lang="en-US" b="1" baseline="0" dirty="0" smtClean="0"/>
-              <a:t>Speaker Notes:</a:t>
-            </a:r>
-          </a:p>
-          <a:p>
-            <a:pPr marL="0" marR="0" indent="0" algn="l" defTabSz="914400" rtl="0" eaLnBrk="1" fontAlgn="auto" latinLnBrk="0" hangingPunct="1">
-              <a:lnSpc>
-                <a:spcPct val="100000"/>
-              </a:lnSpc>
-              <a:spcBef>
-                <a:spcPts val="0"/>
-              </a:spcBef>
-              <a:spcAft>
-                <a:spcPts val="0"/>
-              </a:spcAft>
-              <a:buClrTx/>
-              <a:buSzTx/>
-              <a:buFontTx/>
-              <a:buNone/>
-              <a:tabLst/>
-              <a:defRPr/>
-            </a:pPr>
-            <a:r>
-              <a:rPr lang="en-US" b="0" baseline="0" dirty="0" smtClean="0"/>
-              <a:t>Before we discuss about specifics, let’s refocus on what you care about – your application/service. </a:t>
-            </a:r>
-            <a:endParaRPr lang="en-US" b="1" baseline="0" dirty="0" smtClean="0"/>
-          </a:p>
-          <a:p>
-            <a:pPr marL="171450" marR="0" indent="-171450" algn="l" defTabSz="914400" rtl="0" eaLnBrk="1" fontAlgn="auto" latinLnBrk="0" hangingPunct="1">
-              <a:lnSpc>
-                <a:spcPct val="100000"/>
-              </a:lnSpc>
-              <a:spcBef>
-                <a:spcPts val="0"/>
-              </a:spcBef>
-              <a:spcAft>
-                <a:spcPts val="0"/>
-              </a:spcAft>
-              <a:buClrTx/>
-              <a:buSzTx/>
-              <a:buFont typeface="Arial" panose="020B0604020202020204" pitchFamily="34" charset="0"/>
-              <a:buChar char="•"/>
-              <a:tabLst/>
-              <a:defRPr/>
-            </a:pPr>
-            <a:r>
-              <a:rPr lang="en-US" b="0" baseline="0" dirty="0" smtClean="0"/>
-              <a:t>Azure is taking a application-centric approach and brings tools and services to support </a:t>
-            </a:r>
-            <a:r>
-              <a:rPr lang="en-US" altLang="zh-CN" b="0" baseline="0" dirty="0" err="1" smtClean="0"/>
-              <a:t>DevOps</a:t>
-            </a:r>
-            <a:r>
-              <a:rPr lang="en-US" altLang="zh-CN" b="0" baseline="0" dirty="0" smtClean="0"/>
-              <a:t> scenarios</a:t>
-            </a:r>
-            <a:r>
-              <a:rPr lang="en-US" b="0" baseline="0" dirty="0" smtClean="0"/>
-              <a:t>. </a:t>
-            </a:r>
-          </a:p>
-          <a:p>
-            <a:endParaRPr lang="en-US" dirty="0"/>
+              <a:rPr lang="en-US" noProof="0" dirty="0" smtClean="0"/>
+              <a:t>Making the point that Virtual Machines</a:t>
+            </a:r>
+            <a:r>
+              <a:rPr lang="en-US" baseline="0" noProof="0" dirty="0" smtClean="0"/>
+              <a:t> is IaaS while both CloudServices and Websites are PaaS.</a:t>
+            </a:r>
+            <a:endParaRPr lang="en-US" noProof="0" dirty="0"/>
           </a:p>
         </p:txBody>
       </p:sp>
@@ -4073,7 +4120,7 @@
     </p:spTree>
     <p:extLst>
       <p:ext uri="{BB962C8B-B14F-4D97-AF65-F5344CB8AC3E}">
-        <p14:creationId xmlns:p14="http://schemas.microsoft.com/office/powerpoint/2010/main" val="1666566944"/>
+        <p14:creationId xmlns:p14="http://schemas.microsoft.com/office/powerpoint/2010/main" val="4267906831"/>
       </p:ext>
     </p:extLst>
   </p:cSld>
@@ -4135,7 +4182,7 @@
           <a:p>
             <a:r>
               <a:rPr lang="en-US" b="0" baseline="0" dirty="0" smtClean="0"/>
-              <a:t>Explain application is made up by application code and infrastructure code.</a:t>
+              <a:t>Explain how Azure helps developers to refocus on their applications.</a:t>
             </a:r>
           </a:p>
           <a:p>
@@ -4148,57 +4195,66 @@
             </a:r>
           </a:p>
           <a:p>
-            <a:pPr marL="228600" indent="-228600">
-              <a:buFont typeface="+mj-lt"/>
-              <a:buAutoNum type="arabicPeriod"/>
+            <a:pPr marL="0" marR="0" indent="0" algn="l" defTabSz="914400" rtl="0" eaLnBrk="1" fontAlgn="auto" latinLnBrk="0" hangingPunct="1">
+              <a:lnSpc>
+                <a:spcPct val="100000"/>
+              </a:lnSpc>
+              <a:spcBef>
+                <a:spcPts val="0"/>
+              </a:spcBef>
+              <a:spcAft>
+                <a:spcPts val="0"/>
+              </a:spcAft>
+              <a:buClrTx/>
+              <a:buSzTx/>
+              <a:buFontTx/>
+              <a:buNone/>
+              <a:tabLst/>
+              <a:defRPr/>
             </a:pPr>
             <a:r>
-              <a:rPr lang="en-US" dirty="0" smtClean="0"/>
-              <a:t>Let’s start with something that you know inside-and-out: your application code. [click]</a:t>
-            </a:r>
-          </a:p>
-          <a:p>
-            <a:pPr marL="228600" indent="-228600">
-              <a:buFont typeface="+mj-lt"/>
-              <a:buAutoNum type="arabicPeriod"/>
+              <a:rPr lang="en-US" b="0" baseline="0" dirty="0" smtClean="0"/>
+              <a:t>Before we discuss about specifics, let’s refocus on what you care about – your application/service. </a:t>
+            </a:r>
+            <a:endParaRPr lang="en-US" b="1" baseline="0" dirty="0" smtClean="0"/>
+          </a:p>
+          <a:p>
+            <a:pPr marL="171450" marR="0" indent="-171450" algn="l" defTabSz="914400" rtl="0" eaLnBrk="1" fontAlgn="auto" latinLnBrk="0" hangingPunct="1">
+              <a:lnSpc>
+                <a:spcPct val="100000"/>
+              </a:lnSpc>
+              <a:spcBef>
+                <a:spcPts val="0"/>
+              </a:spcBef>
+              <a:spcAft>
+                <a:spcPts val="0"/>
+              </a:spcAft>
+              <a:buClrTx/>
+              <a:buSzTx/>
+              <a:buFont typeface="Arial" panose="020B0604020202020204" pitchFamily="34" charset="0"/>
+              <a:buChar char="•"/>
+              <a:tabLst/>
+              <a:defRPr/>
             </a:pPr>
             <a:r>
-              <a:rPr lang="en-US" dirty="0" smtClean="0"/>
-              <a:t>Then,</a:t>
-            </a:r>
-            <a:r>
-              <a:rPr lang="en-US" baseline="0" dirty="0" smtClean="0"/>
-              <a:t> for whatever reason, you decide to deploy your application to Azure. [click]</a:t>
-            </a:r>
-          </a:p>
-          <a:p>
-            <a:pPr marL="228600" indent="-228600">
-              <a:buFont typeface="+mj-lt"/>
-              <a:buAutoNum type="arabicPeriod"/>
-            </a:pPr>
-            <a:r>
-              <a:rPr lang="en-US" baseline="0" dirty="0" smtClean="0"/>
-              <a:t>What you do is to allocate a bunch of related resources out of the humongous resource pool provided by Azure, deploy your application code to these resources, and you have a running service. [click]</a:t>
-            </a:r>
-          </a:p>
-          <a:p>
-            <a:pPr marL="228600" indent="-228600">
-              <a:buFont typeface="+mj-lt"/>
-              <a:buAutoNum type="arabicPeriod"/>
-            </a:pPr>
-            <a:r>
-              <a:rPr lang="en-US" baseline="0" dirty="0" smtClean="0"/>
-              <a:t>For </a:t>
-            </a:r>
-            <a:r>
-              <a:rPr lang="en-US" baseline="0" dirty="0" err="1" smtClean="0"/>
+              <a:rPr lang="en-US" b="0" baseline="0" dirty="0" smtClean="0"/>
+              <a:t>Azure is taking a application-centric approach and brings tools and services to support </a:t>
+            </a:r>
+            <a:r>
+              <a:rPr lang="en-US" altLang="zh-CN" b="0" baseline="0" dirty="0" err="1" smtClean="0"/>
               <a:t>DevOps</a:t>
             </a:r>
             <a:r>
-              <a:rPr lang="en-US" baseline="0" dirty="0" smtClean="0"/>
-              <a:t>’ perspective, you need a way to reliable capture and apply your requirements on resources, which can be referred as infrastructure code. </a:t>
-            </a:r>
-            <a:endParaRPr lang="en-US" dirty="0" smtClean="0"/>
+              <a:rPr lang="en-US" altLang="zh-CN" b="0" baseline="0" dirty="0" smtClean="0"/>
+              <a:t> scenarios</a:t>
+            </a:r>
+            <a:r>
+              <a:rPr lang="en-US" b="0" baseline="0" dirty="0" smtClean="0"/>
+              <a:t>. </a:t>
+            </a:r>
+          </a:p>
+          <a:p>
+            <a:endParaRPr lang="en-US" dirty="0"/>
           </a:p>
         </p:txBody>
       </p:sp>
@@ -4228,7 +4284,7 @@
     </p:spTree>
     <p:extLst>
       <p:ext uri="{BB962C8B-B14F-4D97-AF65-F5344CB8AC3E}">
-        <p14:creationId xmlns:p14="http://schemas.microsoft.com/office/powerpoint/2010/main" val="1716381732"/>
+        <p14:creationId xmlns:p14="http://schemas.microsoft.com/office/powerpoint/2010/main" val="1666566944"/>
       </p:ext>
     </p:extLst>
   </p:cSld>
@@ -4290,21 +4346,7 @@
           <a:p>
             <a:r>
               <a:rPr lang="en-US" b="0" baseline="0" dirty="0" smtClean="0"/>
-              <a:t>Reiterate the point that to make your service successful, you are partnering with Azure. You bring the code, and Azure brings resources.</a:t>
-            </a:r>
-          </a:p>
-          <a:p>
-            <a:r>
-              <a:rPr lang="en-US" b="0" baseline="0" dirty="0" smtClean="0"/>
-              <a:t>This slide also sets state for the talk by explaining how </a:t>
-            </a:r>
-            <a:r>
-              <a:rPr lang="en-US" b="0" baseline="0" dirty="0" err="1" smtClean="0"/>
-              <a:t>IaaS</a:t>
-            </a:r>
-            <a:r>
-              <a:rPr lang="en-US" b="0" baseline="0" dirty="0" smtClean="0"/>
-              <a:t> components fit into the overall picture.</a:t>
+              <a:t>Explain application is made up by application code and infrastructure code.</a:t>
             </a:r>
           </a:p>
           <a:p>
@@ -4323,13 +4365,8 @@
             </a:pPr>
             <a:r>
               <a:rPr lang="en-US" dirty="0" smtClean="0"/>
-              <a:t>[Continue</a:t>
-            </a:r>
-            <a:r>
-              <a:rPr lang="en-US" baseline="0" dirty="0" smtClean="0"/>
-              <a:t> with previous slide]</a:t>
-            </a:r>
-            <a:endParaRPr lang="en-US" dirty="0" smtClean="0"/>
+              <a:t>Let’s start with something that you know inside-and-out: your application code. [click]</a:t>
+            </a:r>
           </a:p>
           <a:p>
             <a:pPr marL="228600" indent="-228600">
@@ -4337,16 +4374,12 @@
               <a:buAutoNum type="arabicPeriod"/>
             </a:pPr>
             <a:r>
-              <a:rPr lang="en-US" altLang="zh-CN" b="0" baseline="0" dirty="0" smtClean="0"/>
-              <a:t>T</a:t>
-            </a:r>
-            <a:r>
-              <a:rPr lang="en-US" b="0" baseline="0" dirty="0" smtClean="0"/>
-              <a:t>o make your service successful, you are partnering with Azure. You bring the code, and Azure brings resources. [Click] </a:t>
-            </a:r>
-            <a:r>
               <a:rPr lang="en-US" dirty="0" smtClean="0"/>
-              <a:t>And you keep iterating and making improvements over time. [Click]</a:t>
+              <a:t>Then,</a:t>
+            </a:r>
+            <a:r>
+              <a:rPr lang="en-US" baseline="0" dirty="0" smtClean="0"/>
+              <a:t> for whatever reason, you decide to deploy your application to Azure. [click]</a:t>
             </a:r>
           </a:p>
           <a:p>
@@ -4355,12 +4388,8 @@
               <a:buAutoNum type="arabicPeriod"/>
             </a:pPr>
             <a:r>
-              <a:rPr lang="en-US" dirty="0" smtClean="0"/>
-              <a:t>Once this partnership</a:t>
-            </a:r>
-            <a:r>
               <a:rPr lang="en-US" baseline="0" dirty="0" smtClean="0"/>
-              <a:t> is going, a lot of good things follow. For instance, you get automated deployment, versioned environments, and eventually continuous deployment. [Click]</a:t>
+              <a:t>What you do is to allocate a bunch of related resources out of the humongous resource pool provided by Azure, deploy your application code to these resources, and you have a running service. [click]</a:t>
             </a:r>
           </a:p>
           <a:p>
@@ -4369,53 +4398,18 @@
               <a:buAutoNum type="arabicPeriod"/>
             </a:pPr>
             <a:r>
-              <a:rPr lang="en-US" dirty="0" smtClean="0"/>
-              <a:t>You’ll have shorted cycle time, faster feedback loops, and faster speed to market. [Click]</a:t>
-            </a:r>
-          </a:p>
-          <a:p>
-            <a:pPr marL="228600" indent="-228600">
-              <a:buFont typeface="+mj-lt"/>
-              <a:buAutoNum type="arabicPeriod"/>
-            </a:pPr>
-            <a:r>
-              <a:rPr lang="en-US" dirty="0" smtClean="0"/>
-              <a:t>This also</a:t>
-            </a:r>
-            <a:r>
               <a:rPr lang="en-US" baseline="0" dirty="0" smtClean="0"/>
-              <a:t> frees up your energy to gain additional business insights, to innovate, and to continuously improve your business.</a:t>
-            </a:r>
-          </a:p>
-          <a:p>
-            <a:pPr marL="228600" indent="-228600">
-              <a:buFont typeface="+mj-lt"/>
-              <a:buAutoNum type="arabicPeriod"/>
-            </a:pPr>
-            <a:r>
-              <a:rPr lang="en-US" dirty="0" smtClean="0"/>
-              <a:t>And as your business is settled</a:t>
+              <a:t>For </a:t>
+            </a:r>
+            <a:r>
+              <a:rPr lang="en-US" baseline="0" dirty="0" err="1" smtClean="0"/>
+              <a:t>DevOps</a:t>
             </a:r>
             <a:r>
               <a:rPr lang="en-US" baseline="0" dirty="0" smtClean="0"/>
-              <a:t> on cloud, you can leverage cloud to improve quality of service (</a:t>
-            </a:r>
-            <a:r>
-              <a:rPr lang="en-US" baseline="0" dirty="0" err="1" smtClean="0"/>
-              <a:t>QoS</a:t>
-            </a:r>
-            <a:r>
-              <a:rPr lang="en-US" baseline="0" dirty="0" smtClean="0"/>
-              <a:t>), to reduce total cost of ownership (TCO), and elasticity to allow Azure adapts to your business growth.</a:t>
+              <a:t>’ perspective, you need a way to reliable capture and apply your requirements on resources, which can be referred as infrastructure code. </a:t>
             </a:r>
             <a:endParaRPr lang="en-US" dirty="0" smtClean="0"/>
-          </a:p>
-          <a:p>
-            <a:pPr marL="0" indent="0">
-              <a:buFont typeface="+mj-lt"/>
-              <a:buNone/>
-            </a:pPr>
-            <a:endParaRPr lang="en-US" dirty="0"/>
           </a:p>
         </p:txBody>
       </p:sp>
@@ -4445,7 +4439,7 @@
     </p:spTree>
     <p:extLst>
       <p:ext uri="{BB962C8B-B14F-4D97-AF65-F5344CB8AC3E}">
-        <p14:creationId xmlns:p14="http://schemas.microsoft.com/office/powerpoint/2010/main" val="1924550174"/>
+        <p14:creationId xmlns:p14="http://schemas.microsoft.com/office/powerpoint/2010/main" val="1716381732"/>
       </p:ext>
     </p:extLst>
   </p:cSld>
@@ -4511,6 +4505,20 @@
             </a:r>
           </a:p>
           <a:p>
+            <a:r>
+              <a:rPr lang="en-US" b="0" baseline="0" dirty="0" smtClean="0"/>
+              <a:t>This slide also sets state for the talk by explaining how </a:t>
+            </a:r>
+            <a:r>
+              <a:rPr lang="en-US" b="0" baseline="0" dirty="0" err="1" smtClean="0"/>
+              <a:t>IaaS</a:t>
+            </a:r>
+            <a:r>
+              <a:rPr lang="en-US" b="0" baseline="0" dirty="0" smtClean="0"/>
+              <a:t> components fit into the overall picture.</a:t>
+            </a:r>
+          </a:p>
+          <a:p>
             <a:endParaRPr lang="en-US" b="0" baseline="0" dirty="0" smtClean="0"/>
           </a:p>
           <a:p>
@@ -4525,22 +4533,14 @@
               <a:buAutoNum type="arabicPeriod"/>
             </a:pPr>
             <a:r>
+              <a:rPr lang="en-US" dirty="0" smtClean="0"/>
+              <a:t>[Continue</a:t>
+            </a:r>
+            <a:r>
               <a:rPr lang="en-US" baseline="0" dirty="0" smtClean="0"/>
-              <a:t>In terms of infrastructure code, you can use it to define desired states of required resources (</a:t>
-            </a:r>
-            <a:r>
-              <a:rPr lang="en-US" b="1" baseline="0" dirty="0" smtClean="0"/>
-              <a:t>Note: current Azure Resource </a:t>
-            </a:r>
-            <a:r>
-              <a:rPr lang="en-US" altLang="zh-CN" b="1" baseline="0" dirty="0" smtClean="0"/>
-              <a:t>Manager only support a small number of Resource Providers</a:t>
-            </a:r>
-            <a:r>
-              <a:rPr lang="en-US" altLang="zh-CN" baseline="0" dirty="0" smtClean="0"/>
-              <a:t>). [Click]</a:t>
-            </a:r>
-            <a:endParaRPr lang="en-US" baseline="0" dirty="0" smtClean="0"/>
+              <a:t> with previous slide]</a:t>
+            </a:r>
+            <a:endParaRPr lang="en-US" dirty="0" smtClean="0"/>
           </a:p>
           <a:p>
             <a:pPr marL="228600" indent="-228600">
@@ -4548,8 +4548,16 @@
               <a:buAutoNum type="arabicPeriod"/>
             </a:pPr>
             <a:r>
-              <a:rPr lang="en-US" baseline="0" dirty="0" smtClean="0"/>
-              <a:t>You can define hosting environments, such as websites, cloud services and VMs. [Click]</a:t>
+              <a:rPr lang="en-US" altLang="zh-CN" b="0" baseline="0" dirty="0" smtClean="0"/>
+              <a:t>T</a:t>
+            </a:r>
+            <a:r>
+              <a:rPr lang="en-US" b="0" baseline="0" dirty="0" smtClean="0"/>
+              <a:t>o make your service successful, you are partnering with Azure. You bring the code, and Azure brings resources. [Click] </a:t>
+            </a:r>
+            <a:r>
+              <a:rPr lang="en-US" dirty="0" smtClean="0"/>
+              <a:t>And you keep iterating and making improvements over time. [Click]</a:t>
             </a:r>
           </a:p>
           <a:p>
@@ -4558,12 +4566,66 @@
               <a:buAutoNum type="arabicPeriod"/>
             </a:pPr>
             <a:r>
+              <a:rPr lang="en-US" dirty="0" smtClean="0"/>
+              <a:t>Once this partnership</a:t>
+            </a:r>
+            <a:r>
               <a:rPr lang="en-US" baseline="0" dirty="0" smtClean="0"/>
-              <a:t>Required services. [Click]</a:t>
+              <a:t> is going, a lot of good things follow. For instance, you get automated deployment, versioned environments, and eventually continuous deployment. [Click]</a:t>
+            </a:r>
+          </a:p>
+          <a:p>
+            <a:pPr marL="228600" indent="-228600">
+              <a:buFont typeface="+mj-lt"/>
+              <a:buAutoNum type="arabicPeriod"/>
+            </a:pPr>
+            <a:r>
+              <a:rPr lang="en-US" dirty="0" smtClean="0"/>
+              <a:t>You’ll have shorted cycle time, faster feedback loops, and faster speed to market. [Click]</a:t>
+            </a:r>
+          </a:p>
+          <a:p>
+            <a:pPr marL="228600" indent="-228600">
+              <a:buFont typeface="+mj-lt"/>
+              <a:buAutoNum type="arabicPeriod"/>
+            </a:pPr>
+            <a:r>
+              <a:rPr lang="en-US" dirty="0" smtClean="0"/>
+              <a:t>This also</a:t>
+            </a:r>
+            <a:r>
+              <a:rPr lang="en-US" baseline="0" dirty="0" smtClean="0"/>
+              <a:t> frees up your energy to gain additional business insights, to innovate, and to continuously improve your business.</a:t>
+            </a:r>
+          </a:p>
+          <a:p>
+            <a:pPr marL="228600" indent="-228600">
+              <a:buFont typeface="+mj-lt"/>
+              <a:buAutoNum type="arabicPeriod"/>
+            </a:pPr>
+            <a:r>
+              <a:rPr lang="en-US" dirty="0" smtClean="0"/>
+              <a:t>And as your business is settled</a:t>
+            </a:r>
+            <a:r>
+              <a:rPr lang="en-US" baseline="0" dirty="0" smtClean="0"/>
+              <a:t> on cloud, you can leverage cloud to improve quality of service (</a:t>
+            </a:r>
+            <a:r>
+              <a:rPr lang="en-US" baseline="0" dirty="0" err="1" smtClean="0"/>
+              <a:t>QoS</a:t>
+            </a:r>
+            <a:r>
+              <a:rPr lang="en-US" baseline="0" dirty="0" smtClean="0"/>
+              <a:t>), to reduce total cost of ownership (TCO), and elasticity to allow Azure adapts to your business growth.</a:t>
             </a:r>
             <a:endParaRPr lang="en-US" dirty="0" smtClean="0"/>
           </a:p>
           <a:p>
+            <a:pPr marL="0" indent="0">
+              <a:buFont typeface="+mj-lt"/>
+              <a:buNone/>
+            </a:pPr>
             <a:endParaRPr lang="en-US" dirty="0"/>
           </a:p>
         </p:txBody>
@@ -4594,7 +4656,7 @@
     </p:spTree>
     <p:extLst>
       <p:ext uri="{BB962C8B-B14F-4D97-AF65-F5344CB8AC3E}">
-        <p14:creationId xmlns:p14="http://schemas.microsoft.com/office/powerpoint/2010/main" val="998579700"/>
+        <p14:creationId xmlns:p14="http://schemas.microsoft.com/office/powerpoint/2010/main" val="1924550174"/>
       </p:ext>
     </p:extLst>
   </p:cSld>
@@ -4650,73 +4712,22 @@
           <a:p>
             <a:r>
               <a:rPr lang="en-US" b="1" dirty="0" smtClean="0"/>
-              <a:t>Demo:</a:t>
-            </a:r>
-            <a:r>
-              <a:rPr lang="en-US" dirty="0" smtClean="0"/>
-              <a:t> Deploying</a:t>
-            </a:r>
-            <a:r>
-              <a:rPr lang="en-US" baseline="0" dirty="0" smtClean="0"/>
-              <a:t> a ASP.NET Website to Azure</a:t>
-            </a:r>
-            <a:endParaRPr lang="en-US" altLang="zh-CN" dirty="0" smtClean="0"/>
-          </a:p>
-          <a:p>
-            <a:endParaRPr lang="en-US" altLang="zh-CN" dirty="0" smtClean="0"/>
-          </a:p>
-          <a:p>
-            <a:r>
-              <a:rPr lang="en-US" altLang="zh-CN" b="1" dirty="0" smtClean="0"/>
-              <a:t>Prerequisites:</a:t>
-            </a:r>
-            <a:r>
-              <a:rPr lang="en-US" altLang="zh-CN" b="1" baseline="0" dirty="0" smtClean="0"/>
-              <a:t> </a:t>
-            </a:r>
-            <a:endParaRPr lang="en-US" altLang="zh-CN" baseline="0" dirty="0" smtClean="0"/>
-          </a:p>
-          <a:p>
-            <a:pPr marL="171450" indent="-171450">
-              <a:buFont typeface="Arial" panose="020B0604020202020204" pitchFamily="34" charset="0"/>
-              <a:buChar char="•"/>
-            </a:pPr>
-            <a:r>
-              <a:rPr lang="en-US" altLang="zh-CN" baseline="0" dirty="0" smtClean="0"/>
-              <a:t>An active Azure subscription.</a:t>
-            </a:r>
-          </a:p>
-          <a:p>
-            <a:pPr marL="171450" indent="-171450">
-              <a:buFont typeface="Arial" panose="020B0604020202020204" pitchFamily="34" charset="0"/>
-              <a:buChar char="•"/>
-            </a:pPr>
-            <a:r>
-              <a:rPr lang="en-US" altLang="zh-CN" baseline="0" dirty="0" smtClean="0"/>
-              <a:t>The firework application (Cache-</a:t>
-            </a:r>
-            <a:r>
-              <a:rPr lang="en-US" altLang="zh-CN" baseline="0" dirty="0" err="1" smtClean="0"/>
-              <a:t>Redis</a:t>
-            </a:r>
-            <a:r>
-              <a:rPr lang="en-US" altLang="zh-CN" baseline="0" dirty="0" smtClean="0"/>
-              <a:t>-Firework-</a:t>
-            </a:r>
-            <a:r>
-              <a:rPr lang="en-US" altLang="zh-CN" baseline="0" dirty="0" err="1" smtClean="0"/>
-              <a:t>SignalR</a:t>
-            </a:r>
-            <a:r>
-              <a:rPr lang="en-US" altLang="zh-CN" baseline="0" dirty="0" smtClean="0"/>
-              <a:t>) has been loaded in Visual Studio. Compiled and verified to work locally.</a:t>
-            </a:r>
-            <a:endParaRPr lang="en-US" altLang="zh-CN" dirty="0" smtClean="0"/>
-          </a:p>
-          <a:p>
-            <a:r>
-              <a:rPr lang="en-US" altLang="zh-CN" b="1" dirty="0" smtClean="0"/>
-              <a:t>Steps:</a:t>
+              <a:t>Slide Objectives:</a:t>
+            </a:r>
+          </a:p>
+          <a:p>
+            <a:r>
+              <a:rPr lang="en-US" b="0" baseline="0" dirty="0" smtClean="0"/>
+              <a:t>Reiterate the point that to make your service successful, you are partnering with Azure. You bring the code, and Azure brings resources.</a:t>
+            </a:r>
+          </a:p>
+          <a:p>
+            <a:endParaRPr lang="en-US" b="0" baseline="0" dirty="0" smtClean="0"/>
+          </a:p>
+          <a:p>
+            <a:r>
+              <a:rPr lang="en-US" b="1" baseline="0" dirty="0" smtClean="0"/>
+              <a:t>Speaker Notes:</a:t>
             </a:r>
           </a:p>
           <a:p>
@@ -4725,21 +4736,22 @@
               <a:buAutoNum type="arabicPeriod"/>
             </a:pPr>
             <a:r>
-              <a:rPr lang="en-US" dirty="0" smtClean="0"/>
-              <a:t>Open</a:t>
-            </a:r>
-            <a:r>
               <a:rPr lang="en-US" baseline="0" dirty="0" smtClean="0"/>
-              <a:t> Ibiza portal and click the </a:t>
+              <a:t>In terms of infrastructure code, you can use it to define desired states of required resources (</a:t>
             </a:r>
             <a:r>
               <a:rPr lang="en-US" b="1" baseline="0" dirty="0" smtClean="0"/>
-              <a:t>NEW</a:t>
-            </a:r>
-            <a:r>
-              <a:rPr lang="en-US" baseline="0" dirty="0" smtClean="0"/>
-              <a:t> button at the lower-left corner.</a:t>
-            </a:r>
+              <a:t>Note: current Azure Resource </a:t>
+            </a:r>
+            <a:r>
+              <a:rPr lang="en-US" altLang="zh-CN" b="1" baseline="0" dirty="0" smtClean="0"/>
+              <a:t>Manager only support a small number of Resource Providers</a:t>
+            </a:r>
+            <a:r>
+              <a:rPr lang="en-US" altLang="zh-CN" baseline="0" dirty="0" smtClean="0"/>
+              <a:t>). [Click]</a:t>
+            </a:r>
+            <a:endParaRPr lang="en-US" baseline="0" dirty="0" smtClean="0"/>
           </a:p>
           <a:p>
             <a:pPr marL="228600" indent="-228600">
@@ -4748,15 +4760,7 @@
             </a:pPr>
             <a:r>
               <a:rPr lang="en-US" baseline="0" dirty="0" smtClean="0"/>
-              <a:t>Select </a:t>
-            </a:r>
-            <a:r>
-              <a:rPr lang="en-US" b="1" baseline="0" dirty="0" smtClean="0"/>
-              <a:t>Website</a:t>
-            </a:r>
-            <a:r>
-              <a:rPr lang="en-US" baseline="0" dirty="0" smtClean="0"/>
-              <a:t> and provision a new website.</a:t>
+              <a:t>You can define hosting environments, such as websites, cloud services and VMs. [Click]</a:t>
             </a:r>
           </a:p>
           <a:p>
@@ -4766,72 +4770,12 @@
             </a:pPr>
             <a:r>
               <a:rPr lang="en-US" baseline="0" dirty="0" smtClean="0"/>
-              <a:t>Run the firework application locally. Explain this is a regular </a:t>
-            </a:r>
-            <a:r>
-              <a:rPr lang="en-US" baseline="0" dirty="0" err="1" smtClean="0"/>
-              <a:t>ASP.Net</a:t>
-            </a:r>
-            <a:r>
-              <a:rPr lang="en-US" baseline="0" dirty="0" smtClean="0"/>
-              <a:t> application (your application code) that you want to deploy to Azure.</a:t>
-            </a:r>
-          </a:p>
-          <a:p>
-            <a:pPr marL="228600" indent="-228600">
-              <a:buFont typeface="+mj-lt"/>
-              <a:buAutoNum type="arabicPeriod"/>
-            </a:pPr>
-            <a:r>
-              <a:rPr lang="en-US" baseline="0" dirty="0" smtClean="0"/>
-              <a:t>In </a:t>
-            </a:r>
-            <a:r>
-              <a:rPr lang="en-US" b="1" i="1" baseline="0" dirty="0" smtClean="0"/>
-              <a:t>Solution Explorer</a:t>
-            </a:r>
-            <a:r>
-              <a:rPr lang="en-US" baseline="0" dirty="0" smtClean="0"/>
-              <a:t>, right-click the web project and select </a:t>
-            </a:r>
-            <a:r>
-              <a:rPr lang="en-US" b="1" baseline="0" dirty="0" smtClean="0"/>
-              <a:t>Publish</a:t>
-            </a:r>
-            <a:r>
-              <a:rPr lang="en-US" baseline="0" dirty="0" smtClean="0"/>
-              <a:t>.</a:t>
-            </a:r>
-          </a:p>
-          <a:p>
-            <a:pPr marL="228600" indent="-228600">
-              <a:buFont typeface="+mj-lt"/>
-              <a:buAutoNum type="arabicPeriod"/>
-            </a:pPr>
-            <a:r>
-              <a:rPr lang="en-US" baseline="0" dirty="0" smtClean="0"/>
-              <a:t>Follow the publish wizard to publish the application to the website we just provisioned.</a:t>
-            </a:r>
-          </a:p>
-          <a:p>
-            <a:pPr marL="228600" indent="-228600">
-              <a:buFont typeface="+mj-lt"/>
-              <a:buAutoNum type="arabicPeriod"/>
-            </a:pPr>
-            <a:r>
-              <a:rPr lang="en-US" baseline="0" dirty="0" smtClean="0"/>
-              <a:t>Test the application. Invite audience to participate if possible.</a:t>
-            </a:r>
-          </a:p>
-          <a:p>
-            <a:pPr marL="228600" indent="-228600">
-              <a:buFont typeface="+mj-lt"/>
-              <a:buAutoNum type="arabicPeriod"/>
-            </a:pPr>
-            <a:r>
-              <a:rPr lang="en-US" baseline="0" dirty="0" smtClean="0"/>
-              <a:t>Switch back to slide to explain what just happened.</a:t>
-            </a:r>
+              <a:t>Required services. [Click]</a:t>
+            </a:r>
+            <a:endParaRPr lang="en-US" dirty="0" smtClean="0"/>
+          </a:p>
+          <a:p>
+            <a:endParaRPr lang="en-US" dirty="0"/>
           </a:p>
         </p:txBody>
       </p:sp>
@@ -4861,7 +4805,7 @@
     </p:spTree>
     <p:extLst>
       <p:ext uri="{BB962C8B-B14F-4D97-AF65-F5344CB8AC3E}">
-        <p14:creationId xmlns:p14="http://schemas.microsoft.com/office/powerpoint/2010/main" val="2909945027"/>
+        <p14:creationId xmlns:p14="http://schemas.microsoft.com/office/powerpoint/2010/main" val="998579700"/>
       </p:ext>
     </p:extLst>
   </p:cSld>
@@ -4917,22 +4861,73 @@
           <a:p>
             <a:r>
               <a:rPr lang="en-US" b="1" dirty="0" smtClean="0"/>
-              <a:t>Slide Objectives:</a:t>
-            </a:r>
-          </a:p>
-          <a:p>
-            <a:r>
-              <a:rPr lang="en-US" b="0" baseline="0" dirty="0" smtClean="0"/>
-              <a:t>Explain what happened during demo, and pave the discussion of Resource Manager.</a:t>
-            </a:r>
-          </a:p>
-          <a:p>
-            <a:endParaRPr lang="en-US" b="0" baseline="0" dirty="0" smtClean="0"/>
-          </a:p>
-          <a:p>
-            <a:r>
-              <a:rPr lang="en-US" b="1" baseline="0" dirty="0" smtClean="0"/>
-              <a:t>Speaker Notes:</a:t>
+              <a:t>Demo:</a:t>
+            </a:r>
+            <a:r>
+              <a:rPr lang="en-US" dirty="0" smtClean="0"/>
+              <a:t> Deploying</a:t>
+            </a:r>
+            <a:r>
+              <a:rPr lang="en-US" baseline="0" dirty="0" smtClean="0"/>
+              <a:t> a ASP.NET Website to Azure</a:t>
+            </a:r>
+            <a:endParaRPr lang="en-US" altLang="zh-CN" dirty="0" smtClean="0"/>
+          </a:p>
+          <a:p>
+            <a:endParaRPr lang="en-US" altLang="zh-CN" dirty="0" smtClean="0"/>
+          </a:p>
+          <a:p>
+            <a:r>
+              <a:rPr lang="en-US" altLang="zh-CN" b="1" dirty="0" smtClean="0"/>
+              <a:t>Prerequisites:</a:t>
+            </a:r>
+            <a:r>
+              <a:rPr lang="en-US" altLang="zh-CN" b="1" baseline="0" dirty="0" smtClean="0"/>
+              <a:t> </a:t>
+            </a:r>
+            <a:endParaRPr lang="en-US" altLang="zh-CN" baseline="0" dirty="0" smtClean="0"/>
+          </a:p>
+          <a:p>
+            <a:pPr marL="171450" indent="-171450">
+              <a:buFont typeface="Arial" panose="020B0604020202020204" pitchFamily="34" charset="0"/>
+              <a:buChar char="•"/>
+            </a:pPr>
+            <a:r>
+              <a:rPr lang="en-US" altLang="zh-CN" baseline="0" dirty="0" smtClean="0"/>
+              <a:t>An active Azure subscription.</a:t>
+            </a:r>
+          </a:p>
+          <a:p>
+            <a:pPr marL="171450" indent="-171450">
+              <a:buFont typeface="Arial" panose="020B0604020202020204" pitchFamily="34" charset="0"/>
+              <a:buChar char="•"/>
+            </a:pPr>
+            <a:r>
+              <a:rPr lang="en-US" altLang="zh-CN" baseline="0" dirty="0" smtClean="0"/>
+              <a:t>The firework application (Cache-</a:t>
+            </a:r>
+            <a:r>
+              <a:rPr lang="en-US" altLang="zh-CN" baseline="0" dirty="0" err="1" smtClean="0"/>
+              <a:t>Redis</a:t>
+            </a:r>
+            <a:r>
+              <a:rPr lang="en-US" altLang="zh-CN" baseline="0" dirty="0" smtClean="0"/>
+              <a:t>-Firework-</a:t>
+            </a:r>
+            <a:r>
+              <a:rPr lang="en-US" altLang="zh-CN" baseline="0" dirty="0" err="1" smtClean="0"/>
+              <a:t>SignalR</a:t>
+            </a:r>
+            <a:r>
+              <a:rPr lang="en-US" altLang="zh-CN" baseline="0" dirty="0" smtClean="0"/>
+              <a:t>) has been loaded in Visual Studio. Compiled and verified to work locally.</a:t>
+            </a:r>
+            <a:endParaRPr lang="en-US" altLang="zh-CN" dirty="0" smtClean="0"/>
+          </a:p>
+          <a:p>
+            <a:r>
+              <a:rPr lang="en-US" altLang="zh-CN" b="1" dirty="0" smtClean="0"/>
+              <a:t>Steps:</a:t>
             </a:r>
           </a:p>
           <a:p>
@@ -4941,8 +4936,20 @@
               <a:buAutoNum type="arabicPeriod"/>
             </a:pPr>
             <a:r>
+              <a:rPr lang="en-US" dirty="0" smtClean="0"/>
+              <a:t>Open</a:t>
+            </a:r>
+            <a:r>
               <a:rPr lang="en-US" baseline="0" dirty="0" smtClean="0"/>
-              <a:t>You provided code. [Click]</a:t>
+              <a:t> Ibiza portal and click the </a:t>
+            </a:r>
+            <a:r>
+              <a:rPr lang="en-US" b="1" baseline="0" dirty="0" smtClean="0"/>
+              <a:t>NEW</a:t>
+            </a:r>
+            <a:r>
+              <a:rPr lang="en-US" baseline="0" dirty="0" smtClean="0"/>
+              <a:t> button at the lower-left corner.</a:t>
             </a:r>
           </a:p>
           <a:p>
@@ -4952,7 +4959,15 @@
             </a:pPr>
             <a:r>
               <a:rPr lang="en-US" baseline="0" dirty="0" smtClean="0"/>
-              <a:t>Azure provided resource (website). [Click]</a:t>
+              <a:t>Select </a:t>
+            </a:r>
+            <a:r>
+              <a:rPr lang="en-US" b="1" baseline="0" dirty="0" smtClean="0"/>
+              <a:t>Website</a:t>
+            </a:r>
+            <a:r>
+              <a:rPr lang="en-US" baseline="0" dirty="0" smtClean="0"/>
+              <a:t> and provision a new website.</a:t>
             </a:r>
           </a:p>
           <a:p>
@@ -4962,7 +4977,15 @@
             </a:pPr>
             <a:r>
               <a:rPr lang="en-US" baseline="0" dirty="0" smtClean="0"/>
-              <a:t>Your code is deployed to the resource and you have a running site. </a:t>
+              <a:t>Run the firework application locally. Explain this is a regular </a:t>
+            </a:r>
+            <a:r>
+              <a:rPr lang="en-US" baseline="0" dirty="0" err="1" smtClean="0"/>
+              <a:t>ASP.Net</a:t>
+            </a:r>
+            <a:r>
+              <a:rPr lang="en-US" baseline="0" dirty="0" smtClean="0"/>
+              <a:t> application (your application code) that you want to deploy to Azure.</a:t>
             </a:r>
           </a:p>
           <a:p>
@@ -4970,40 +4993,56 @@
               <a:buFont typeface="+mj-lt"/>
               <a:buAutoNum type="arabicPeriod"/>
             </a:pPr>
-            <a:endParaRPr lang="en-US" baseline="0" dirty="0" smtClean="0"/>
-          </a:p>
-          <a:p>
-            <a:pPr marL="0" indent="0">
+            <a:r>
+              <a:rPr lang="en-US" baseline="0" dirty="0" smtClean="0"/>
+              <a:t>In </a:t>
+            </a:r>
+            <a:r>
+              <a:rPr lang="en-US" b="1" i="1" baseline="0" dirty="0" smtClean="0"/>
+              <a:t>Solution Explorer</a:t>
+            </a:r>
+            <a:r>
+              <a:rPr lang="en-US" baseline="0" dirty="0" smtClean="0"/>
+              <a:t>, right-click the web project and select </a:t>
+            </a:r>
+            <a:r>
+              <a:rPr lang="en-US" b="1" baseline="0" dirty="0" smtClean="0"/>
+              <a:t>Publish</a:t>
+            </a:r>
+            <a:r>
+              <a:rPr lang="en-US" baseline="0" dirty="0" smtClean="0"/>
+              <a:t>.</a:t>
+            </a:r>
+          </a:p>
+          <a:p>
+            <a:pPr marL="228600" indent="-228600">
               <a:buFont typeface="+mj-lt"/>
-              <a:buNone/>
+              <a:buAutoNum type="arabicPeriod"/>
             </a:pPr>
             <a:r>
-              <a:rPr lang="en-US" b="1" baseline="0" dirty="0" smtClean="0"/>
-              <a:t>Transition:</a:t>
-            </a:r>
-          </a:p>
-          <a:p>
-            <a:pPr marL="0" indent="0">
+              <a:rPr lang="en-US" baseline="0" dirty="0" smtClean="0"/>
+              <a:t>Follow the publish wizard to publish the application to the website we just provisioned.</a:t>
+            </a:r>
+          </a:p>
+          <a:p>
+            <a:pPr marL="228600" indent="-228600">
               <a:buFont typeface="+mj-lt"/>
-              <a:buNone/>
+              <a:buAutoNum type="arabicPeriod"/>
             </a:pPr>
             <a:r>
               <a:rPr lang="en-US" baseline="0" dirty="0" smtClean="0"/>
-              <a:t>Of course here we just went through a simple scenario. A more complex system would probably require a group of resources. Introducing Azure Resource Manager that provides an extensible architecture for managing resources on Azure.</a:t>
-            </a:r>
-          </a:p>
-          <a:p>
-            <a:pPr marL="0" indent="0">
+              <a:t>Test the application. Invite audience to participate if possible.</a:t>
+            </a:r>
+          </a:p>
+          <a:p>
+            <a:pPr marL="228600" indent="-228600">
               <a:buFont typeface="+mj-lt"/>
-              <a:buNone/>
+              <a:buAutoNum type="arabicPeriod"/>
             </a:pPr>
-            <a:endParaRPr lang="en-US" dirty="0" smtClean="0"/>
-          </a:p>
-          <a:p>
-            <a:endParaRPr lang="en-US" dirty="0" smtClean="0"/>
-          </a:p>
-          <a:p>
-            <a:endParaRPr lang="en-US" dirty="0"/>
+            <a:r>
+              <a:rPr lang="en-US" baseline="0" dirty="0" smtClean="0"/>
+              <a:t>Switch back to slide to explain what just happened.</a:t>
+            </a:r>
           </a:p>
         </p:txBody>
       </p:sp>
@@ -5022,19 +5061,18 @@
           <a:bodyPr/>
           <a:lstStyle/>
           <a:p>
-            <a:fld id="{82AABF77-E2E4-44CA-BA5C-65E132CF08D8}" type="slidenum">
+            <a:fld id="{2C52CFDC-D2D5-4B9F-BA75-89F771E01AEB}" type="slidenum">
               <a:rPr lang="en-US" smtClean="0"/>
-              <a:pPr/>
               <a:t>8</a:t>
             </a:fld>
-            <a:endParaRPr lang="en-US" dirty="0"/>
+            <a:endParaRPr lang="en-US"/>
           </a:p>
         </p:txBody>
       </p:sp>
     </p:spTree>
     <p:extLst>
       <p:ext uri="{BB962C8B-B14F-4D97-AF65-F5344CB8AC3E}">
-        <p14:creationId xmlns:p14="http://schemas.microsoft.com/office/powerpoint/2010/main" val="205937017"/>
+        <p14:creationId xmlns:p14="http://schemas.microsoft.com/office/powerpoint/2010/main" val="2909945027"/>
       </p:ext>
     </p:extLst>
   </p:cSld>
@@ -5096,7 +5134,7 @@
           <a:p>
             <a:r>
               <a:rPr lang="en-US" b="0" baseline="0" dirty="0" smtClean="0"/>
-              <a:t>Provides a high-level introduction of Azure Resource Manager</a:t>
+              <a:t>Explain what happened during demo, and pave the discussion of Resource Manager.</a:t>
             </a:r>
           </a:p>
           <a:p>
@@ -5109,42 +5147,73 @@
             </a:r>
           </a:p>
           <a:p>
-            <a:pPr marL="171450" indent="-171450">
-              <a:buFont typeface="Arial" panose="020B0604020202020204" pitchFamily="34" charset="0"/>
-              <a:buChar char="•"/>
+            <a:pPr marL="228600" indent="-228600">
+              <a:buFont typeface="+mj-lt"/>
+              <a:buAutoNum type="arabicPeriod"/>
             </a:pPr>
             <a:r>
               <a:rPr lang="en-US" baseline="0" dirty="0" smtClean="0"/>
-              <a:t>If you are new to the subject, refer to this video: http://channel9.msdn.com/Events/TechEd/NorthAmerica/2014/DEV-B224#fbid= </a:t>
-            </a:r>
+              <a:t>You provided code. [Click]</a:t>
+            </a:r>
+          </a:p>
+          <a:p>
+            <a:pPr marL="228600" indent="-228600">
+              <a:buFont typeface="+mj-lt"/>
+              <a:buAutoNum type="arabicPeriod"/>
+            </a:pPr>
+            <a:r>
+              <a:rPr lang="en-US" baseline="0" dirty="0" smtClean="0"/>
+              <a:t>Azure provided resource (website). [Click]</a:t>
+            </a:r>
+          </a:p>
+          <a:p>
+            <a:pPr marL="228600" indent="-228600">
+              <a:buFont typeface="+mj-lt"/>
+              <a:buAutoNum type="arabicPeriod"/>
+            </a:pPr>
+            <a:r>
+              <a:rPr lang="en-US" baseline="0" dirty="0" smtClean="0"/>
+              <a:t>Your code is deployed to the resource and you have a running site. </a:t>
+            </a:r>
+          </a:p>
+          <a:p>
+            <a:pPr marL="228600" indent="-228600">
+              <a:buFont typeface="+mj-lt"/>
+              <a:buAutoNum type="arabicPeriod"/>
+            </a:pPr>
+            <a:endParaRPr lang="en-US" baseline="0" dirty="0" smtClean="0"/>
+          </a:p>
+          <a:p>
+            <a:pPr marL="0" indent="0">
+              <a:buFont typeface="+mj-lt"/>
+              <a:buNone/>
+            </a:pPr>
+            <a:r>
+              <a:rPr lang="en-US" b="1" baseline="0" dirty="0" smtClean="0"/>
+              <a:t>Transition:</a:t>
+            </a:r>
+          </a:p>
+          <a:p>
+            <a:pPr marL="0" indent="0">
+              <a:buFont typeface="+mj-lt"/>
+              <a:buNone/>
+            </a:pPr>
+            <a:r>
+              <a:rPr lang="en-US" baseline="0" dirty="0" smtClean="0"/>
+              <a:t>Of course here we just went through a simple scenario. A more complex system would probably require a group of resources. Introducing Azure Resource Manager that provides an extensible architecture for managing resources on Azure.</a:t>
+            </a:r>
+          </a:p>
+          <a:p>
+            <a:pPr marL="0" indent="0">
+              <a:buFont typeface="+mj-lt"/>
+              <a:buNone/>
+            </a:pPr>
             <a:endParaRPr lang="en-US" dirty="0" smtClean="0"/>
           </a:p>
           <a:p>
             <a:endParaRPr lang="en-US" dirty="0" smtClean="0"/>
           </a:p>
           <a:p>
-            <a:r>
-              <a:rPr lang="en-US" b="1" dirty="0" smtClean="0"/>
-              <a:t>Transition:</a:t>
-            </a:r>
-          </a:p>
-          <a:p>
-            <a:r>
-              <a:rPr lang="en-US" dirty="0" smtClean="0"/>
-              <a:t>Next, we’ll study Azure</a:t>
-            </a:r>
-            <a:r>
-              <a:rPr lang="en-US" baseline="0" dirty="0" smtClean="0"/>
-              <a:t> Cloud Service, which provides a </a:t>
-            </a:r>
-            <a:r>
-              <a:rPr lang="en-US" baseline="0" dirty="0" err="1" smtClean="0"/>
-              <a:t>PaaS</a:t>
-            </a:r>
-            <a:r>
-              <a:rPr lang="en-US" baseline="0" dirty="0" smtClean="0"/>
-              <a:t> offering for your n-Tiered applications. </a:t>
-            </a:r>
             <a:endParaRPr lang="en-US" dirty="0"/>
           </a:p>
         </p:txBody>
@@ -5164,18 +5233,19 @@
           <a:bodyPr/>
           <a:lstStyle/>
           <a:p>
-            <a:fld id="{6E8C67A6-C0E7-47DF-97C2-CA9B11275397}" type="slidenum">
+            <a:fld id="{82AABF77-E2E4-44CA-BA5C-65E132CF08D8}" type="slidenum">
               <a:rPr lang="en-US" smtClean="0"/>
+              <a:pPr/>
               <a:t>9</a:t>
             </a:fld>
-            <a:endParaRPr lang="en-US"/>
+            <a:endParaRPr lang="en-US" dirty="0"/>
           </a:p>
         </p:txBody>
       </p:sp>
     </p:spTree>
     <p:extLst>
       <p:ext uri="{BB962C8B-B14F-4D97-AF65-F5344CB8AC3E}">
-        <p14:creationId xmlns:p14="http://schemas.microsoft.com/office/powerpoint/2010/main" val="4169368069"/>
+        <p14:creationId xmlns:p14="http://schemas.microsoft.com/office/powerpoint/2010/main" val="205937017"/>
       </p:ext>
     </p:extLst>
   </p:cSld>
@@ -8216,6 +8286,121 @@
       </p:grpSpPr>
       <p:sp>
         <p:nvSpPr>
+          <p:cNvPr id="3" name="Subtitle 2"/>
+          <p:cNvSpPr>
+            <a:spLocks noGrp="1"/>
+          </p:cNvSpPr>
+          <p:nvPr>
+            <p:ph idx="4294967295"/>
+          </p:nvPr>
+        </p:nvSpPr>
+        <p:spPr>
+          <a:xfrm>
+            <a:off x="300363" y="1336151"/>
+            <a:ext cx="2165766" cy="3023445"/>
+          </a:xfrm>
+          <a:prstGeom prst="rect">
+            <a:avLst/>
+          </a:prstGeom>
+        </p:spPr>
+        <p:txBody>
+          <a:bodyPr>
+            <a:noAutofit/>
+          </a:bodyPr>
+          <a:lstStyle/>
+          <a:p>
+            <a:pPr marL="0" indent="0">
+              <a:buNone/>
+            </a:pPr>
+            <a:r>
+              <a:rPr lang="en-US" sz="2400" dirty="0">
+                <a:latin typeface="Segoe UI Light" panose="020B0502040204020203" pitchFamily="34" charset="0"/>
+                <a:cs typeface="Segoe UI Light" panose="020B0502040204020203" pitchFamily="34" charset="0"/>
+              </a:rPr>
+              <a:t>Consistent Management Layer</a:t>
+            </a:r>
+            <a:endParaRPr lang="en-US" sz="1800" dirty="0">
+              <a:latin typeface="Segoe UI Light" panose="020B0502040204020203" pitchFamily="34" charset="0"/>
+              <a:cs typeface="Segoe UI Light" panose="020B0502040204020203" pitchFamily="34" charset="0"/>
+            </a:endParaRPr>
+          </a:p>
+        </p:txBody>
+      </p:sp>
+      <p:pic>
+        <p:nvPicPr>
+          <p:cNvPr id="460" name="Picture 459"/>
+          <p:cNvPicPr>
+            <a:picLocks noChangeAspect="1"/>
+          </p:cNvPicPr>
+          <p:nvPr/>
+        </p:nvPicPr>
+        <p:blipFill>
+          <a:blip r:embed="rId3"/>
+          <a:stretch>
+            <a:fillRect/>
+          </a:stretch>
+        </p:blipFill>
+        <p:spPr>
+          <a:xfrm>
+            <a:off x="2750096" y="462027"/>
+            <a:ext cx="9264279" cy="5521362"/>
+          </a:xfrm>
+          <a:prstGeom prst="rect">
+            <a:avLst/>
+          </a:prstGeom>
+        </p:spPr>
+      </p:pic>
+    </p:spTree>
+    <p:extLst>
+      <p:ext uri="{BB962C8B-B14F-4D97-AF65-F5344CB8AC3E}">
+        <p14:creationId xmlns:p14="http://schemas.microsoft.com/office/powerpoint/2010/main" val="532131327"/>
+      </p:ext>
+    </p:extLst>
+  </p:cSld>
+  <p:clrMapOvr>
+    <a:masterClrMapping/>
+  </p:clrMapOvr>
+  <mc:AlternateContent xmlns:mc="http://schemas.openxmlformats.org/markup-compatibility/2006" xmlns:p14="http://schemas.microsoft.com/office/powerpoint/2010/main">
+    <mc:Choice Requires="p14">
+      <p:transition spd="med" p14:dur="700">
+        <p:fade/>
+      </p:transition>
+    </mc:Choice>
+    <mc:Fallback xmlns="">
+      <p:transition spd="med">
+        <p:fade/>
+      </p:transition>
+    </mc:Fallback>
+  </mc:AlternateContent>
+  <p:timing>
+    <p:tnLst>
+      <p:par>
+        <p:cTn id="1" dur="indefinite" restart="never" nodeType="tmRoot"/>
+      </p:par>
+    </p:tnLst>
+  </p:timing>
+</p:sld>
+</file>
+
+<file path=ppt/slides/slide11.xml><?xml version="1.0" encoding="utf-8"?>
+<p:sld xmlns:a="http://schemas.openxmlformats.org/drawingml/2006/main" xmlns:r="http://schemas.openxmlformats.org/officeDocument/2006/relationships" xmlns:p="http://schemas.openxmlformats.org/presentationml/2006/main">
+  <p:cSld>
+    <p:spTree>
+      <p:nvGrpSpPr>
+        <p:cNvPr id="1" name=""/>
+        <p:cNvGrpSpPr/>
+        <p:nvPr/>
+      </p:nvGrpSpPr>
+      <p:grpSpPr>
+        <a:xfrm>
+          <a:off x="0" y="0"/>
+          <a:ext cx="0" cy="0"/>
+          <a:chOff x="0" y="0"/>
+          <a:chExt cx="0" cy="0"/>
+        </a:xfrm>
+      </p:grpSpPr>
+      <p:sp>
+        <p:nvSpPr>
           <p:cNvPr id="2" name="Title 1"/>
           <p:cNvSpPr>
             <a:spLocks noGrp="1"/>
@@ -8277,7 +8462,7 @@
 </p:sld>
 </file>
 
-<file path=ppt/slides/slide11.xml><?xml version="1.0" encoding="utf-8"?>
+<file path=ppt/slides/slide12.xml><?xml version="1.0" encoding="utf-8"?>
 <p:sld xmlns:a="http://schemas.openxmlformats.org/drawingml/2006/main" xmlns:r="http://schemas.openxmlformats.org/officeDocument/2006/relationships" xmlns:p="http://schemas.openxmlformats.org/presentationml/2006/main">
   <p:cSld>
     <p:spTree>
@@ -8667,7 +8852,7 @@
 </p:sld>
 </file>
 
-<file path=ppt/slides/slide12.xml><?xml version="1.0" encoding="utf-8"?>
+<file path=ppt/slides/slide13.xml><?xml version="1.0" encoding="utf-8"?>
 <p:sld xmlns:a="http://schemas.openxmlformats.org/drawingml/2006/main" xmlns:r="http://schemas.openxmlformats.org/officeDocument/2006/relationships" xmlns:p="http://schemas.openxmlformats.org/presentationml/2006/main">
   <p:cSld>
     <p:spTree>
@@ -8777,7 +8962,7 @@
           <a:graphicData uri="http://schemas.openxmlformats.org/presentationml/2006/ole">
             <mc:AlternateContent xmlns:mc="http://schemas.openxmlformats.org/markup-compatibility/2006">
               <mc:Choice xmlns:v="urn:schemas-microsoft-com:vml" Requires="v">
-                <p:oleObj spid="_x0000_s1059" name="think-cell Slide" r:id="rId7" imgW="270" imgH="270" progId="TCLayout.ActiveDocument.1">
+                <p:oleObj spid="_x0000_s1060" name="think-cell Slide" r:id="rId7" imgW="270" imgH="270" progId="TCLayout.ActiveDocument.1">
                   <p:embed/>
                 </p:oleObj>
               </mc:Choice>
@@ -9683,7 +9868,7 @@
 </p:sld>
 </file>
 
-<file path=ppt/slides/slide13.xml><?xml version="1.0" encoding="utf-8"?>
+<file path=ppt/slides/slide14.xml><?xml version="1.0" encoding="utf-8"?>
 <p:sld xmlns:a="http://schemas.openxmlformats.org/drawingml/2006/main" xmlns:r="http://schemas.openxmlformats.org/officeDocument/2006/relationships" xmlns:p="http://schemas.openxmlformats.org/presentationml/2006/main">
   <p:cSld>
     <p:spTree>
@@ -9781,7 +9966,7 @@
             <a:fld id="{0A164282-434E-41D4-9582-783D542A7B68}" type="slidenum">
               <a:rPr lang="en-US" smtClean="0"/>
               <a:pPr/>
-              <a:t>13</a:t>
+              <a:t>14</a:t>
             </a:fld>
             <a:endParaRPr lang="en-US"/>
           </a:p>
@@ -9884,7 +10069,7 @@
 </p:sld>
 </file>
 
-<file path=ppt/slides/slide14.xml><?xml version="1.0" encoding="utf-8"?>
+<file path=ppt/slides/slide15.xml><?xml version="1.0" encoding="utf-8"?>
 <p:sld xmlns:a="http://schemas.openxmlformats.org/drawingml/2006/main" xmlns:r="http://schemas.openxmlformats.org/officeDocument/2006/relationships" xmlns:p="http://schemas.openxmlformats.org/presentationml/2006/main">
   <p:cSld>
     <p:spTree>
@@ -9994,7 +10179,7 @@
           <a:graphicData uri="http://schemas.openxmlformats.org/presentationml/2006/ole">
             <mc:AlternateContent xmlns:mc="http://schemas.openxmlformats.org/markup-compatibility/2006">
               <mc:Choice xmlns:v="urn:schemas-microsoft-com:vml" Requires="v">
-                <p:oleObj spid="_x0000_s2080" name="think-cell Slide" r:id="rId6" imgW="270" imgH="270" progId="TCLayout.ActiveDocument.1">
+                <p:oleObj spid="_x0000_s2081" name="think-cell Slide" r:id="rId6" imgW="270" imgH="270" progId="TCLayout.ActiveDocument.1">
                   <p:embed/>
                 </p:oleObj>
               </mc:Choice>
@@ -11078,7 +11263,7 @@
 </p:sld>
 </file>
 
-<file path=ppt/slides/slide15.xml><?xml version="1.0" encoding="utf-8"?>
+<file path=ppt/slides/slide16.xml><?xml version="1.0" encoding="utf-8"?>
 <p:sld xmlns:a="http://schemas.openxmlformats.org/drawingml/2006/main" xmlns:r="http://schemas.openxmlformats.org/officeDocument/2006/relationships" xmlns:p="http://schemas.openxmlformats.org/presentationml/2006/main">
   <p:cSld>
     <p:spTree>
@@ -11186,7 +11371,7 @@
           <a:graphicData uri="http://schemas.openxmlformats.org/presentationml/2006/ole">
             <mc:AlternateContent xmlns:mc="http://schemas.openxmlformats.org/markup-compatibility/2006">
               <mc:Choice xmlns:v="urn:schemas-microsoft-com:vml" Requires="v">
-                <p:oleObj spid="_x0000_s3103" name="think-cell Slide" r:id="rId6" imgW="270" imgH="270" progId="TCLayout.ActiveDocument.1">
+                <p:oleObj spid="_x0000_s3104" name="think-cell Slide" r:id="rId6" imgW="270" imgH="270" progId="TCLayout.ActiveDocument.1">
                   <p:embed/>
                 </p:oleObj>
               </mc:Choice>
@@ -12632,7 +12817,7 @@
 </p:sld>
 </file>
 
-<file path=ppt/slides/slide16.xml><?xml version="1.0" encoding="utf-8"?>
+<file path=ppt/slides/slide17.xml><?xml version="1.0" encoding="utf-8"?>
 <p:sld xmlns:a="http://schemas.openxmlformats.org/drawingml/2006/main" xmlns:r="http://schemas.openxmlformats.org/officeDocument/2006/relationships" xmlns:p="http://schemas.openxmlformats.org/presentationml/2006/main">
   <p:cSld>
     <p:spTree>
@@ -12670,7 +12855,7 @@
           <a:graphicData uri="http://schemas.openxmlformats.org/presentationml/2006/ole">
             <mc:AlternateContent xmlns:mc="http://schemas.openxmlformats.org/markup-compatibility/2006">
               <mc:Choice xmlns:v="urn:schemas-microsoft-com:vml" Requires="v">
-                <p:oleObj spid="_x0000_s6170" name="think-cell Slide" r:id="rId5" imgW="270" imgH="270" progId="TCLayout.ActiveDocument.1">
+                <p:oleObj spid="_x0000_s6171" name="think-cell Slide" r:id="rId5" imgW="270" imgH="270" progId="TCLayout.ActiveDocument.1">
                   <p:embed/>
                 </p:oleObj>
               </mc:Choice>
@@ -13105,7 +13290,7 @@
 </p:sld>
 </file>
 
-<file path=ppt/slides/slide17.xml><?xml version="1.0" encoding="utf-8"?>
+<file path=ppt/slides/slide18.xml><?xml version="1.0" encoding="utf-8"?>
 <p:sld xmlns:a="http://schemas.openxmlformats.org/drawingml/2006/main" xmlns:r="http://schemas.openxmlformats.org/officeDocument/2006/relationships" xmlns:p="http://schemas.openxmlformats.org/presentationml/2006/main">
   <p:cSld>
     <p:spTree>
@@ -13300,7 +13485,7 @@
 </p:sld>
 </file>
 
-<file path=ppt/slides/slide18.xml><?xml version="1.0" encoding="utf-8"?>
+<file path=ppt/slides/slide19.xml><?xml version="1.0" encoding="utf-8"?>
 <p:sld xmlns:a="http://schemas.openxmlformats.org/drawingml/2006/main" xmlns:r="http://schemas.openxmlformats.org/officeDocument/2006/relationships" xmlns:p="http://schemas.openxmlformats.org/presentationml/2006/main">
   <p:cSld>
     <p:spTree>
@@ -13376,406 +13561,6 @@
         <p:cTn id="1" dur="indefinite" restart="never" nodeType="tmRoot"/>
       </p:par>
     </p:tnLst>
-  </p:timing>
-</p:sld>
-</file>
-
-<file path=ppt/slides/slide19.xml><?xml version="1.0" encoding="utf-8"?>
-<p:sld xmlns:a="http://schemas.openxmlformats.org/drawingml/2006/main" xmlns:r="http://schemas.openxmlformats.org/officeDocument/2006/relationships" xmlns:p="http://schemas.openxmlformats.org/presentationml/2006/main">
-  <p:cSld>
-    <p:spTree>
-      <p:nvGrpSpPr>
-        <p:cNvPr id="1" name=""/>
-        <p:cNvGrpSpPr/>
-        <p:nvPr/>
-      </p:nvGrpSpPr>
-      <p:grpSpPr>
-        <a:xfrm>
-          <a:off x="0" y="0"/>
-          <a:ext cx="0" cy="0"/>
-          <a:chOff x="0" y="0"/>
-          <a:chExt cx="0" cy="0"/>
-        </a:xfrm>
-      </p:grpSpPr>
-      <p:sp>
-        <p:nvSpPr>
-          <p:cNvPr id="5" name="Title 4"/>
-          <p:cNvSpPr>
-            <a:spLocks noGrp="1"/>
-          </p:cNvSpPr>
-          <p:nvPr>
-            <p:ph type="ctrTitle"/>
-          </p:nvPr>
-        </p:nvSpPr>
-        <p:spPr>
-          <a:xfrm>
-            <a:off x="606174" y="638949"/>
-            <a:ext cx="11034445" cy="2387600"/>
-          </a:xfrm>
-        </p:spPr>
-        <p:txBody>
-          <a:bodyPr>
-            <a:normAutofit/>
-          </a:bodyPr>
-          <a:lstStyle/>
-          <a:p>
-            <a:r>
-              <a:rPr lang="en-US" altLang="zh-CN" sz="6600" dirty="0" smtClean="0">
-                <a:solidFill>
-                  <a:schemeClr val="bg2"/>
-                </a:solidFill>
-              </a:rPr>
-              <a:t>A different mindset</a:t>
-            </a:r>
-            <a:endParaRPr lang="en-US" sz="6600" dirty="0">
-              <a:solidFill>
-                <a:schemeClr val="bg2"/>
-              </a:solidFill>
-            </a:endParaRPr>
-          </a:p>
-        </p:txBody>
-      </p:sp>
-      <p:sp>
-        <p:nvSpPr>
-          <p:cNvPr id="6" name="Subtitle 5"/>
-          <p:cNvSpPr>
-            <a:spLocks noGrp="1"/>
-          </p:cNvSpPr>
-          <p:nvPr>
-            <p:ph type="subTitle" idx="1"/>
-          </p:nvPr>
-        </p:nvSpPr>
-        <p:spPr>
-          <a:xfrm>
-            <a:off x="606173" y="3358970"/>
-            <a:ext cx="11034445" cy="3213280"/>
-          </a:xfrm>
-        </p:spPr>
-        <p:txBody>
-          <a:bodyPr>
-            <a:noAutofit/>
-          </a:bodyPr>
-          <a:lstStyle/>
-          <a:p>
-            <a:r>
-              <a:rPr lang="en-US" sz="4000" dirty="0" smtClean="0">
-                <a:solidFill>
-                  <a:srgbClr val="92D050"/>
-                </a:solidFill>
-                <a:latin typeface="+mj-lt"/>
-                <a:sym typeface="Wingdings" panose="05000000000000000000" pitchFamily="2" charset="2"/>
-              </a:rPr>
-              <a:t> </a:t>
-            </a:r>
-            <a:r>
-              <a:rPr lang="en-US" altLang="zh-CN" sz="4000" dirty="0" smtClean="0">
-                <a:solidFill>
-                  <a:schemeClr val="bg2"/>
-                </a:solidFill>
-                <a:latin typeface="+mj-lt"/>
-                <a:sym typeface="Wingdings" panose="05000000000000000000" pitchFamily="2" charset="2"/>
-              </a:rPr>
-              <a:t>Embracing errors</a:t>
-            </a:r>
-          </a:p>
-          <a:p>
-            <a:r>
-              <a:rPr lang="en-US" sz="4000" dirty="0" smtClean="0">
-                <a:solidFill>
-                  <a:srgbClr val="92D050"/>
-                </a:solidFill>
-                <a:latin typeface="+mj-lt"/>
-                <a:sym typeface="Wingdings" panose="05000000000000000000" pitchFamily="2" charset="2"/>
-              </a:rPr>
-              <a:t> </a:t>
-            </a:r>
-            <a:r>
-              <a:rPr lang="en-US" sz="4000" dirty="0">
-                <a:solidFill>
-                  <a:schemeClr val="bg1"/>
-                </a:solidFill>
-                <a:latin typeface="+mj-lt"/>
-                <a:sym typeface="Wingdings" panose="05000000000000000000" pitchFamily="2" charset="2"/>
-              </a:rPr>
-              <a:t>D</a:t>
-            </a:r>
-            <a:r>
-              <a:rPr lang="en-US" altLang="zh-CN" sz="4000" dirty="0" smtClean="0">
-                <a:solidFill>
-                  <a:schemeClr val="bg1"/>
-                </a:solidFill>
-                <a:latin typeface="+mj-lt"/>
-                <a:sym typeface="Wingdings" panose="05000000000000000000" pitchFamily="2" charset="2"/>
-              </a:rPr>
-              <a:t>esign for availability, reliability, scalability</a:t>
-            </a:r>
-            <a:endParaRPr lang="en-US" sz="4000" dirty="0" smtClean="0">
-              <a:solidFill>
-                <a:schemeClr val="bg1"/>
-              </a:solidFill>
-              <a:latin typeface="+mj-lt"/>
-            </a:endParaRPr>
-          </a:p>
-          <a:p>
-            <a:r>
-              <a:rPr lang="en-US" sz="4000" dirty="0" smtClean="0">
-                <a:solidFill>
-                  <a:srgbClr val="92D050"/>
-                </a:solidFill>
-                <a:latin typeface="+mj-lt"/>
-                <a:sym typeface="Wingdings" panose="05000000000000000000" pitchFamily="2" charset="2"/>
-              </a:rPr>
-              <a:t> </a:t>
-            </a:r>
-            <a:r>
-              <a:rPr lang="en-US" sz="4000" dirty="0" smtClean="0">
-                <a:solidFill>
-                  <a:schemeClr val="bg1"/>
-                </a:solidFill>
-                <a:latin typeface="+mj-lt"/>
-                <a:sym typeface="Wingdings" panose="05000000000000000000" pitchFamily="2" charset="2"/>
-              </a:rPr>
-              <a:t>Performance</a:t>
-            </a:r>
-            <a:endParaRPr lang="en-US" sz="4000" dirty="0" smtClean="0">
-              <a:solidFill>
-                <a:schemeClr val="bg1"/>
-              </a:solidFill>
-              <a:latin typeface="+mj-lt"/>
-            </a:endParaRPr>
-          </a:p>
-          <a:p>
-            <a:endParaRPr lang="en-US" sz="4000" dirty="0" smtClean="0">
-              <a:solidFill>
-                <a:schemeClr val="bg1"/>
-              </a:solidFill>
-              <a:latin typeface="+mj-lt"/>
-            </a:endParaRPr>
-          </a:p>
-        </p:txBody>
-      </p:sp>
-    </p:spTree>
-    <p:extLst>
-      <p:ext uri="{BB962C8B-B14F-4D97-AF65-F5344CB8AC3E}">
-        <p14:creationId xmlns:p14="http://schemas.microsoft.com/office/powerpoint/2010/main" val="2988188610"/>
-      </p:ext>
-    </p:extLst>
-  </p:cSld>
-  <p:clrMapOvr>
-    <a:masterClrMapping/>
-  </p:clrMapOvr>
-  <mc:AlternateContent xmlns:mc="http://schemas.openxmlformats.org/markup-compatibility/2006" xmlns:p14="http://schemas.microsoft.com/office/powerpoint/2010/main">
-    <mc:Choice Requires="p14">
-      <p:transition spd="med" p14:dur="700">
-        <p:fade/>
-      </p:transition>
-    </mc:Choice>
-    <mc:Fallback xmlns="">
-      <p:transition spd="med">
-        <p:fade/>
-      </p:transition>
-    </mc:Fallback>
-  </mc:AlternateContent>
-  <p:timing>
-    <p:tnLst>
-      <p:par>
-        <p:cTn id="1" dur="indefinite" restart="never" nodeType="tmRoot">
-          <p:childTnLst>
-            <p:seq concurrent="1" nextAc="seek">
-              <p:cTn id="2" dur="indefinite" nodeType="mainSeq">
-                <p:childTnLst>
-                  <p:par>
-                    <p:cTn id="3" fill="hold">
-                      <p:stCondLst>
-                        <p:cond delay="indefinite"/>
-                        <p:cond evt="onBegin" delay="0">
-                          <p:tn val="2"/>
-                        </p:cond>
-                      </p:stCondLst>
-                      <p:childTnLst>
-                        <p:par>
-                          <p:cTn id="4" fill="hold">
-                            <p:stCondLst>
-                              <p:cond delay="0"/>
-                            </p:stCondLst>
-                            <p:childTnLst>
-                              <p:par>
-                                <p:cTn id="5" presetID="10" presetClass="entr" presetSubtype="0" fill="hold" grpId="0" nodeType="afterEffect">
-                                  <p:stCondLst>
-                                    <p:cond delay="0"/>
-                                  </p:stCondLst>
-                                  <p:childTnLst>
-                                    <p:set>
-                                      <p:cBhvr>
-                                        <p:cTn id="6" dur="1" fill="hold">
-                                          <p:stCondLst>
-                                            <p:cond delay="0"/>
-                                          </p:stCondLst>
-                                        </p:cTn>
-                                        <p:tgtEl>
-                                          <p:spTgt spid="6">
-                                            <p:txEl>
-                                              <p:pRg st="0" end="0"/>
-                                            </p:txEl>
-                                          </p:spTgt>
-                                        </p:tgtEl>
-                                        <p:attrNameLst>
-                                          <p:attrName>style.visibility</p:attrName>
-                                        </p:attrNameLst>
-                                      </p:cBhvr>
-                                      <p:to>
-                                        <p:strVal val="visible"/>
-                                      </p:to>
-                                    </p:set>
-                                    <p:animEffect transition="in" filter="fade">
-                                      <p:cBhvr>
-                                        <p:cTn id="7" dur="500"/>
-                                        <p:tgtEl>
-                                          <p:spTgt spid="6">
-                                            <p:txEl>
-                                              <p:pRg st="0" end="0"/>
-                                            </p:txEl>
-                                          </p:spTgt>
-                                        </p:tgtEl>
-                                      </p:cBhvr>
-                                    </p:animEffect>
-                                  </p:childTnLst>
-                                </p:cTn>
-                              </p:par>
-                            </p:childTnLst>
-                          </p:cTn>
-                        </p:par>
-                        <p:par>
-                          <p:cTn id="8" fill="hold">
-                            <p:stCondLst>
-                              <p:cond delay="500"/>
-                            </p:stCondLst>
-                            <p:childTnLst>
-                              <p:par>
-                                <p:cTn id="9" presetID="10" presetClass="entr" presetSubtype="0" fill="hold" grpId="0" nodeType="afterEffect">
-                                  <p:stCondLst>
-                                    <p:cond delay="0"/>
-                                  </p:stCondLst>
-                                  <p:childTnLst>
-                                    <p:set>
-                                      <p:cBhvr>
-                                        <p:cTn id="10" dur="1" fill="hold">
-                                          <p:stCondLst>
-                                            <p:cond delay="0"/>
-                                          </p:stCondLst>
-                                        </p:cTn>
-                                        <p:tgtEl>
-                                          <p:spTgt spid="6">
-                                            <p:txEl>
-                                              <p:pRg st="1" end="1"/>
-                                            </p:txEl>
-                                          </p:spTgt>
-                                        </p:tgtEl>
-                                        <p:attrNameLst>
-                                          <p:attrName>style.visibility</p:attrName>
-                                        </p:attrNameLst>
-                                      </p:cBhvr>
-                                      <p:to>
-                                        <p:strVal val="visible"/>
-                                      </p:to>
-                                    </p:set>
-                                    <p:animEffect transition="in" filter="fade">
-                                      <p:cBhvr>
-                                        <p:cTn id="11" dur="500"/>
-                                        <p:tgtEl>
-                                          <p:spTgt spid="6">
-                                            <p:txEl>
-                                              <p:pRg st="1" end="1"/>
-                                            </p:txEl>
-                                          </p:spTgt>
-                                        </p:tgtEl>
-                                      </p:cBhvr>
-                                    </p:animEffect>
-                                  </p:childTnLst>
-                                </p:cTn>
-                              </p:par>
-                            </p:childTnLst>
-                          </p:cTn>
-                        </p:par>
-                        <p:par>
-                          <p:cTn id="12" fill="hold">
-                            <p:stCondLst>
-                              <p:cond delay="1000"/>
-                            </p:stCondLst>
-                            <p:childTnLst>
-                              <p:par>
-                                <p:cTn id="13" presetID="10" presetClass="entr" presetSubtype="0" fill="hold" grpId="0" nodeType="afterEffect">
-                                  <p:stCondLst>
-                                    <p:cond delay="0"/>
-                                  </p:stCondLst>
-                                  <p:childTnLst>
-                                    <p:set>
-                                      <p:cBhvr>
-                                        <p:cTn id="14" dur="1" fill="hold">
-                                          <p:stCondLst>
-                                            <p:cond delay="0"/>
-                                          </p:stCondLst>
-                                        </p:cTn>
-                                        <p:tgtEl>
-                                          <p:spTgt spid="6">
-                                            <p:txEl>
-                                              <p:pRg st="2" end="2"/>
-                                            </p:txEl>
-                                          </p:spTgt>
-                                        </p:tgtEl>
-                                        <p:attrNameLst>
-                                          <p:attrName>style.visibility</p:attrName>
-                                        </p:attrNameLst>
-                                      </p:cBhvr>
-                                      <p:to>
-                                        <p:strVal val="visible"/>
-                                      </p:to>
-                                    </p:set>
-                                    <p:animEffect transition="in" filter="fade">
-                                      <p:cBhvr>
-                                        <p:cTn id="15" dur="500"/>
-                                        <p:tgtEl>
-                                          <p:spTgt spid="6">
-                                            <p:txEl>
-                                              <p:pRg st="2" end="2"/>
-                                            </p:txEl>
-                                          </p:spTgt>
-                                        </p:tgtEl>
-                                      </p:cBhvr>
-                                    </p:animEffect>
-                                  </p:childTnLst>
-                                </p:cTn>
-                              </p:par>
-                            </p:childTnLst>
-                          </p:cTn>
-                        </p:par>
-                      </p:childTnLst>
-                    </p:cTn>
-                  </p:par>
-                </p:childTnLst>
-              </p:cTn>
-              <p:prevCondLst>
-                <p:cond evt="onPrev" delay="0">
-                  <p:tgtEl>
-                    <p:sldTgt/>
-                  </p:tgtEl>
-                </p:cond>
-              </p:prevCondLst>
-              <p:nextCondLst>
-                <p:cond evt="onNext" delay="0">
-                  <p:tgtEl>
-                    <p:sldTgt/>
-                  </p:tgtEl>
-                </p:cond>
-              </p:nextCondLst>
-            </p:seq>
-          </p:childTnLst>
-        </p:cTn>
-      </p:par>
-    </p:tnLst>
-    <p:bldLst>
-      <p:bldP spid="6" grpId="0" build="p"/>
-    </p:bldLst>
   </p:timing>
 </p:sld>
 </file>
@@ -14177,6 +13962,406 @@
 </file>
 
 <file path=ppt/slides/slide20.xml><?xml version="1.0" encoding="utf-8"?>
+<p:sld xmlns:a="http://schemas.openxmlformats.org/drawingml/2006/main" xmlns:r="http://schemas.openxmlformats.org/officeDocument/2006/relationships" xmlns:p="http://schemas.openxmlformats.org/presentationml/2006/main">
+  <p:cSld>
+    <p:spTree>
+      <p:nvGrpSpPr>
+        <p:cNvPr id="1" name=""/>
+        <p:cNvGrpSpPr/>
+        <p:nvPr/>
+      </p:nvGrpSpPr>
+      <p:grpSpPr>
+        <a:xfrm>
+          <a:off x="0" y="0"/>
+          <a:ext cx="0" cy="0"/>
+          <a:chOff x="0" y="0"/>
+          <a:chExt cx="0" cy="0"/>
+        </a:xfrm>
+      </p:grpSpPr>
+      <p:sp>
+        <p:nvSpPr>
+          <p:cNvPr id="5" name="Title 4"/>
+          <p:cNvSpPr>
+            <a:spLocks noGrp="1"/>
+          </p:cNvSpPr>
+          <p:nvPr>
+            <p:ph type="ctrTitle"/>
+          </p:nvPr>
+        </p:nvSpPr>
+        <p:spPr>
+          <a:xfrm>
+            <a:off x="606174" y="638949"/>
+            <a:ext cx="11034445" cy="2387600"/>
+          </a:xfrm>
+        </p:spPr>
+        <p:txBody>
+          <a:bodyPr>
+            <a:normAutofit/>
+          </a:bodyPr>
+          <a:lstStyle/>
+          <a:p>
+            <a:r>
+              <a:rPr lang="en-US" altLang="zh-CN" sz="6600" dirty="0" smtClean="0">
+                <a:solidFill>
+                  <a:schemeClr val="bg2"/>
+                </a:solidFill>
+              </a:rPr>
+              <a:t>A different mindset</a:t>
+            </a:r>
+            <a:endParaRPr lang="en-US" sz="6600" dirty="0">
+              <a:solidFill>
+                <a:schemeClr val="bg2"/>
+              </a:solidFill>
+            </a:endParaRPr>
+          </a:p>
+        </p:txBody>
+      </p:sp>
+      <p:sp>
+        <p:nvSpPr>
+          <p:cNvPr id="6" name="Subtitle 5"/>
+          <p:cNvSpPr>
+            <a:spLocks noGrp="1"/>
+          </p:cNvSpPr>
+          <p:nvPr>
+            <p:ph type="subTitle" idx="1"/>
+          </p:nvPr>
+        </p:nvSpPr>
+        <p:spPr>
+          <a:xfrm>
+            <a:off x="606173" y="3358970"/>
+            <a:ext cx="11034445" cy="3213280"/>
+          </a:xfrm>
+        </p:spPr>
+        <p:txBody>
+          <a:bodyPr>
+            <a:noAutofit/>
+          </a:bodyPr>
+          <a:lstStyle/>
+          <a:p>
+            <a:r>
+              <a:rPr lang="en-US" sz="4000" dirty="0" smtClean="0">
+                <a:solidFill>
+                  <a:srgbClr val="92D050"/>
+                </a:solidFill>
+                <a:latin typeface="+mj-lt"/>
+                <a:sym typeface="Wingdings" panose="05000000000000000000" pitchFamily="2" charset="2"/>
+              </a:rPr>
+              <a:t> </a:t>
+            </a:r>
+            <a:r>
+              <a:rPr lang="en-US" altLang="zh-CN" sz="4000" dirty="0" smtClean="0">
+                <a:solidFill>
+                  <a:schemeClr val="bg2"/>
+                </a:solidFill>
+                <a:latin typeface="+mj-lt"/>
+                <a:sym typeface="Wingdings" panose="05000000000000000000" pitchFamily="2" charset="2"/>
+              </a:rPr>
+              <a:t>Embracing errors</a:t>
+            </a:r>
+          </a:p>
+          <a:p>
+            <a:r>
+              <a:rPr lang="en-US" sz="4000" dirty="0" smtClean="0">
+                <a:solidFill>
+                  <a:srgbClr val="92D050"/>
+                </a:solidFill>
+                <a:latin typeface="+mj-lt"/>
+                <a:sym typeface="Wingdings" panose="05000000000000000000" pitchFamily="2" charset="2"/>
+              </a:rPr>
+              <a:t> </a:t>
+            </a:r>
+            <a:r>
+              <a:rPr lang="en-US" sz="4000" dirty="0">
+                <a:solidFill>
+                  <a:schemeClr val="bg1"/>
+                </a:solidFill>
+                <a:latin typeface="+mj-lt"/>
+                <a:sym typeface="Wingdings" panose="05000000000000000000" pitchFamily="2" charset="2"/>
+              </a:rPr>
+              <a:t>D</a:t>
+            </a:r>
+            <a:r>
+              <a:rPr lang="en-US" altLang="zh-CN" sz="4000" dirty="0" smtClean="0">
+                <a:solidFill>
+                  <a:schemeClr val="bg1"/>
+                </a:solidFill>
+                <a:latin typeface="+mj-lt"/>
+                <a:sym typeface="Wingdings" panose="05000000000000000000" pitchFamily="2" charset="2"/>
+              </a:rPr>
+              <a:t>esign for availability, reliability, scalability</a:t>
+            </a:r>
+            <a:endParaRPr lang="en-US" sz="4000" dirty="0" smtClean="0">
+              <a:solidFill>
+                <a:schemeClr val="bg1"/>
+              </a:solidFill>
+              <a:latin typeface="+mj-lt"/>
+            </a:endParaRPr>
+          </a:p>
+          <a:p>
+            <a:r>
+              <a:rPr lang="en-US" sz="4000" dirty="0" smtClean="0">
+                <a:solidFill>
+                  <a:srgbClr val="92D050"/>
+                </a:solidFill>
+                <a:latin typeface="+mj-lt"/>
+                <a:sym typeface="Wingdings" panose="05000000000000000000" pitchFamily="2" charset="2"/>
+              </a:rPr>
+              <a:t> </a:t>
+            </a:r>
+            <a:r>
+              <a:rPr lang="en-US" sz="4000" dirty="0" smtClean="0">
+                <a:solidFill>
+                  <a:schemeClr val="bg1"/>
+                </a:solidFill>
+                <a:latin typeface="+mj-lt"/>
+                <a:sym typeface="Wingdings" panose="05000000000000000000" pitchFamily="2" charset="2"/>
+              </a:rPr>
+              <a:t>Performance</a:t>
+            </a:r>
+            <a:endParaRPr lang="en-US" sz="4000" dirty="0" smtClean="0">
+              <a:solidFill>
+                <a:schemeClr val="bg1"/>
+              </a:solidFill>
+              <a:latin typeface="+mj-lt"/>
+            </a:endParaRPr>
+          </a:p>
+          <a:p>
+            <a:endParaRPr lang="en-US" sz="4000" dirty="0" smtClean="0">
+              <a:solidFill>
+                <a:schemeClr val="bg1"/>
+              </a:solidFill>
+              <a:latin typeface="+mj-lt"/>
+            </a:endParaRPr>
+          </a:p>
+        </p:txBody>
+      </p:sp>
+    </p:spTree>
+    <p:extLst>
+      <p:ext uri="{BB962C8B-B14F-4D97-AF65-F5344CB8AC3E}">
+        <p14:creationId xmlns:p14="http://schemas.microsoft.com/office/powerpoint/2010/main" val="2988188610"/>
+      </p:ext>
+    </p:extLst>
+  </p:cSld>
+  <p:clrMapOvr>
+    <a:masterClrMapping/>
+  </p:clrMapOvr>
+  <mc:AlternateContent xmlns:mc="http://schemas.openxmlformats.org/markup-compatibility/2006" xmlns:p14="http://schemas.microsoft.com/office/powerpoint/2010/main">
+    <mc:Choice Requires="p14">
+      <p:transition spd="med" p14:dur="700">
+        <p:fade/>
+      </p:transition>
+    </mc:Choice>
+    <mc:Fallback xmlns="">
+      <p:transition spd="med">
+        <p:fade/>
+      </p:transition>
+    </mc:Fallback>
+  </mc:AlternateContent>
+  <p:timing>
+    <p:tnLst>
+      <p:par>
+        <p:cTn id="1" dur="indefinite" restart="never" nodeType="tmRoot">
+          <p:childTnLst>
+            <p:seq concurrent="1" nextAc="seek">
+              <p:cTn id="2" dur="indefinite" nodeType="mainSeq">
+                <p:childTnLst>
+                  <p:par>
+                    <p:cTn id="3" fill="hold">
+                      <p:stCondLst>
+                        <p:cond delay="indefinite"/>
+                        <p:cond evt="onBegin" delay="0">
+                          <p:tn val="2"/>
+                        </p:cond>
+                      </p:stCondLst>
+                      <p:childTnLst>
+                        <p:par>
+                          <p:cTn id="4" fill="hold">
+                            <p:stCondLst>
+                              <p:cond delay="0"/>
+                            </p:stCondLst>
+                            <p:childTnLst>
+                              <p:par>
+                                <p:cTn id="5" presetID="10" presetClass="entr" presetSubtype="0" fill="hold" grpId="0" nodeType="afterEffect">
+                                  <p:stCondLst>
+                                    <p:cond delay="0"/>
+                                  </p:stCondLst>
+                                  <p:childTnLst>
+                                    <p:set>
+                                      <p:cBhvr>
+                                        <p:cTn id="6" dur="1" fill="hold">
+                                          <p:stCondLst>
+                                            <p:cond delay="0"/>
+                                          </p:stCondLst>
+                                        </p:cTn>
+                                        <p:tgtEl>
+                                          <p:spTgt spid="6">
+                                            <p:txEl>
+                                              <p:pRg st="0" end="0"/>
+                                            </p:txEl>
+                                          </p:spTgt>
+                                        </p:tgtEl>
+                                        <p:attrNameLst>
+                                          <p:attrName>style.visibility</p:attrName>
+                                        </p:attrNameLst>
+                                      </p:cBhvr>
+                                      <p:to>
+                                        <p:strVal val="visible"/>
+                                      </p:to>
+                                    </p:set>
+                                    <p:animEffect transition="in" filter="fade">
+                                      <p:cBhvr>
+                                        <p:cTn id="7" dur="500"/>
+                                        <p:tgtEl>
+                                          <p:spTgt spid="6">
+                                            <p:txEl>
+                                              <p:pRg st="0" end="0"/>
+                                            </p:txEl>
+                                          </p:spTgt>
+                                        </p:tgtEl>
+                                      </p:cBhvr>
+                                    </p:animEffect>
+                                  </p:childTnLst>
+                                </p:cTn>
+                              </p:par>
+                            </p:childTnLst>
+                          </p:cTn>
+                        </p:par>
+                        <p:par>
+                          <p:cTn id="8" fill="hold">
+                            <p:stCondLst>
+                              <p:cond delay="500"/>
+                            </p:stCondLst>
+                            <p:childTnLst>
+                              <p:par>
+                                <p:cTn id="9" presetID="10" presetClass="entr" presetSubtype="0" fill="hold" grpId="0" nodeType="afterEffect">
+                                  <p:stCondLst>
+                                    <p:cond delay="0"/>
+                                  </p:stCondLst>
+                                  <p:childTnLst>
+                                    <p:set>
+                                      <p:cBhvr>
+                                        <p:cTn id="10" dur="1" fill="hold">
+                                          <p:stCondLst>
+                                            <p:cond delay="0"/>
+                                          </p:stCondLst>
+                                        </p:cTn>
+                                        <p:tgtEl>
+                                          <p:spTgt spid="6">
+                                            <p:txEl>
+                                              <p:pRg st="1" end="1"/>
+                                            </p:txEl>
+                                          </p:spTgt>
+                                        </p:tgtEl>
+                                        <p:attrNameLst>
+                                          <p:attrName>style.visibility</p:attrName>
+                                        </p:attrNameLst>
+                                      </p:cBhvr>
+                                      <p:to>
+                                        <p:strVal val="visible"/>
+                                      </p:to>
+                                    </p:set>
+                                    <p:animEffect transition="in" filter="fade">
+                                      <p:cBhvr>
+                                        <p:cTn id="11" dur="500"/>
+                                        <p:tgtEl>
+                                          <p:spTgt spid="6">
+                                            <p:txEl>
+                                              <p:pRg st="1" end="1"/>
+                                            </p:txEl>
+                                          </p:spTgt>
+                                        </p:tgtEl>
+                                      </p:cBhvr>
+                                    </p:animEffect>
+                                  </p:childTnLst>
+                                </p:cTn>
+                              </p:par>
+                            </p:childTnLst>
+                          </p:cTn>
+                        </p:par>
+                        <p:par>
+                          <p:cTn id="12" fill="hold">
+                            <p:stCondLst>
+                              <p:cond delay="1000"/>
+                            </p:stCondLst>
+                            <p:childTnLst>
+                              <p:par>
+                                <p:cTn id="13" presetID="10" presetClass="entr" presetSubtype="0" fill="hold" grpId="0" nodeType="afterEffect">
+                                  <p:stCondLst>
+                                    <p:cond delay="0"/>
+                                  </p:stCondLst>
+                                  <p:childTnLst>
+                                    <p:set>
+                                      <p:cBhvr>
+                                        <p:cTn id="14" dur="1" fill="hold">
+                                          <p:stCondLst>
+                                            <p:cond delay="0"/>
+                                          </p:stCondLst>
+                                        </p:cTn>
+                                        <p:tgtEl>
+                                          <p:spTgt spid="6">
+                                            <p:txEl>
+                                              <p:pRg st="2" end="2"/>
+                                            </p:txEl>
+                                          </p:spTgt>
+                                        </p:tgtEl>
+                                        <p:attrNameLst>
+                                          <p:attrName>style.visibility</p:attrName>
+                                        </p:attrNameLst>
+                                      </p:cBhvr>
+                                      <p:to>
+                                        <p:strVal val="visible"/>
+                                      </p:to>
+                                    </p:set>
+                                    <p:animEffect transition="in" filter="fade">
+                                      <p:cBhvr>
+                                        <p:cTn id="15" dur="500"/>
+                                        <p:tgtEl>
+                                          <p:spTgt spid="6">
+                                            <p:txEl>
+                                              <p:pRg st="2" end="2"/>
+                                            </p:txEl>
+                                          </p:spTgt>
+                                        </p:tgtEl>
+                                      </p:cBhvr>
+                                    </p:animEffect>
+                                  </p:childTnLst>
+                                </p:cTn>
+                              </p:par>
+                            </p:childTnLst>
+                          </p:cTn>
+                        </p:par>
+                      </p:childTnLst>
+                    </p:cTn>
+                  </p:par>
+                </p:childTnLst>
+              </p:cTn>
+              <p:prevCondLst>
+                <p:cond evt="onPrev" delay="0">
+                  <p:tgtEl>
+                    <p:sldTgt/>
+                  </p:tgtEl>
+                </p:cond>
+              </p:prevCondLst>
+              <p:nextCondLst>
+                <p:cond evt="onNext" delay="0">
+                  <p:tgtEl>
+                    <p:sldTgt/>
+                  </p:tgtEl>
+                </p:cond>
+              </p:nextCondLst>
+            </p:seq>
+          </p:childTnLst>
+        </p:cTn>
+      </p:par>
+    </p:tnLst>
+    <p:bldLst>
+      <p:bldP spid="6" grpId="0" build="p"/>
+    </p:bldLst>
+  </p:timing>
+</p:sld>
+</file>
+
+<file path=ppt/slides/slide21.xml><?xml version="1.0" encoding="utf-8"?>
 <p:sld xmlns:a="http://schemas.openxmlformats.org/drawingml/2006/main" xmlns:r="http://schemas.openxmlformats.org/officeDocument/2006/relationships" xmlns:p="http://schemas.openxmlformats.org/presentationml/2006/main">
   <p:cSld>
     <p:spTree>
@@ -20350,7 +20535,7 @@
 </p:sld>
 </file>
 
-<file path=ppt/slides/slide21.xml><?xml version="1.0" encoding="utf-8"?>
+<file path=ppt/slides/slide22.xml><?xml version="1.0" encoding="utf-8"?>
 <p:sld xmlns:a="http://schemas.openxmlformats.org/drawingml/2006/main" xmlns:r="http://schemas.openxmlformats.org/officeDocument/2006/relationships" xmlns:p="http://schemas.openxmlformats.org/presentationml/2006/main">
   <p:cSld>
     <p:spTree>
@@ -20948,7 +21133,7 @@
 </p:sld>
 </file>
 
-<file path=ppt/slides/slide22.xml><?xml version="1.0" encoding="utf-8"?>
+<file path=ppt/slides/slide23.xml><?xml version="1.0" encoding="utf-8"?>
 <p:sld xmlns:a="http://schemas.openxmlformats.org/drawingml/2006/main" xmlns:r="http://schemas.openxmlformats.org/officeDocument/2006/relationships" xmlns:p="http://schemas.openxmlformats.org/presentationml/2006/main">
   <p:cSld>
     <p:spTree>
@@ -21613,7 +21798,7 @@
 </p:sld>
 </file>
 
-<file path=ppt/slides/slide23.xml><?xml version="1.0" encoding="utf-8"?>
+<file path=ppt/slides/slide24.xml><?xml version="1.0" encoding="utf-8"?>
 <p:sld xmlns:a="http://schemas.openxmlformats.org/drawingml/2006/main" xmlns:r="http://schemas.openxmlformats.org/officeDocument/2006/relationships" xmlns:p="http://schemas.openxmlformats.org/presentationml/2006/main">
   <p:cSld>
     <p:spTree>
@@ -22837,7 +23022,7 @@
 </p:sld>
 </file>
 
-<file path=ppt/slides/slide24.xml><?xml version="1.0" encoding="utf-8"?>
+<file path=ppt/slides/slide25.xml><?xml version="1.0" encoding="utf-8"?>
 <p:sld xmlns:a="http://schemas.openxmlformats.org/drawingml/2006/main" xmlns:r="http://schemas.openxmlformats.org/officeDocument/2006/relationships" xmlns:p="http://schemas.openxmlformats.org/presentationml/2006/main" show="0">
   <p:cSld>
     <p:spTree>
@@ -24849,7 +25034,7 @@
 </p:sld>
 </file>
 
-<file path=ppt/slides/slide25.xml><?xml version="1.0" encoding="utf-8"?>
+<file path=ppt/slides/slide26.xml><?xml version="1.0" encoding="utf-8"?>
 <p:sld xmlns:a="http://schemas.openxmlformats.org/drawingml/2006/main" xmlns:r="http://schemas.openxmlformats.org/officeDocument/2006/relationships" xmlns:p="http://schemas.openxmlformats.org/presentationml/2006/main" show="0">
   <p:cSld>
     <p:spTree>
@@ -27645,7 +27830,7 @@
 </p:sld>
 </file>
 
-<file path=ppt/slides/slide26.xml><?xml version="1.0" encoding="utf-8"?>
+<file path=ppt/slides/slide27.xml><?xml version="1.0" encoding="utf-8"?>
 <p:sld xmlns:a="http://schemas.openxmlformats.org/drawingml/2006/main" xmlns:r="http://schemas.openxmlformats.org/officeDocument/2006/relationships" xmlns:p="http://schemas.openxmlformats.org/presentationml/2006/main">
   <p:cSld>
     <p:spTree>
@@ -28191,7 +28376,7 @@
 </p:sld>
 </file>
 
-<file path=ppt/slides/slide27.xml><?xml version="1.0" encoding="utf-8"?>
+<file path=ppt/slides/slide28.xml><?xml version="1.0" encoding="utf-8"?>
 <p:sld xmlns:a="http://schemas.openxmlformats.org/drawingml/2006/main" xmlns:r="http://schemas.openxmlformats.org/officeDocument/2006/relationships" xmlns:p="http://schemas.openxmlformats.org/presentationml/2006/main">
   <p:cSld>
     <p:spTree>
@@ -28964,7 +29149,7 @@
 </p:sld>
 </file>
 
-<file path=ppt/slides/slide28.xml><?xml version="1.0" encoding="utf-8"?>
+<file path=ppt/slides/slide29.xml><?xml version="1.0" encoding="utf-8"?>
 <p:sld xmlns:a="http://schemas.openxmlformats.org/drawingml/2006/main" xmlns:r="http://schemas.openxmlformats.org/officeDocument/2006/relationships" xmlns:p="http://schemas.openxmlformats.org/presentationml/2006/main">
   <p:cSld>
     <p:spTree>
@@ -29032,6 +29217,368 @@
       </p:grpSpPr>
       <p:sp>
         <p:nvSpPr>
+          <p:cNvPr id="4" name="Title 2"/>
+          <p:cNvSpPr txBox="1">
+            <a:spLocks/>
+          </p:cNvSpPr>
+          <p:nvPr/>
+        </p:nvSpPr>
+        <p:spPr>
+          <a:xfrm>
+            <a:off x="0" y="1"/>
+            <a:ext cx="12192000" cy="533400"/>
+          </a:xfrm>
+          <a:prstGeom prst="rect">
+            <a:avLst/>
+          </a:prstGeom>
+        </p:spPr>
+        <p:txBody>
+          <a:bodyPr anchor="ctr">
+            <a:normAutofit/>
+          </a:bodyPr>
+          <a:lstStyle>
+            <a:lvl1pPr algn="l" defTabSz="914400" rtl="0" eaLnBrk="1" latinLnBrk="0" hangingPunct="1">
+              <a:lnSpc>
+                <a:spcPct val="90000"/>
+              </a:lnSpc>
+              <a:spcBef>
+                <a:spcPct val="0"/>
+              </a:spcBef>
+              <a:buNone/>
+              <a:defRPr sz="5400" kern="1200">
+                <a:solidFill>
+                  <a:schemeClr val="bg1"/>
+                </a:solidFill>
+                <a:latin typeface="+mj-lt"/>
+                <a:ea typeface="+mj-ea"/>
+                <a:cs typeface="+mj-cs"/>
+              </a:defRPr>
+            </a:lvl1pPr>
+          </a:lstStyle>
+          <a:p>
+            <a:pPr marL="252000" algn="ctr"/>
+            <a:r>
+              <a:rPr lang="en-US" sz="2800" dirty="0" smtClean="0">
+                <a:solidFill>
+                  <a:prstClr val="white"/>
+                </a:solidFill>
+              </a:rPr>
+              <a:t>The three ways to host your applications </a:t>
+            </a:r>
+            <a:r>
+              <a:rPr lang="en-US" sz="2800" dirty="0" smtClean="0">
+                <a:solidFill>
+                  <a:prstClr val="white"/>
+                </a:solidFill>
+              </a:rPr>
+              <a:t>on the Microsoft Azure Platform</a:t>
+            </a:r>
+            <a:endParaRPr lang="en-US" sz="2800" dirty="0">
+              <a:solidFill>
+                <a:prstClr val="white"/>
+              </a:solidFill>
+            </a:endParaRPr>
+          </a:p>
+        </p:txBody>
+      </p:sp>
+      <p:grpSp>
+        <p:nvGrpSpPr>
+          <p:cNvPr id="12" name="Group 11"/>
+          <p:cNvGrpSpPr/>
+          <p:nvPr/>
+        </p:nvGrpSpPr>
+        <p:grpSpPr>
+          <a:xfrm>
+            <a:off x="851078" y="1928081"/>
+            <a:ext cx="10489845" cy="3777845"/>
+            <a:chOff x="242716" y="1928081"/>
+            <a:chExt cx="10489845" cy="3777845"/>
+          </a:xfrm>
+        </p:grpSpPr>
+        <p:sp>
+          <p:nvSpPr>
+            <p:cNvPr id="3" name="Left Brace 2"/>
+            <p:cNvSpPr/>
+            <p:nvPr/>
+          </p:nvSpPr>
+          <p:spPr>
+            <a:xfrm rot="16200000">
+              <a:off x="7626622" y="1225587"/>
+              <a:ext cx="614007" cy="5597870"/>
+            </a:xfrm>
+            <a:prstGeom prst="leftBrace">
+              <a:avLst/>
+            </a:prstGeom>
+            <a:ln w="38100">
+              <a:solidFill>
+                <a:schemeClr val="bg1"/>
+              </a:solidFill>
+            </a:ln>
+          </p:spPr>
+          <p:style>
+            <a:lnRef idx="1">
+              <a:schemeClr val="accent1"/>
+            </a:lnRef>
+            <a:fillRef idx="0">
+              <a:schemeClr val="accent1"/>
+            </a:fillRef>
+            <a:effectRef idx="0">
+              <a:schemeClr val="accent1"/>
+            </a:effectRef>
+            <a:fontRef idx="minor">
+              <a:schemeClr val="tx1"/>
+            </a:fontRef>
+          </p:style>
+          <p:txBody>
+            <a:bodyPr rtlCol="0" anchor="ctr"/>
+            <a:lstStyle/>
+            <a:p>
+              <a:pPr algn="ctr"/>
+              <a:endParaRPr lang="en-US"/>
+            </a:p>
+          </p:txBody>
+        </p:sp>
+        <p:sp>
+          <p:nvSpPr>
+            <p:cNvPr id="6" name="TextBox 5"/>
+            <p:cNvSpPr txBox="1"/>
+            <p:nvPr/>
+          </p:nvSpPr>
+          <p:spPr>
+            <a:xfrm>
+              <a:off x="242716" y="4628708"/>
+              <a:ext cx="4555066" cy="1077218"/>
+            </a:xfrm>
+            <a:prstGeom prst="rect">
+              <a:avLst/>
+            </a:prstGeom>
+            <a:noFill/>
+          </p:spPr>
+          <p:txBody>
+            <a:bodyPr wrap="square" rtlCol="0">
+              <a:spAutoFit/>
+            </a:bodyPr>
+            <a:lstStyle/>
+            <a:p>
+              <a:pPr algn="ctr"/>
+              <a:r>
+                <a:rPr lang="en-US" sz="3200" dirty="0" smtClean="0">
+                  <a:solidFill>
+                    <a:schemeClr val="bg1"/>
+                  </a:solidFill>
+                  <a:latin typeface="+mj-lt"/>
+                </a:rPr>
+                <a:t>Infrastructure as a Service</a:t>
+              </a:r>
+            </a:p>
+            <a:p>
+              <a:pPr algn="ctr"/>
+              <a:r>
+                <a:rPr lang="en-US" sz="3200" dirty="0" smtClean="0">
+                  <a:solidFill>
+                    <a:schemeClr val="bg1"/>
+                  </a:solidFill>
+                  <a:latin typeface="+mj-lt"/>
+                </a:rPr>
+                <a:t>IaaS</a:t>
+              </a:r>
+              <a:endParaRPr lang="en-US" sz="3200" dirty="0">
+                <a:solidFill>
+                  <a:schemeClr val="bg1"/>
+                </a:solidFill>
+                <a:latin typeface="+mj-lt"/>
+              </a:endParaRPr>
+            </a:p>
+          </p:txBody>
+        </p:sp>
+        <p:grpSp>
+          <p:nvGrpSpPr>
+            <p:cNvPr id="11" name="Group 10"/>
+            <p:cNvGrpSpPr/>
+            <p:nvPr/>
+          </p:nvGrpSpPr>
+          <p:grpSpPr>
+            <a:xfrm>
+              <a:off x="1459442" y="1928081"/>
+              <a:ext cx="9273117" cy="1747377"/>
+              <a:chOff x="1566334" y="1928081"/>
+              <a:chExt cx="9273117" cy="1747377"/>
+            </a:xfrm>
+          </p:grpSpPr>
+          <p:pic>
+            <p:nvPicPr>
+              <p:cNvPr id="7" name="Picture 6"/>
+              <p:cNvPicPr>
+                <a:picLocks noChangeAspect="1"/>
+              </p:cNvPicPr>
+              <p:nvPr/>
+            </p:nvPicPr>
+            <p:blipFill>
+              <a:blip r:embed="rId3"/>
+              <a:stretch>
+                <a:fillRect/>
+              </a:stretch>
+            </p:blipFill>
+            <p:spPr>
+              <a:xfrm>
+                <a:off x="1566334" y="1947333"/>
+                <a:ext cx="2121614" cy="1718500"/>
+              </a:xfrm>
+              <a:prstGeom prst="rect">
+                <a:avLst/>
+              </a:prstGeom>
+            </p:spPr>
+          </p:pic>
+          <p:pic>
+            <p:nvPicPr>
+              <p:cNvPr id="8" name="Picture 7"/>
+              <p:cNvPicPr>
+                <a:picLocks noChangeAspect="1"/>
+              </p:cNvPicPr>
+              <p:nvPr/>
+            </p:nvPicPr>
+            <p:blipFill>
+              <a:blip r:embed="rId4"/>
+              <a:stretch>
+                <a:fillRect/>
+              </a:stretch>
+            </p:blipFill>
+            <p:spPr>
+              <a:xfrm>
+                <a:off x="5241582" y="1937707"/>
+                <a:ext cx="2041384" cy="1737751"/>
+              </a:xfrm>
+              <a:prstGeom prst="rect">
+                <a:avLst/>
+              </a:prstGeom>
+            </p:spPr>
+          </p:pic>
+          <p:pic>
+            <p:nvPicPr>
+              <p:cNvPr id="9" name="Picture 8"/>
+              <p:cNvPicPr>
+                <a:picLocks noChangeAspect="1"/>
+              </p:cNvPicPr>
+              <p:nvPr/>
+            </p:nvPicPr>
+            <p:blipFill>
+              <a:blip r:embed="rId5"/>
+              <a:stretch>
+                <a:fillRect/>
+              </a:stretch>
+            </p:blipFill>
+            <p:spPr>
+              <a:xfrm>
+                <a:off x="9098275" y="1928081"/>
+                <a:ext cx="1741176" cy="1737751"/>
+              </a:xfrm>
+              <a:prstGeom prst="rect">
+                <a:avLst/>
+              </a:prstGeom>
+            </p:spPr>
+          </p:pic>
+        </p:grpSp>
+        <p:sp>
+          <p:nvSpPr>
+            <p:cNvPr id="10" name="TextBox 9"/>
+            <p:cNvSpPr txBox="1"/>
+            <p:nvPr/>
+          </p:nvSpPr>
+          <p:spPr>
+            <a:xfrm>
+              <a:off x="5892801" y="4628708"/>
+              <a:ext cx="4081648" cy="1077218"/>
+            </a:xfrm>
+            <a:prstGeom prst="rect">
+              <a:avLst/>
+            </a:prstGeom>
+            <a:noFill/>
+          </p:spPr>
+          <p:txBody>
+            <a:bodyPr wrap="square" rtlCol="0">
+              <a:spAutoFit/>
+            </a:bodyPr>
+            <a:lstStyle/>
+            <a:p>
+              <a:pPr algn="ctr"/>
+              <a:r>
+                <a:rPr lang="en-US" sz="3200" dirty="0" smtClean="0">
+                  <a:solidFill>
+                    <a:schemeClr val="bg1"/>
+                  </a:solidFill>
+                  <a:latin typeface="+mj-lt"/>
+                </a:rPr>
+                <a:t>Platform as a Service</a:t>
+              </a:r>
+            </a:p>
+            <a:p>
+              <a:pPr algn="ctr"/>
+              <a:r>
+                <a:rPr lang="en-US" sz="3200" dirty="0" smtClean="0">
+                  <a:solidFill>
+                    <a:schemeClr val="bg1"/>
+                  </a:solidFill>
+                  <a:latin typeface="+mj-lt"/>
+                </a:rPr>
+                <a:t>PaaS</a:t>
+              </a:r>
+              <a:endParaRPr lang="en-US" sz="3200" dirty="0">
+                <a:solidFill>
+                  <a:schemeClr val="bg1"/>
+                </a:solidFill>
+                <a:latin typeface="+mj-lt"/>
+              </a:endParaRPr>
+            </a:p>
+          </p:txBody>
+        </p:sp>
+      </p:grpSp>
+    </p:spTree>
+    <p:extLst>
+      <p:ext uri="{BB962C8B-B14F-4D97-AF65-F5344CB8AC3E}">
+        <p14:creationId xmlns:p14="http://schemas.microsoft.com/office/powerpoint/2010/main" val="2277105553"/>
+      </p:ext>
+    </p:extLst>
+  </p:cSld>
+  <p:clrMapOvr>
+    <a:masterClrMapping/>
+  </p:clrMapOvr>
+  <mc:AlternateContent xmlns:mc="http://schemas.openxmlformats.org/markup-compatibility/2006">
+    <mc:Choice xmlns:p14="http://schemas.microsoft.com/office/powerpoint/2010/main" Requires="p14">
+      <p:transition spd="slow" p14:dur="2000"/>
+    </mc:Choice>
+    <mc:Fallback>
+      <p:transition spd="slow"/>
+    </mc:Fallback>
+  </mc:AlternateContent>
+  <p:timing>
+    <p:tnLst>
+      <p:par>
+        <p:cTn id="1" dur="indefinite" restart="never" nodeType="tmRoot"/>
+      </p:par>
+    </p:tnLst>
+  </p:timing>
+</p:sld>
+</file>
+
+<file path=ppt/slides/slide4.xml><?xml version="1.0" encoding="utf-8"?>
+<p:sld xmlns:a="http://schemas.openxmlformats.org/drawingml/2006/main" xmlns:r="http://schemas.openxmlformats.org/officeDocument/2006/relationships" xmlns:p="http://schemas.openxmlformats.org/presentationml/2006/main">
+  <p:cSld>
+    <p:spTree>
+      <p:nvGrpSpPr>
+        <p:cNvPr id="1" name=""/>
+        <p:cNvGrpSpPr/>
+        <p:nvPr/>
+      </p:nvGrpSpPr>
+      <p:grpSpPr>
+        <a:xfrm>
+          <a:off x="0" y="0"/>
+          <a:ext cx="0" cy="0"/>
+          <a:chOff x="0" y="0"/>
+          <a:chExt cx="0" cy="0"/>
+        </a:xfrm>
+      </p:grpSpPr>
+      <p:sp>
+        <p:nvSpPr>
           <p:cNvPr id="2" name="Title 1"/>
           <p:cNvSpPr>
             <a:spLocks noGrp="1"/>
@@ -29097,7 +29644,7 @@
 </p:sld>
 </file>
 
-<file path=ppt/slides/slide4.xml><?xml version="1.0" encoding="utf-8"?>
+<file path=ppt/slides/slide5.xml><?xml version="1.0" encoding="utf-8"?>
 <p:sld xmlns:a="http://schemas.openxmlformats.org/drawingml/2006/main" xmlns:r="http://schemas.openxmlformats.org/officeDocument/2006/relationships" xmlns:p="http://schemas.openxmlformats.org/presentationml/2006/main">
   <p:cSld>
     <p:spTree>
@@ -30738,7 +31285,7 @@
 </p:sld>
 </file>
 
-<file path=ppt/slides/slide5.xml><?xml version="1.0" encoding="utf-8"?>
+<file path=ppt/slides/slide6.xml><?xml version="1.0" encoding="utf-8"?>
 <p:sld xmlns:a="http://schemas.openxmlformats.org/drawingml/2006/main" xmlns:r="http://schemas.openxmlformats.org/officeDocument/2006/relationships" xmlns:p="http://schemas.openxmlformats.org/presentationml/2006/main">
   <p:cSld>
     <p:spTree>
@@ -33346,7 +33893,7 @@
 </p:sld>
 </file>
 
-<file path=ppt/slides/slide6.xml><?xml version="1.0" encoding="utf-8"?>
+<file path=ppt/slides/slide7.xml><?xml version="1.0" encoding="utf-8"?>
 <p:sld xmlns:a="http://schemas.openxmlformats.org/drawingml/2006/main" xmlns:r="http://schemas.openxmlformats.org/officeDocument/2006/relationships" xmlns:p="http://schemas.openxmlformats.org/presentationml/2006/main">
   <p:cSld>
     <p:spTree>
@@ -35701,7 +36248,7 @@
 </p:sld>
 </file>
 
-<file path=ppt/slides/slide7.xml><?xml version="1.0" encoding="utf-8"?>
+<file path=ppt/slides/slide8.xml><?xml version="1.0" encoding="utf-8"?>
 <p:sld xmlns:a="http://schemas.openxmlformats.org/drawingml/2006/main" xmlns:r="http://schemas.openxmlformats.org/officeDocument/2006/relationships" xmlns:p="http://schemas.openxmlformats.org/presentationml/2006/main">
   <p:cSld>
     <p:spTree>
@@ -35892,7 +36439,7 @@
 </p:sld>
 </file>
 
-<file path=ppt/slides/slide8.xml><?xml version="1.0" encoding="utf-8"?>
+<file path=ppt/slides/slide9.xml><?xml version="1.0" encoding="utf-8"?>
 <p:sld xmlns:a="http://schemas.openxmlformats.org/drawingml/2006/main" xmlns:r="http://schemas.openxmlformats.org/officeDocument/2006/relationships" xmlns:p="http://schemas.openxmlformats.org/presentationml/2006/main">
   <p:cSld>
     <p:spTree>
@@ -35930,7 +36477,7 @@
           <a:graphicData uri="http://schemas.openxmlformats.org/presentationml/2006/ole">
             <mc:AlternateContent xmlns:mc="http://schemas.openxmlformats.org/markup-compatibility/2006">
               <mc:Choice xmlns:v="urn:schemas-microsoft-com:vml" Requires="v">
-                <p:oleObj spid="_x0000_s7177" name="think-cell Slide" r:id="rId5" imgW="270" imgH="270" progId="TCLayout.ActiveDocument.1">
+                <p:oleObj spid="_x0000_s7178" name="think-cell Slide" r:id="rId5" imgW="270" imgH="270" progId="TCLayout.ActiveDocument.1">
                   <p:embed/>
                 </p:oleObj>
               </mc:Choice>
@@ -36426,121 +36973,6 @@
     <p:bldLst>
       <p:bldP spid="2" grpId="0" animBg="1"/>
     </p:bldLst>
-  </p:timing>
-</p:sld>
-</file>
-
-<file path=ppt/slides/slide9.xml><?xml version="1.0" encoding="utf-8"?>
-<p:sld xmlns:a="http://schemas.openxmlformats.org/drawingml/2006/main" xmlns:r="http://schemas.openxmlformats.org/officeDocument/2006/relationships" xmlns:p="http://schemas.openxmlformats.org/presentationml/2006/main">
-  <p:cSld>
-    <p:spTree>
-      <p:nvGrpSpPr>
-        <p:cNvPr id="1" name=""/>
-        <p:cNvGrpSpPr/>
-        <p:nvPr/>
-      </p:nvGrpSpPr>
-      <p:grpSpPr>
-        <a:xfrm>
-          <a:off x="0" y="0"/>
-          <a:ext cx="0" cy="0"/>
-          <a:chOff x="0" y="0"/>
-          <a:chExt cx="0" cy="0"/>
-        </a:xfrm>
-      </p:grpSpPr>
-      <p:sp>
-        <p:nvSpPr>
-          <p:cNvPr id="3" name="Subtitle 2"/>
-          <p:cNvSpPr>
-            <a:spLocks noGrp="1"/>
-          </p:cNvSpPr>
-          <p:nvPr>
-            <p:ph idx="4294967295"/>
-          </p:nvPr>
-        </p:nvSpPr>
-        <p:spPr>
-          <a:xfrm>
-            <a:off x="300363" y="1336151"/>
-            <a:ext cx="2165766" cy="3023445"/>
-          </a:xfrm>
-          <a:prstGeom prst="rect">
-            <a:avLst/>
-          </a:prstGeom>
-        </p:spPr>
-        <p:txBody>
-          <a:bodyPr>
-            <a:noAutofit/>
-          </a:bodyPr>
-          <a:lstStyle/>
-          <a:p>
-            <a:pPr marL="0" indent="0">
-              <a:buNone/>
-            </a:pPr>
-            <a:r>
-              <a:rPr lang="en-US" sz="2400" dirty="0">
-                <a:latin typeface="Segoe UI Light" panose="020B0502040204020203" pitchFamily="34" charset="0"/>
-                <a:cs typeface="Segoe UI Light" panose="020B0502040204020203" pitchFamily="34" charset="0"/>
-              </a:rPr>
-              <a:t>Consistent Management Layer</a:t>
-            </a:r>
-            <a:endParaRPr lang="en-US" sz="1800" dirty="0">
-              <a:latin typeface="Segoe UI Light" panose="020B0502040204020203" pitchFamily="34" charset="0"/>
-              <a:cs typeface="Segoe UI Light" panose="020B0502040204020203" pitchFamily="34" charset="0"/>
-            </a:endParaRPr>
-          </a:p>
-        </p:txBody>
-      </p:sp>
-      <p:pic>
-        <p:nvPicPr>
-          <p:cNvPr id="460" name="Picture 459"/>
-          <p:cNvPicPr>
-            <a:picLocks noChangeAspect="1"/>
-          </p:cNvPicPr>
-          <p:nvPr/>
-        </p:nvPicPr>
-        <p:blipFill>
-          <a:blip r:embed="rId3"/>
-          <a:stretch>
-            <a:fillRect/>
-          </a:stretch>
-        </p:blipFill>
-        <p:spPr>
-          <a:xfrm>
-            <a:off x="2750096" y="462027"/>
-            <a:ext cx="9264279" cy="5521362"/>
-          </a:xfrm>
-          <a:prstGeom prst="rect">
-            <a:avLst/>
-          </a:prstGeom>
-        </p:spPr>
-      </p:pic>
-    </p:spTree>
-    <p:extLst>
-      <p:ext uri="{BB962C8B-B14F-4D97-AF65-F5344CB8AC3E}">
-        <p14:creationId xmlns:p14="http://schemas.microsoft.com/office/powerpoint/2010/main" val="532131327"/>
-      </p:ext>
-    </p:extLst>
-  </p:cSld>
-  <p:clrMapOvr>
-    <a:masterClrMapping/>
-  </p:clrMapOvr>
-  <mc:AlternateContent xmlns:mc="http://schemas.openxmlformats.org/markup-compatibility/2006" xmlns:p14="http://schemas.microsoft.com/office/powerpoint/2010/main">
-    <mc:Choice Requires="p14">
-      <p:transition spd="med" p14:dur="700">
-        <p:fade/>
-      </p:transition>
-    </mc:Choice>
-    <mc:Fallback xmlns="">
-      <p:transition spd="med">
-        <p:fade/>
-      </p:transition>
-    </mc:Fallback>
-  </mc:AlternateContent>
-  <p:timing>
-    <p:tnLst>
-      <p:par>
-        <p:cTn id="1" dur="indefinite" restart="never" nodeType="tmRoot"/>
-      </p:par>
-    </p:tnLst>
   </p:timing>
 </p:sld>
 </file>
@@ -37076,15 +37508,6 @@
 </file>
 
 <file path=customXml/item2.xml><?xml version="1.0" encoding="utf-8"?>
-<?mso-contentType ?>
-<FormTemplates xmlns="http://schemas.microsoft.com/sharepoint/v3/contenttype/forms">
-  <Display>DocumentLibraryForm</Display>
-  <Edit>DocumentLibraryForm</Edit>
-  <New>DocumentLibraryForm</New>
-</FormTemplates>
-</file>
-
-<file path=customXml/item3.xml><?xml version="1.0" encoding="utf-8"?>
 <ct:contentTypeSchema xmlns:ct="http://schemas.microsoft.com/office/2006/metadata/contentType" xmlns:ma="http://schemas.microsoft.com/office/2006/metadata/properties/metaAttributes" ct:_="" ma:_="" ma:contentTypeName="Document" ma:contentTypeID="0x0101004A821E223A3BC347949CC2419033DBE2" ma:contentTypeVersion="1" ma:contentTypeDescription="Create a new document." ma:contentTypeScope="" ma:versionID="519c6bc90736a6e8abbbdb38ed934ac6">
   <xsd:schema xmlns:xsd="http://www.w3.org/2001/XMLSchema" xmlns:xs="http://www.w3.org/2001/XMLSchema" xmlns:p="http://schemas.microsoft.com/office/2006/metadata/properties" xmlns:ns2="fee586e5-3c92-48eb-9898-42915e590ada" targetNamespace="http://schemas.microsoft.com/office/2006/metadata/properties" ma:root="true" ma:fieldsID="4da06bcf8031bc55fa8390c6716287b0" ns2:_="">
     <xsd:import namespace="fee586e5-3c92-48eb-9898-42915e590ada"/>
@@ -37224,6 +37647,15 @@
 </ct:contentTypeSchema>
 </file>
 
+<file path=customXml/item3.xml><?xml version="1.0" encoding="utf-8"?>
+<?mso-contentType ?>
+<FormTemplates xmlns="http://schemas.microsoft.com/sharepoint/v3/contenttype/forms">
+  <Display>DocumentLibraryForm</Display>
+  <Edit>DocumentLibraryForm</Edit>
+  <New>DocumentLibraryForm</New>
+</FormTemplates>
+</file>
+
 <file path=customXml/itemProps1.xml><?xml version="1.0" encoding="utf-8"?>
 <ds:datastoreItem xmlns:ds="http://schemas.openxmlformats.org/officeDocument/2006/customXml" ds:itemID="{B030EFEA-9AEA-457C-BAA8-93C4281792F5}">
   <ds:schemaRefs>
@@ -37241,14 +37673,6 @@
 </file>
 
 <file path=customXml/itemProps2.xml><?xml version="1.0" encoding="utf-8"?>
-<ds:datastoreItem xmlns:ds="http://schemas.openxmlformats.org/officeDocument/2006/customXml" ds:itemID="{14B32142-DE2C-423C-A302-95CAC214862A}">
-  <ds:schemaRefs>
-    <ds:schemaRef ds:uri="http://schemas.microsoft.com/sharepoint/v3/contenttype/forms"/>
-  </ds:schemaRefs>
-</ds:datastoreItem>
-</file>
-
-<file path=customXml/itemProps3.xml><?xml version="1.0" encoding="utf-8"?>
 <ds:datastoreItem xmlns:ds="http://schemas.openxmlformats.org/officeDocument/2006/customXml" ds:itemID="{3469201C-D4CA-4918-A4FF-8ED15147EC4D}">
   <ds:schemaRefs>
     <ds:schemaRef ds:uri="http://schemas.microsoft.com/office/2006/metadata/contentType"/>
@@ -37264,4 +37688,12 @@
     <ds:schemaRef ds:uri="http://schemas.microsoft.com/internal/obd"/>
   </ds:schemaRefs>
 </ds:datastoreItem>
+</file>
+
+<file path=customXml/itemProps3.xml><?xml version="1.0" encoding="utf-8"?>
+<ds:datastoreItem xmlns:ds="http://schemas.openxmlformats.org/officeDocument/2006/customXml" ds:itemID="{14B32142-DE2C-423C-A302-95CAC214862A}">
+  <ds:schemaRefs>
+    <ds:schemaRef ds:uri="http://schemas.microsoft.com/sharepoint/v3/contenttype/forms"/>
+  </ds:schemaRefs>
+</ds:datastoreItem>
 </file>
--- a/PaaS/Building Cloud Solutions.pptx
+++ b/PaaS/Building Cloud Solutions.pptx
@@ -5,7 +5,7 @@
     <p:sldMasterId id="2147483660" r:id="rId4"/>
   </p:sldMasterIdLst>
   <p:notesMasterIdLst>
-    <p:notesMasterId r:id="rId34"/>
+    <p:notesMasterId r:id="rId35"/>
   </p:notesMasterIdLst>
   <p:sldIdLst>
     <p:sldId id="256" r:id="rId5"/>
@@ -25,18 +25,19 @@
     <p:sldId id="530" r:id="rId19"/>
     <p:sldId id="531" r:id="rId20"/>
     <p:sldId id="545" r:id="rId21"/>
-    <p:sldId id="544" r:id="rId22"/>
-    <p:sldId id="553" r:id="rId23"/>
-    <p:sldId id="554" r:id="rId24"/>
-    <p:sldId id="556" r:id="rId25"/>
-    <p:sldId id="559" r:id="rId26"/>
-    <p:sldId id="560" r:id="rId27"/>
-    <p:sldId id="561" r:id="rId28"/>
-    <p:sldId id="563" r:id="rId29"/>
-    <p:sldId id="564" r:id="rId30"/>
-    <p:sldId id="562" r:id="rId31"/>
-    <p:sldId id="495" r:id="rId32"/>
-    <p:sldId id="454" r:id="rId33"/>
+    <p:sldId id="567" r:id="rId22"/>
+    <p:sldId id="544" r:id="rId23"/>
+    <p:sldId id="553" r:id="rId24"/>
+    <p:sldId id="554" r:id="rId25"/>
+    <p:sldId id="556" r:id="rId26"/>
+    <p:sldId id="559" r:id="rId27"/>
+    <p:sldId id="560" r:id="rId28"/>
+    <p:sldId id="561" r:id="rId29"/>
+    <p:sldId id="563" r:id="rId30"/>
+    <p:sldId id="564" r:id="rId31"/>
+    <p:sldId id="562" r:id="rId32"/>
+    <p:sldId id="495" r:id="rId33"/>
+    <p:sldId id="454" r:id="rId34"/>
   </p:sldIdLst>
   <p:sldSz cx="12192000" cy="6858000"/>
   <p:notesSz cx="7010400" cy="9296400"/>
@@ -161,6 +162,7 @@
             <p14:sldId id="530"/>
             <p14:sldId id="531"/>
             <p14:sldId id="545"/>
+            <p14:sldId id="567"/>
             <p14:sldId id="544"/>
             <p14:sldId id="553"/>
             <p14:sldId id="554"/>
@@ -278,7 +280,7 @@
           <a:p>
             <a:fld id="{9EB326D8-4C38-4835-91AB-B79CDC0B07B3}" type="datetimeFigureOut">
               <a:rPr lang="en-US" smtClean="0"/>
-              <a:t>12/11/2014</a:t>
+              <a:t>1/30/2015</a:t>
             </a:fld>
             <a:endParaRPr lang="en-US"/>
           </a:p>
@@ -2155,7 +2157,7 @@
           <a:p>
             <a:fld id="{2C52CFDC-D2D5-4B9F-BA75-89F771E01AEB}" type="slidenum">
               <a:rPr lang="en-US" smtClean="0"/>
-              <a:t>18</a:t>
+              <a:t>19</a:t>
             </a:fld>
             <a:endParaRPr lang="en-US"/>
           </a:p>
@@ -2239,7 +2241,7 @@
           <a:p>
             <a:fld id="{2C52CFDC-D2D5-4B9F-BA75-89F771E01AEB}" type="slidenum">
               <a:rPr lang="en-US" smtClean="0"/>
-              <a:t>19</a:t>
+              <a:t>20</a:t>
             </a:fld>
             <a:endParaRPr lang="en-US"/>
           </a:p>
@@ -2412,7 +2414,7 @@
           <a:p>
             <a:fld id="{2C52CFDC-D2D5-4B9F-BA75-89F771E01AEB}" type="slidenum">
               <a:rPr lang="en-US" smtClean="0"/>
-              <a:t>20</a:t>
+              <a:t>21</a:t>
             </a:fld>
             <a:endParaRPr lang="en-US"/>
           </a:p>
@@ -2669,7 +2671,7 @@
           <a:p>
             <a:fld id="{74F2982F-AAE1-4ADA-A725-0A5C19CD442F}" type="slidenum">
               <a:rPr lang="en-US" smtClean="0"/>
-              <a:t>21</a:t>
+              <a:t>22</a:t>
             </a:fld>
             <a:endParaRPr lang="en-US"/>
           </a:p>
@@ -2830,7 +2832,7 @@
           <a:p>
             <a:fld id="{2DFDA5C7-BBAE-481E-8BF7-731156A2E2C1}" type="datetime8">
               <a:rPr lang="en-US" smtClean="0"/>
-              <a:t>12/11/2014 10:19 AM</a:t>
+              <a:t>1/30/2015 1:17 AM</a:t>
             </a:fld>
             <a:endParaRPr lang="en-US" dirty="0"/>
           </a:p>
@@ -2854,7 +2856,7 @@
             <a:fld id="{B4008EB6-D09E-4580-8CD6-DDB14511944F}" type="slidenum">
               <a:rPr lang="en-US" smtClean="0"/>
               <a:pPr/>
-              <a:t>22</a:t>
+              <a:t>23</a:t>
             </a:fld>
             <a:endParaRPr lang="en-US" dirty="0"/>
           </a:p>
@@ -3015,7 +3017,7 @@
           <a:p>
             <a:fld id="{2DFDA5C7-BBAE-481E-8BF7-731156A2E2C1}" type="datetime8">
               <a:rPr lang="en-US" smtClean="0"/>
-              <a:t>12/11/2014 10:19 AM</a:t>
+              <a:t>1/30/2015 1:17 AM</a:t>
             </a:fld>
             <a:endParaRPr lang="en-US" dirty="0"/>
           </a:p>
@@ -3039,7 +3041,7 @@
             <a:fld id="{B4008EB6-D09E-4580-8CD6-DDB14511944F}" type="slidenum">
               <a:rPr lang="en-US" smtClean="0"/>
               <a:pPr/>
-              <a:t>23</a:t>
+              <a:t>24</a:t>
             </a:fld>
             <a:endParaRPr lang="en-US" dirty="0"/>
           </a:p>
@@ -3208,7 +3210,7 @@
           <a:p>
             <a:fld id="{2DFDA5C7-BBAE-481E-8BF7-731156A2E2C1}" type="datetime8">
               <a:rPr lang="en-US" smtClean="0"/>
-              <a:t>12/11/2014 10:19 AM</a:t>
+              <a:t>1/30/2015 1:17 AM</a:t>
             </a:fld>
             <a:endParaRPr lang="en-US" dirty="0"/>
           </a:p>
@@ -3232,7 +3234,7 @@
             <a:fld id="{B4008EB6-D09E-4580-8CD6-DDB14511944F}" type="slidenum">
               <a:rPr lang="en-US" smtClean="0"/>
               <a:pPr/>
-              <a:t>24</a:t>
+              <a:t>25</a:t>
             </a:fld>
             <a:endParaRPr lang="en-US" dirty="0"/>
           </a:p>
@@ -3393,7 +3395,7 @@
           <a:p>
             <a:fld id="{2DFDA5C7-BBAE-481E-8BF7-731156A2E2C1}" type="datetime8">
               <a:rPr lang="en-US" smtClean="0"/>
-              <a:t>12/11/2014 10:19 AM</a:t>
+              <a:t>1/30/2015 1:17 AM</a:t>
             </a:fld>
             <a:endParaRPr lang="en-US" dirty="0"/>
           </a:p>
@@ -3417,7 +3419,7 @@
             <a:fld id="{B4008EB6-D09E-4580-8CD6-DDB14511944F}" type="slidenum">
               <a:rPr lang="en-US" smtClean="0"/>
               <a:pPr/>
-              <a:t>25</a:t>
+              <a:t>26</a:t>
             </a:fld>
             <a:endParaRPr lang="en-US" dirty="0"/>
           </a:p>
@@ -3578,7 +3580,7 @@
           <a:p>
             <a:fld id="{2DFDA5C7-BBAE-481E-8BF7-731156A2E2C1}" type="datetime8">
               <a:rPr lang="en-US" smtClean="0"/>
-              <a:t>12/11/2014 10:19 AM</a:t>
+              <a:t>1/30/2015 1:17 AM</a:t>
             </a:fld>
             <a:endParaRPr lang="en-US" dirty="0"/>
           </a:p>
@@ -3602,7 +3604,7 @@
             <a:fld id="{B4008EB6-D09E-4580-8CD6-DDB14511944F}" type="slidenum">
               <a:rPr lang="en-US" smtClean="0"/>
               <a:pPr/>
-              <a:t>26</a:t>
+              <a:t>27</a:t>
             </a:fld>
             <a:endParaRPr lang="en-US" dirty="0"/>
           </a:p>
@@ -3763,7 +3765,7 @@
           <a:p>
             <a:fld id="{2DFDA5C7-BBAE-481E-8BF7-731156A2E2C1}" type="datetime8">
               <a:rPr lang="en-US" smtClean="0"/>
-              <a:t>12/11/2014 10:19 AM</a:t>
+              <a:t>1/30/2015 1:17 AM</a:t>
             </a:fld>
             <a:endParaRPr lang="en-US" dirty="0"/>
           </a:p>
@@ -3787,7 +3789,7 @@
             <a:fld id="{B4008EB6-D09E-4580-8CD6-DDB14511944F}" type="slidenum">
               <a:rPr lang="en-US" smtClean="0"/>
               <a:pPr/>
-              <a:t>27</a:t>
+              <a:t>28</a:t>
             </a:fld>
             <a:endParaRPr lang="en-US" dirty="0"/>
           </a:p>
@@ -3983,7 +3985,7 @@
                 </a:solidFill>
               </a:rPr>
               <a:pPr/>
-              <a:t>12/11/2014</a:t>
+              <a:t>1/30/2015</a:t>
             </a:fld>
             <a:endParaRPr lang="en-US" dirty="0">
               <a:solidFill>
@@ -4015,7 +4017,7 @@
                 </a:solidFill>
               </a:rPr>
               <a:pPr/>
-              <a:t>28</a:t>
+              <a:t>29</a:t>
             </a:fld>
             <a:endParaRPr lang="en-US" dirty="0">
               <a:solidFill>
@@ -8962,7 +8964,7 @@
           <a:graphicData uri="http://schemas.openxmlformats.org/presentationml/2006/ole">
             <mc:AlternateContent xmlns:mc="http://schemas.openxmlformats.org/markup-compatibility/2006">
               <mc:Choice xmlns:v="urn:schemas-microsoft-com:vml" Requires="v">
-                <p:oleObj spid="_x0000_s1060" name="think-cell Slide" r:id="rId7" imgW="270" imgH="270" progId="TCLayout.ActiveDocument.1">
+                <p:oleObj spid="_x0000_s1061" name="think-cell Slide" r:id="rId7" imgW="270" imgH="270" progId="TCLayout.ActiveDocument.1">
                   <p:embed/>
                 </p:oleObj>
               </mc:Choice>
@@ -10179,7 +10181,7 @@
           <a:graphicData uri="http://schemas.openxmlformats.org/presentationml/2006/ole">
             <mc:AlternateContent xmlns:mc="http://schemas.openxmlformats.org/markup-compatibility/2006">
               <mc:Choice xmlns:v="urn:schemas-microsoft-com:vml" Requires="v">
-                <p:oleObj spid="_x0000_s2081" name="think-cell Slide" r:id="rId6" imgW="270" imgH="270" progId="TCLayout.ActiveDocument.1">
+                <p:oleObj spid="_x0000_s2082" name="think-cell Slide" r:id="rId6" imgW="270" imgH="270" progId="TCLayout.ActiveDocument.1">
                   <p:embed/>
                 </p:oleObj>
               </mc:Choice>
@@ -11371,7 +11373,7 @@
           <a:graphicData uri="http://schemas.openxmlformats.org/presentationml/2006/ole">
             <mc:AlternateContent xmlns:mc="http://schemas.openxmlformats.org/markup-compatibility/2006">
               <mc:Choice xmlns:v="urn:schemas-microsoft-com:vml" Requires="v">
-                <p:oleObj spid="_x0000_s3104" name="think-cell Slide" r:id="rId6" imgW="270" imgH="270" progId="TCLayout.ActiveDocument.1">
+                <p:oleObj spid="_x0000_s3105" name="think-cell Slide" r:id="rId6" imgW="270" imgH="270" progId="TCLayout.ActiveDocument.1">
                   <p:embed/>
                 </p:oleObj>
               </mc:Choice>
@@ -12855,7 +12857,7 @@
           <a:graphicData uri="http://schemas.openxmlformats.org/presentationml/2006/ole">
             <mc:AlternateContent xmlns:mc="http://schemas.openxmlformats.org/markup-compatibility/2006">
               <mc:Choice xmlns:v="urn:schemas-microsoft-com:vml" Requires="v">
-                <p:oleObj spid="_x0000_s6171" name="think-cell Slide" r:id="rId5" imgW="270" imgH="270" progId="TCLayout.ActiveDocument.1">
+                <p:oleObj spid="_x0000_s6172" name="think-cell Slide" r:id="rId5" imgW="270" imgH="270" progId="TCLayout.ActiveDocument.1">
                   <p:embed/>
                 </p:oleObj>
               </mc:Choice>
@@ -13291,6 +13293,286 @@
 </file>
 
 <file path=ppt/slides/slide18.xml><?xml version="1.0" encoding="utf-8"?>
+<p:sld xmlns:a="http://schemas.openxmlformats.org/drawingml/2006/main" xmlns:r="http://schemas.openxmlformats.org/officeDocument/2006/relationships" xmlns:p="http://schemas.openxmlformats.org/presentationml/2006/main">
+  <p:cSld>
+    <p:spTree>
+      <p:nvGrpSpPr>
+        <p:cNvPr id="1" name=""/>
+        <p:cNvGrpSpPr/>
+        <p:nvPr/>
+      </p:nvGrpSpPr>
+      <p:grpSpPr>
+        <a:xfrm>
+          <a:off x="0" y="0"/>
+          <a:ext cx="0" cy="0"/>
+          <a:chOff x="0" y="0"/>
+          <a:chExt cx="0" cy="0"/>
+        </a:xfrm>
+      </p:grpSpPr>
+      <p:sp>
+        <p:nvSpPr>
+          <p:cNvPr id="2" name="Title 1"/>
+          <p:cNvSpPr>
+            <a:spLocks noGrp="1"/>
+          </p:cNvSpPr>
+          <p:nvPr>
+            <p:ph type="title"/>
+          </p:nvPr>
+        </p:nvSpPr>
+        <p:spPr/>
+        <p:txBody>
+          <a:bodyPr>
+            <a:normAutofit fontScale="90000"/>
+          </a:bodyPr>
+          <a:lstStyle/>
+          <a:p>
+            <a:r>
+              <a:rPr lang="en-US" dirty="0">
+                <a:solidFill>
+                  <a:schemeClr val="bg1"/>
+                </a:solidFill>
+              </a:rPr>
+              <a:t>Integrated development experience powered by Visual Studio + Azure SDK</a:t>
+            </a:r>
+          </a:p>
+        </p:txBody>
+      </p:sp>
+      <p:sp>
+        <p:nvSpPr>
+          <p:cNvPr id="3" name="Content Placeholder 2"/>
+          <p:cNvSpPr>
+            <a:spLocks noGrp="1"/>
+          </p:cNvSpPr>
+          <p:nvPr>
+            <p:ph sz="quarter" idx="10"/>
+          </p:nvPr>
+        </p:nvSpPr>
+        <p:spPr>
+          <a:xfrm>
+            <a:off x="519249" y="2066104"/>
+            <a:ext cx="7602776" cy="4538678"/>
+          </a:xfrm>
+        </p:spPr>
+        <p:txBody>
+          <a:bodyPr/>
+          <a:lstStyle/>
+          <a:p>
+            <a:r>
+              <a:rPr lang="en-US" sz="2800" dirty="0" smtClean="0"/>
+              <a:t>Development </a:t>
+            </a:r>
+            <a:r>
+              <a:rPr lang="en-US" sz="2800" dirty="0"/>
+              <a:t>experience using the </a:t>
+            </a:r>
+            <a:r>
+              <a:rPr lang="en-US" sz="2900" dirty="0">
+                <a:solidFill>
+                  <a:srgbClr val="FFC000"/>
+                </a:solidFill>
+              </a:rPr>
+              <a:t>Azure SDK</a:t>
+            </a:r>
+            <a:r>
+              <a:rPr lang="en-US" sz="2800" dirty="0"/>
+              <a:t>, integrated seamlessly with </a:t>
+            </a:r>
+            <a:r>
+              <a:rPr lang="en-US" sz="2900" dirty="0">
+                <a:solidFill>
+                  <a:srgbClr val="FFC000"/>
+                </a:solidFill>
+              </a:rPr>
+              <a:t>Visual Studio</a:t>
+            </a:r>
+            <a:r>
+              <a:rPr lang="en-US" sz="2800" dirty="0" smtClean="0"/>
+              <a:t>.</a:t>
+            </a:r>
+          </a:p>
+          <a:p>
+            <a:endParaRPr lang="en-US" sz="2800" dirty="0" smtClean="0"/>
+          </a:p>
+          <a:p>
+            <a:r>
+              <a:rPr lang="en-US" sz="2800" dirty="0" smtClean="0"/>
+              <a:t>Deploy </a:t>
+            </a:r>
+            <a:r>
+              <a:rPr lang="en-US" sz="2800" dirty="0"/>
+              <a:t>using </a:t>
+            </a:r>
+            <a:r>
+              <a:rPr lang="en-US" sz="2900" dirty="0">
+                <a:solidFill>
+                  <a:srgbClr val="FFC000"/>
+                </a:solidFill>
+              </a:rPr>
+              <a:t>any language </a:t>
+            </a:r>
+            <a:r>
+              <a:rPr lang="en-US" sz="2800" dirty="0"/>
+              <a:t>you like, including </a:t>
+            </a:r>
+            <a:r>
+              <a:rPr lang="en-US" sz="2900" dirty="0">
+                <a:solidFill>
+                  <a:srgbClr val="FFC000"/>
+                </a:solidFill>
+              </a:rPr>
+              <a:t>.NET</a:t>
+            </a:r>
+            <a:r>
+              <a:rPr lang="en-US" sz="2800" dirty="0"/>
+              <a:t>, </a:t>
+            </a:r>
+            <a:r>
+              <a:rPr lang="en-US" sz="2900" dirty="0">
+                <a:solidFill>
+                  <a:srgbClr val="FFC000"/>
+                </a:solidFill>
+              </a:rPr>
+              <a:t>Java</a:t>
+            </a:r>
+            <a:r>
+              <a:rPr lang="en-US" sz="2800" dirty="0"/>
+              <a:t>, </a:t>
+            </a:r>
+            <a:r>
+              <a:rPr lang="en-US" sz="2900" dirty="0">
+                <a:solidFill>
+                  <a:srgbClr val="FFC000"/>
+                </a:solidFill>
+              </a:rPr>
+              <a:t>Node.js</a:t>
+            </a:r>
+            <a:r>
+              <a:rPr lang="en-US" sz="2800" dirty="0"/>
+              <a:t>, </a:t>
+            </a:r>
+            <a:r>
+              <a:rPr lang="en-US" sz="2900" dirty="0">
+                <a:solidFill>
+                  <a:srgbClr val="FFC000"/>
+                </a:solidFill>
+              </a:rPr>
+              <a:t>PHP</a:t>
+            </a:r>
+            <a:r>
+              <a:rPr lang="en-US" sz="2800" dirty="0"/>
+              <a:t>, </a:t>
+            </a:r>
+            <a:r>
+              <a:rPr lang="en-US" sz="2900" dirty="0">
+                <a:solidFill>
+                  <a:srgbClr val="FFC000"/>
+                </a:solidFill>
+              </a:rPr>
+              <a:t>Python</a:t>
+            </a:r>
+            <a:r>
+              <a:rPr lang="en-US" sz="2800" dirty="0"/>
+              <a:t>, or </a:t>
+            </a:r>
+            <a:r>
+              <a:rPr lang="en-US" sz="2900" dirty="0">
+                <a:solidFill>
+                  <a:srgbClr val="FFC000"/>
+                </a:solidFill>
+              </a:rPr>
+              <a:t>Ruby</a:t>
+            </a:r>
+            <a:r>
+              <a:rPr lang="en-US" sz="2800" dirty="0" smtClean="0"/>
+              <a:t>.</a:t>
+            </a:r>
+          </a:p>
+          <a:p>
+            <a:endParaRPr lang="en-US" sz="2800" dirty="0" smtClean="0"/>
+          </a:p>
+          <a:p>
+            <a:r>
+              <a:rPr lang="en-US" sz="2900" dirty="0">
+                <a:solidFill>
+                  <a:srgbClr val="FFC000"/>
+                </a:solidFill>
+              </a:rPr>
+              <a:t>Test </a:t>
+            </a:r>
+            <a:r>
+              <a:rPr lang="en-US" sz="2900" dirty="0">
+                <a:solidFill>
+                  <a:srgbClr val="FFC000"/>
+                </a:solidFill>
+              </a:rPr>
+              <a:t>your application </a:t>
+            </a:r>
+            <a:r>
+              <a:rPr lang="en-US" sz="2800" dirty="0"/>
+              <a:t>before deploying to the cloud using the </a:t>
+            </a:r>
+            <a:r>
+              <a:rPr lang="en-US" sz="2900" dirty="0">
+                <a:solidFill>
+                  <a:srgbClr val="FFC000"/>
+                </a:solidFill>
+              </a:rPr>
+              <a:t>Azure Emulator</a:t>
+            </a:r>
+            <a:r>
+              <a:rPr lang="en-US" sz="2800" dirty="0"/>
+              <a:t>, which brings the platform’s key functionality right to your dev machine. </a:t>
+            </a:r>
+          </a:p>
+        </p:txBody>
+      </p:sp>
+      <p:pic>
+        <p:nvPicPr>
+          <p:cNvPr id="4" name="Picture 3"/>
+          <p:cNvPicPr>
+            <a:picLocks noChangeAspect="1"/>
+          </p:cNvPicPr>
+          <p:nvPr/>
+        </p:nvPicPr>
+        <p:blipFill>
+          <a:blip r:embed="rId2">
+            <a:extLst>
+              <a:ext uri="{28A0092B-C50C-407E-A947-70E740481C1C}">
+                <a14:useLocalDpi xmlns:a14="http://schemas.microsoft.com/office/drawing/2010/main" val="0"/>
+              </a:ext>
+            </a:extLst>
+          </a:blip>
+          <a:stretch>
+            <a:fillRect/>
+          </a:stretch>
+        </p:blipFill>
+        <p:spPr>
+          <a:xfrm>
+            <a:off x="8383795" y="2607607"/>
+            <a:ext cx="3922954" cy="2521900"/>
+          </a:xfrm>
+          <a:prstGeom prst="rect">
+            <a:avLst/>
+          </a:prstGeom>
+        </p:spPr>
+      </p:pic>
+    </p:spTree>
+    <p:extLst>
+      <p:ext uri="{BB962C8B-B14F-4D97-AF65-F5344CB8AC3E}">
+        <p14:creationId xmlns:p14="http://schemas.microsoft.com/office/powerpoint/2010/main" val="122176672"/>
+      </p:ext>
+    </p:extLst>
+  </p:cSld>
+  <p:clrMapOvr>
+    <a:masterClrMapping/>
+  </p:clrMapOvr>
+  <p:transition>
+    <p:fade/>
+  </p:transition>
+</p:sld>
+</file>
+
+<file path=ppt/slides/slide19.xml><?xml version="1.0" encoding="utf-8"?>
 <p:sld xmlns:a="http://schemas.openxmlformats.org/drawingml/2006/main" xmlns:r="http://schemas.openxmlformats.org/officeDocument/2006/relationships" xmlns:p="http://schemas.openxmlformats.org/presentationml/2006/main">
   <p:cSld>
     <p:spTree>
@@ -13481,86 +13763,6 @@
     <p:bldLst>
       <p:bldP spid="3" grpId="0" build="p"/>
     </p:bldLst>
-  </p:timing>
-</p:sld>
-</file>
-
-<file path=ppt/slides/slide19.xml><?xml version="1.0" encoding="utf-8"?>
-<p:sld xmlns:a="http://schemas.openxmlformats.org/drawingml/2006/main" xmlns:r="http://schemas.openxmlformats.org/officeDocument/2006/relationships" xmlns:p="http://schemas.openxmlformats.org/presentationml/2006/main">
-  <p:cSld>
-    <p:spTree>
-      <p:nvGrpSpPr>
-        <p:cNvPr id="1" name=""/>
-        <p:cNvGrpSpPr/>
-        <p:nvPr/>
-      </p:nvGrpSpPr>
-      <p:grpSpPr>
-        <a:xfrm>
-          <a:off x="0" y="0"/>
-          <a:ext cx="0" cy="0"/>
-          <a:chOff x="0" y="0"/>
-          <a:chExt cx="0" cy="0"/>
-        </a:xfrm>
-      </p:grpSpPr>
-      <p:sp>
-        <p:nvSpPr>
-          <p:cNvPr id="2" name="Title 1"/>
-          <p:cNvSpPr>
-            <a:spLocks noGrp="1"/>
-          </p:cNvSpPr>
-          <p:nvPr>
-            <p:ph type="ctrTitle"/>
-          </p:nvPr>
-        </p:nvSpPr>
-        <p:spPr/>
-        <p:txBody>
-          <a:bodyPr/>
-          <a:lstStyle/>
-          <a:p>
-            <a:r>
-              <a:rPr lang="en-US" altLang="zh-CN" sz="13800" dirty="0" smtClean="0">
-                <a:solidFill>
-                  <a:schemeClr val="bg1"/>
-                </a:solidFill>
-              </a:rPr>
-              <a:t>Design for Cloud</a:t>
-            </a:r>
-            <a:endParaRPr lang="en-US" sz="13800" dirty="0">
-              <a:solidFill>
-                <a:schemeClr val="bg1"/>
-              </a:solidFill>
-            </a:endParaRPr>
-          </a:p>
-        </p:txBody>
-      </p:sp>
-    </p:spTree>
-    <p:extLst>
-      <p:ext uri="{BB962C8B-B14F-4D97-AF65-F5344CB8AC3E}">
-        <p14:creationId xmlns:p14="http://schemas.microsoft.com/office/powerpoint/2010/main" val="1988179541"/>
-      </p:ext>
-    </p:extLst>
-  </p:cSld>
-  <p:clrMapOvr>
-    <a:masterClrMapping/>
-  </p:clrMapOvr>
-  <mc:AlternateContent xmlns:mc="http://schemas.openxmlformats.org/markup-compatibility/2006" xmlns:p14="http://schemas.microsoft.com/office/powerpoint/2010/main">
-    <mc:Choice Requires="p14">
-      <p:transition spd="med" p14:dur="700">
-        <p:fade/>
-      </p:transition>
-    </mc:Choice>
-    <mc:Fallback xmlns="">
-      <p:transition spd="med">
-        <p:fade/>
-      </p:transition>
-    </mc:Fallback>
-  </mc:AlternateContent>
-  <p:timing>
-    <p:tnLst>
-      <p:par>
-        <p:cTn id="1" dur="indefinite" restart="never" nodeType="tmRoot"/>
-      </p:par>
-    </p:tnLst>
   </p:timing>
 </p:sld>
 </file>
@@ -13980,6 +14182,86 @@
       </p:grpSpPr>
       <p:sp>
         <p:nvSpPr>
+          <p:cNvPr id="2" name="Title 1"/>
+          <p:cNvSpPr>
+            <a:spLocks noGrp="1"/>
+          </p:cNvSpPr>
+          <p:nvPr>
+            <p:ph type="ctrTitle"/>
+          </p:nvPr>
+        </p:nvSpPr>
+        <p:spPr/>
+        <p:txBody>
+          <a:bodyPr/>
+          <a:lstStyle/>
+          <a:p>
+            <a:r>
+              <a:rPr lang="en-US" altLang="zh-CN" sz="13800" dirty="0" smtClean="0">
+                <a:solidFill>
+                  <a:schemeClr val="bg1"/>
+                </a:solidFill>
+              </a:rPr>
+              <a:t>Design for Cloud</a:t>
+            </a:r>
+            <a:endParaRPr lang="en-US" sz="13800" dirty="0">
+              <a:solidFill>
+                <a:schemeClr val="bg1"/>
+              </a:solidFill>
+            </a:endParaRPr>
+          </a:p>
+        </p:txBody>
+      </p:sp>
+    </p:spTree>
+    <p:extLst>
+      <p:ext uri="{BB962C8B-B14F-4D97-AF65-F5344CB8AC3E}">
+        <p14:creationId xmlns:p14="http://schemas.microsoft.com/office/powerpoint/2010/main" val="1988179541"/>
+      </p:ext>
+    </p:extLst>
+  </p:cSld>
+  <p:clrMapOvr>
+    <a:masterClrMapping/>
+  </p:clrMapOvr>
+  <mc:AlternateContent xmlns:mc="http://schemas.openxmlformats.org/markup-compatibility/2006" xmlns:p14="http://schemas.microsoft.com/office/powerpoint/2010/main">
+    <mc:Choice Requires="p14">
+      <p:transition spd="med" p14:dur="700">
+        <p:fade/>
+      </p:transition>
+    </mc:Choice>
+    <mc:Fallback xmlns="">
+      <p:transition spd="med">
+        <p:fade/>
+      </p:transition>
+    </mc:Fallback>
+  </mc:AlternateContent>
+  <p:timing>
+    <p:tnLst>
+      <p:par>
+        <p:cTn id="1" dur="indefinite" restart="never" nodeType="tmRoot"/>
+      </p:par>
+    </p:tnLst>
+  </p:timing>
+</p:sld>
+</file>
+
+<file path=ppt/slides/slide21.xml><?xml version="1.0" encoding="utf-8"?>
+<p:sld xmlns:a="http://schemas.openxmlformats.org/drawingml/2006/main" xmlns:r="http://schemas.openxmlformats.org/officeDocument/2006/relationships" xmlns:p="http://schemas.openxmlformats.org/presentationml/2006/main">
+  <p:cSld>
+    <p:spTree>
+      <p:nvGrpSpPr>
+        <p:cNvPr id="1" name=""/>
+        <p:cNvGrpSpPr/>
+        <p:nvPr/>
+      </p:nvGrpSpPr>
+      <p:grpSpPr>
+        <a:xfrm>
+          <a:off x="0" y="0"/>
+          <a:ext cx="0" cy="0"/>
+          <a:chOff x="0" y="0"/>
+          <a:chExt cx="0" cy="0"/>
+        </a:xfrm>
+      </p:grpSpPr>
+      <p:sp>
+        <p:nvSpPr>
           <p:cNvPr id="5" name="Title 4"/>
           <p:cNvSpPr>
             <a:spLocks noGrp="1"/>
@@ -14361,7 +14643,7 @@
 </p:sld>
 </file>
 
-<file path=ppt/slides/slide21.xml><?xml version="1.0" encoding="utf-8"?>
+<file path=ppt/slides/slide22.xml><?xml version="1.0" encoding="utf-8"?>
 <p:sld xmlns:a="http://schemas.openxmlformats.org/drawingml/2006/main" xmlns:r="http://schemas.openxmlformats.org/officeDocument/2006/relationships" xmlns:p="http://schemas.openxmlformats.org/presentationml/2006/main">
   <p:cSld>
     <p:spTree>
@@ -20535,7 +20817,7 @@
 </p:sld>
 </file>
 
-<file path=ppt/slides/slide22.xml><?xml version="1.0" encoding="utf-8"?>
+<file path=ppt/slides/slide23.xml><?xml version="1.0" encoding="utf-8"?>
 <p:sld xmlns:a="http://schemas.openxmlformats.org/drawingml/2006/main" xmlns:r="http://schemas.openxmlformats.org/officeDocument/2006/relationships" xmlns:p="http://schemas.openxmlformats.org/presentationml/2006/main">
   <p:cSld>
     <p:spTree>
@@ -21133,7 +21415,7 @@
 </p:sld>
 </file>
 
-<file path=ppt/slides/slide23.xml><?xml version="1.0" encoding="utf-8"?>
+<file path=ppt/slides/slide24.xml><?xml version="1.0" encoding="utf-8"?>
 <p:sld xmlns:a="http://schemas.openxmlformats.org/drawingml/2006/main" xmlns:r="http://schemas.openxmlformats.org/officeDocument/2006/relationships" xmlns:p="http://schemas.openxmlformats.org/presentationml/2006/main">
   <p:cSld>
     <p:spTree>
@@ -21798,7 +22080,7 @@
 </p:sld>
 </file>
 
-<file path=ppt/slides/slide24.xml><?xml version="1.0" encoding="utf-8"?>
+<file path=ppt/slides/slide25.xml><?xml version="1.0" encoding="utf-8"?>
 <p:sld xmlns:a="http://schemas.openxmlformats.org/drawingml/2006/main" xmlns:r="http://schemas.openxmlformats.org/officeDocument/2006/relationships" xmlns:p="http://schemas.openxmlformats.org/presentationml/2006/main">
   <p:cSld>
     <p:spTree>
@@ -23022,7 +23304,7 @@
 </p:sld>
 </file>
 
-<file path=ppt/slides/slide25.xml><?xml version="1.0" encoding="utf-8"?>
+<file path=ppt/slides/slide26.xml><?xml version="1.0" encoding="utf-8"?>
 <p:sld xmlns:a="http://schemas.openxmlformats.org/drawingml/2006/main" xmlns:r="http://schemas.openxmlformats.org/officeDocument/2006/relationships" xmlns:p="http://schemas.openxmlformats.org/presentationml/2006/main" show="0">
   <p:cSld>
     <p:spTree>
@@ -25034,7 +25316,7 @@
 </p:sld>
 </file>
 
-<file path=ppt/slides/slide26.xml><?xml version="1.0" encoding="utf-8"?>
+<file path=ppt/slides/slide27.xml><?xml version="1.0" encoding="utf-8"?>
 <p:sld xmlns:a="http://schemas.openxmlformats.org/drawingml/2006/main" xmlns:r="http://schemas.openxmlformats.org/officeDocument/2006/relationships" xmlns:p="http://schemas.openxmlformats.org/presentationml/2006/main" show="0">
   <p:cSld>
     <p:spTree>
@@ -27830,7 +28112,7 @@
 </p:sld>
 </file>
 
-<file path=ppt/slides/slide27.xml><?xml version="1.0" encoding="utf-8"?>
+<file path=ppt/slides/slide28.xml><?xml version="1.0" encoding="utf-8"?>
 <p:sld xmlns:a="http://schemas.openxmlformats.org/drawingml/2006/main" xmlns:r="http://schemas.openxmlformats.org/officeDocument/2006/relationships" xmlns:p="http://schemas.openxmlformats.org/presentationml/2006/main">
   <p:cSld>
     <p:spTree>
@@ -28376,7 +28658,7 @@
 </p:sld>
 </file>
 
-<file path=ppt/slides/slide28.xml><?xml version="1.0" encoding="utf-8"?>
+<file path=ppt/slides/slide29.xml><?xml version="1.0" encoding="utf-8"?>
 <p:sld xmlns:a="http://schemas.openxmlformats.org/drawingml/2006/main" xmlns:r="http://schemas.openxmlformats.org/officeDocument/2006/relationships" xmlns:p="http://schemas.openxmlformats.org/presentationml/2006/main">
   <p:cSld>
     <p:spTree>
@@ -29149,55 +29431,6 @@
 </p:sld>
 </file>
 
-<file path=ppt/slides/slide29.xml><?xml version="1.0" encoding="utf-8"?>
-<p:sld xmlns:a="http://schemas.openxmlformats.org/drawingml/2006/main" xmlns:r="http://schemas.openxmlformats.org/officeDocument/2006/relationships" xmlns:p="http://schemas.openxmlformats.org/presentationml/2006/main">
-  <p:cSld>
-    <p:spTree>
-      <p:nvGrpSpPr>
-        <p:cNvPr id="1" name=""/>
-        <p:cNvGrpSpPr/>
-        <p:nvPr/>
-      </p:nvGrpSpPr>
-      <p:grpSpPr>
-        <a:xfrm>
-          <a:off x="0" y="0"/>
-          <a:ext cx="0" cy="0"/>
-          <a:chOff x="0" y="0"/>
-          <a:chExt cx="0" cy="0"/>
-        </a:xfrm>
-      </p:grpSpPr>
-    </p:spTree>
-    <p:extLst>
-      <p:ext uri="{BB962C8B-B14F-4D97-AF65-F5344CB8AC3E}">
-        <p14:creationId xmlns:p14="http://schemas.microsoft.com/office/powerpoint/2010/main" val="981978785"/>
-      </p:ext>
-    </p:extLst>
-  </p:cSld>
-  <p:clrMapOvr>
-    <a:masterClrMapping/>
-  </p:clrMapOvr>
-  <mc:AlternateContent xmlns:mc="http://schemas.openxmlformats.org/markup-compatibility/2006" xmlns:p14="http://schemas.microsoft.com/office/powerpoint/2010/main">
-    <mc:Choice Requires="p14">
-      <p:transition spd="med" p14:dur="700">
-        <p:fade/>
-      </p:transition>
-    </mc:Choice>
-    <mc:Fallback xmlns="">
-      <p:transition spd="med">
-        <p:fade/>
-      </p:transition>
-    </mc:Fallback>
-  </mc:AlternateContent>
-  <p:timing>
-    <p:tnLst>
-      <p:par>
-        <p:cTn id="1" dur="indefinite" restart="never" nodeType="tmRoot"/>
-      </p:par>
-    </p:tnLst>
-  </p:timing>
-</p:sld>
-</file>
-
 <file path=ppt/slides/slide3.xml><?xml version="1.0" encoding="utf-8"?>
 <p:sld xmlns:a="http://schemas.openxmlformats.org/drawingml/2006/main" xmlns:r="http://schemas.openxmlformats.org/officeDocument/2006/relationships" xmlns:p="http://schemas.openxmlformats.org/presentationml/2006/main">
   <p:cSld>
@@ -29263,15 +29496,7 @@
                   <a:prstClr val="white"/>
                 </a:solidFill>
               </a:rPr>
-              <a:t>The three ways to host your applications </a:t>
-            </a:r>
-            <a:r>
-              <a:rPr lang="en-US" sz="2800" dirty="0" smtClean="0">
-                <a:solidFill>
-                  <a:prstClr val="white"/>
-                </a:solidFill>
-              </a:rPr>
-              <a:t>on the Microsoft Azure Platform</a:t>
+              <a:t>The three ways to host your applications on the Microsoft Azure Platform</a:t>
             </a:r>
             <a:endParaRPr lang="en-US" sz="2800" dirty="0">
               <a:solidFill>
@@ -29542,12 +29767,61 @@
   <p:clrMapOvr>
     <a:masterClrMapping/>
   </p:clrMapOvr>
-  <mc:AlternateContent xmlns:mc="http://schemas.openxmlformats.org/markup-compatibility/2006">
-    <mc:Choice xmlns:p14="http://schemas.microsoft.com/office/powerpoint/2010/main" Requires="p14">
+  <mc:AlternateContent xmlns:mc="http://schemas.openxmlformats.org/markup-compatibility/2006" xmlns:p14="http://schemas.microsoft.com/office/powerpoint/2010/main">
+    <mc:Choice Requires="p14">
       <p:transition spd="slow" p14:dur="2000"/>
     </mc:Choice>
-    <mc:Fallback>
+    <mc:Fallback xmlns="">
       <p:transition spd="slow"/>
+    </mc:Fallback>
+  </mc:AlternateContent>
+  <p:timing>
+    <p:tnLst>
+      <p:par>
+        <p:cTn id="1" dur="indefinite" restart="never" nodeType="tmRoot"/>
+      </p:par>
+    </p:tnLst>
+  </p:timing>
+</p:sld>
+</file>
+
+<file path=ppt/slides/slide30.xml><?xml version="1.0" encoding="utf-8"?>
+<p:sld xmlns:a="http://schemas.openxmlformats.org/drawingml/2006/main" xmlns:r="http://schemas.openxmlformats.org/officeDocument/2006/relationships" xmlns:p="http://schemas.openxmlformats.org/presentationml/2006/main">
+  <p:cSld>
+    <p:spTree>
+      <p:nvGrpSpPr>
+        <p:cNvPr id="1" name=""/>
+        <p:cNvGrpSpPr/>
+        <p:nvPr/>
+      </p:nvGrpSpPr>
+      <p:grpSpPr>
+        <a:xfrm>
+          <a:off x="0" y="0"/>
+          <a:ext cx="0" cy="0"/>
+          <a:chOff x="0" y="0"/>
+          <a:chExt cx="0" cy="0"/>
+        </a:xfrm>
+      </p:grpSpPr>
+    </p:spTree>
+    <p:extLst>
+      <p:ext uri="{BB962C8B-B14F-4D97-AF65-F5344CB8AC3E}">
+        <p14:creationId xmlns:p14="http://schemas.microsoft.com/office/powerpoint/2010/main" val="981978785"/>
+      </p:ext>
+    </p:extLst>
+  </p:cSld>
+  <p:clrMapOvr>
+    <a:masterClrMapping/>
+  </p:clrMapOvr>
+  <mc:AlternateContent xmlns:mc="http://schemas.openxmlformats.org/markup-compatibility/2006" xmlns:p14="http://schemas.microsoft.com/office/powerpoint/2010/main">
+    <mc:Choice Requires="p14">
+      <p:transition spd="med" p14:dur="700">
+        <p:fade/>
+      </p:transition>
+    </mc:Choice>
+    <mc:Fallback xmlns="">
+      <p:transition spd="med">
+        <p:fade/>
+      </p:transition>
     </mc:Fallback>
   </mc:AlternateContent>
   <p:timing>
@@ -36477,7 +36751,7 @@
           <a:graphicData uri="http://schemas.openxmlformats.org/presentationml/2006/ole">
             <mc:AlternateContent xmlns:mc="http://schemas.openxmlformats.org/markup-compatibility/2006">
               <mc:Choice xmlns:v="urn:schemas-microsoft-com:vml" Requires="v">
-                <p:oleObj spid="_x0000_s7178" name="think-cell Slide" r:id="rId5" imgW="270" imgH="270" progId="TCLayout.ActiveDocument.1">
+                <p:oleObj spid="_x0000_s7179" name="think-cell Slide" r:id="rId5" imgW="270" imgH="270" progId="TCLayout.ActiveDocument.1">
                   <p:embed/>
                 </p:oleObj>
               </mc:Choice>
@@ -37494,17 +37768,12 @@
 </file>
 
 <file path=customXml/item1.xml><?xml version="1.0" encoding="utf-8"?>
-<p:properties xmlns:p="http://schemas.microsoft.com/office/2006/metadata/properties" xmlns:xsi="http://www.w3.org/2001/XMLSchema-instance" xmlns:pc="http://schemas.microsoft.com/office/infopath/2007/PartnerControls">
-  <documentManagement>
-    <SharedWithUsers xmlns="fee586e5-3c92-48eb-9898-42915e590ada">
-      <UserInfo>
-        <DisplayName>Rick Claus</DisplayName>
-        <AccountId>401</AccountId>
-        <AccountType/>
-      </UserInfo>
-    </SharedWithUsers>
-  </documentManagement>
-</p:properties>
+<?mso-contentType ?>
+<FormTemplates xmlns="http://schemas.microsoft.com/sharepoint/v3/contenttype/forms">
+  <Display>DocumentLibraryForm</Display>
+  <Edit>DocumentLibraryForm</Edit>
+  <New>DocumentLibraryForm</New>
+</FormTemplates>
 </file>
 
 <file path=customXml/item2.xml><?xml version="1.0" encoding="utf-8"?>
@@ -37648,26 +37917,23 @@
 </file>
 
 <file path=customXml/item3.xml><?xml version="1.0" encoding="utf-8"?>
-<?mso-contentType ?>
-<FormTemplates xmlns="http://schemas.microsoft.com/sharepoint/v3/contenttype/forms">
-  <Display>DocumentLibraryForm</Display>
-  <Edit>DocumentLibraryForm</Edit>
-  <New>DocumentLibraryForm</New>
-</FormTemplates>
+<p:properties xmlns:p="http://schemas.microsoft.com/office/2006/metadata/properties" xmlns:xsi="http://www.w3.org/2001/XMLSchema-instance" xmlns:pc="http://schemas.microsoft.com/office/infopath/2007/PartnerControls">
+  <documentManagement>
+    <SharedWithUsers xmlns="fee586e5-3c92-48eb-9898-42915e590ada">
+      <UserInfo>
+        <DisplayName>Rick Claus</DisplayName>
+        <AccountId>401</AccountId>
+        <AccountType/>
+      </UserInfo>
+    </SharedWithUsers>
+  </documentManagement>
+</p:properties>
 </file>
 
 <file path=customXml/itemProps1.xml><?xml version="1.0" encoding="utf-8"?>
-<ds:datastoreItem xmlns:ds="http://schemas.openxmlformats.org/officeDocument/2006/customXml" ds:itemID="{B030EFEA-9AEA-457C-BAA8-93C4281792F5}">
+<ds:datastoreItem xmlns:ds="http://schemas.openxmlformats.org/officeDocument/2006/customXml" ds:itemID="{14B32142-DE2C-423C-A302-95CAC214862A}">
   <ds:schemaRefs>
-    <ds:schemaRef ds:uri="http://purl.org/dc/terms/"/>
-    <ds:schemaRef ds:uri="http://schemas.openxmlformats.org/package/2006/metadata/core-properties"/>
-    <ds:schemaRef ds:uri="http://schemas.microsoft.com/office/2006/documentManagement/types"/>
-    <ds:schemaRef ds:uri="http://schemas.microsoft.com/office/infopath/2007/PartnerControls"/>
-    <ds:schemaRef ds:uri="http://purl.org/dc/elements/1.1/"/>
-    <ds:schemaRef ds:uri="http://schemas.microsoft.com/office/2006/metadata/properties"/>
-    <ds:schemaRef ds:uri="fee586e5-3c92-48eb-9898-42915e590ada"/>
-    <ds:schemaRef ds:uri="http://www.w3.org/XML/1998/namespace"/>
-    <ds:schemaRef ds:uri="http://purl.org/dc/dcmitype/"/>
+    <ds:schemaRef ds:uri="http://schemas.microsoft.com/sharepoint/v3/contenttype/forms"/>
   </ds:schemaRefs>
 </ds:datastoreItem>
 </file>
@@ -37691,9 +37957,17 @@
 </file>
 
 <file path=customXml/itemProps3.xml><?xml version="1.0" encoding="utf-8"?>
-<ds:datastoreItem xmlns:ds="http://schemas.openxmlformats.org/officeDocument/2006/customXml" ds:itemID="{14B32142-DE2C-423C-A302-95CAC214862A}">
+<ds:datastoreItem xmlns:ds="http://schemas.openxmlformats.org/officeDocument/2006/customXml" ds:itemID="{B030EFEA-9AEA-457C-BAA8-93C4281792F5}">
   <ds:schemaRefs>
-    <ds:schemaRef ds:uri="http://schemas.microsoft.com/sharepoint/v3/contenttype/forms"/>
+    <ds:schemaRef ds:uri="http://purl.org/dc/terms/"/>
+    <ds:schemaRef ds:uri="http://schemas.openxmlformats.org/package/2006/metadata/core-properties"/>
+    <ds:schemaRef ds:uri="http://schemas.microsoft.com/office/2006/documentManagement/types"/>
+    <ds:schemaRef ds:uri="http://schemas.microsoft.com/office/infopath/2007/PartnerControls"/>
+    <ds:schemaRef ds:uri="http://purl.org/dc/elements/1.1/"/>
+    <ds:schemaRef ds:uri="http://schemas.microsoft.com/office/2006/metadata/properties"/>
+    <ds:schemaRef ds:uri="fee586e5-3c92-48eb-9898-42915e590ada"/>
+    <ds:schemaRef ds:uri="http://www.w3.org/XML/1998/namespace"/>
+    <ds:schemaRef ds:uri="http://purl.org/dc/dcmitype/"/>
   </ds:schemaRefs>
 </ds:datastoreItem>
 </file>